--- a/E2M2-2020/Lectures-ppt/IntroCompartmentalModels.pptx
+++ b/E2M2-2020/Lectures-ppt/IntroCompartmentalModels.pptx
@@ -5,7 +5,7 @@
     <p:sldMasterId id="2147483911" r:id="rId1"/>
   </p:sldMasterIdLst>
   <p:notesMasterIdLst>
-    <p:notesMasterId r:id="rId58"/>
+    <p:notesMasterId r:id="rId61"/>
   </p:notesMasterIdLst>
   <p:sldIdLst>
     <p:sldId id="256" r:id="rId2"/>
@@ -42,28 +42,31 @@
     <p:sldId id="320" r:id="rId33"/>
     <p:sldId id="316" r:id="rId34"/>
     <p:sldId id="317" r:id="rId35"/>
-    <p:sldId id="272" r:id="rId36"/>
-    <p:sldId id="274" r:id="rId37"/>
-    <p:sldId id="275" r:id="rId38"/>
-    <p:sldId id="276" r:id="rId39"/>
-    <p:sldId id="277" r:id="rId40"/>
-    <p:sldId id="278" r:id="rId41"/>
-    <p:sldId id="279" r:id="rId42"/>
-    <p:sldId id="280" r:id="rId43"/>
-    <p:sldId id="281" r:id="rId44"/>
-    <p:sldId id="282" r:id="rId45"/>
-    <p:sldId id="283" r:id="rId46"/>
-    <p:sldId id="284" r:id="rId47"/>
-    <p:sldId id="285" r:id="rId48"/>
-    <p:sldId id="286" r:id="rId49"/>
-    <p:sldId id="287" r:id="rId50"/>
-    <p:sldId id="288" r:id="rId51"/>
-    <p:sldId id="289" r:id="rId52"/>
-    <p:sldId id="290" r:id="rId53"/>
-    <p:sldId id="291" r:id="rId54"/>
-    <p:sldId id="292" r:id="rId55"/>
-    <p:sldId id="293" r:id="rId56"/>
-    <p:sldId id="294" r:id="rId57"/>
+    <p:sldId id="325" r:id="rId36"/>
+    <p:sldId id="324" r:id="rId37"/>
+    <p:sldId id="272" r:id="rId38"/>
+    <p:sldId id="322" r:id="rId39"/>
+    <p:sldId id="274" r:id="rId40"/>
+    <p:sldId id="275" r:id="rId41"/>
+    <p:sldId id="276" r:id="rId42"/>
+    <p:sldId id="277" r:id="rId43"/>
+    <p:sldId id="278" r:id="rId44"/>
+    <p:sldId id="279" r:id="rId45"/>
+    <p:sldId id="280" r:id="rId46"/>
+    <p:sldId id="281" r:id="rId47"/>
+    <p:sldId id="282" r:id="rId48"/>
+    <p:sldId id="283" r:id="rId49"/>
+    <p:sldId id="284" r:id="rId50"/>
+    <p:sldId id="285" r:id="rId51"/>
+    <p:sldId id="286" r:id="rId52"/>
+    <p:sldId id="287" r:id="rId53"/>
+    <p:sldId id="288" r:id="rId54"/>
+    <p:sldId id="289" r:id="rId55"/>
+    <p:sldId id="290" r:id="rId56"/>
+    <p:sldId id="291" r:id="rId57"/>
+    <p:sldId id="292" r:id="rId58"/>
+    <p:sldId id="293" r:id="rId59"/>
+    <p:sldId id="294" r:id="rId60"/>
   </p:sldIdLst>
   <p:sldSz cx="9144000" cy="6858000" type="screen4x3"/>
   <p:notesSz cx="6858000" cy="9144000"/>
@@ -1499,7 +1502,395 @@
     </p:spTree>
     <p:extLst>
       <p:ext uri="{BB962C8B-B14F-4D97-AF65-F5344CB8AC3E}">
+        <p14:creationId xmlns:p14="http://schemas.microsoft.com/office/powerpoint/2010/main" val="4142379475"/>
+      </p:ext>
+    </p:extLst>
+  </p:cSld>
+  <p:clrMapOvr>
+    <a:masterClrMapping/>
+  </p:clrMapOvr>
+</p:notes>
+</file>
+
+<file path=ppt/notesSlides/notesSlide17.xml><?xml version="1.0" encoding="utf-8"?>
+<p:notes xmlns:a="http://schemas.openxmlformats.org/drawingml/2006/main" xmlns:r="http://schemas.openxmlformats.org/officeDocument/2006/relationships" xmlns:p="http://schemas.openxmlformats.org/presentationml/2006/main">
+  <p:cSld>
+    <p:spTree>
+      <p:nvGrpSpPr>
+        <p:cNvPr id="1" name=""/>
+        <p:cNvGrpSpPr/>
+        <p:nvPr/>
+      </p:nvGrpSpPr>
+      <p:grpSpPr>
+        <a:xfrm>
+          <a:off x="0" y="0"/>
+          <a:ext cx="0" cy="0"/>
+          <a:chOff x="0" y="0"/>
+          <a:chExt cx="0" cy="0"/>
+        </a:xfrm>
+      </p:grpSpPr>
+      <p:sp>
+        <p:nvSpPr>
+          <p:cNvPr id="2" name="Slide Image Placeholder 1"/>
+          <p:cNvSpPr>
+            <a:spLocks noGrp="1" noRot="1" noChangeAspect="1"/>
+          </p:cNvSpPr>
+          <p:nvPr>
+            <p:ph type="sldImg"/>
+          </p:nvPr>
+        </p:nvSpPr>
+        <p:spPr/>
+      </p:sp>
+      <p:sp>
+        <p:nvSpPr>
+          <p:cNvPr id="3" name="Notes Placeholder 2"/>
+          <p:cNvSpPr>
+            <a:spLocks noGrp="1"/>
+          </p:cNvSpPr>
+          <p:nvPr>
+            <p:ph type="body" idx="1"/>
+          </p:nvPr>
+        </p:nvSpPr>
+        <p:spPr/>
+        <p:txBody>
+          <a:bodyPr/>
+          <a:lstStyle/>
+          <a:p>
+            <a:pPr marL="0" marR="0" lvl="0" indent="0" algn="l" defTabSz="457200" rtl="0" eaLnBrk="1" fontAlgn="auto" latinLnBrk="0" hangingPunct="1">
+              <a:lnSpc>
+                <a:spcPct val="100000"/>
+              </a:lnSpc>
+              <a:spcBef>
+                <a:spcPts val="0"/>
+              </a:spcBef>
+              <a:spcAft>
+                <a:spcPts val="0"/>
+              </a:spcAft>
+              <a:buClrTx/>
+              <a:buSzTx/>
+              <a:buFontTx/>
+              <a:buNone/>
+              <a:tabLst/>
+              <a:defRPr/>
+            </a:pPr>
+            <a:r>
+              <a:rPr lang="en-US" sz="1200" kern="1200" dirty="0">
+                <a:solidFill>
+                  <a:schemeClr val="tx1"/>
+                </a:solidFill>
+                <a:effectLst/>
+                <a:latin typeface="+mn-lt"/>
+                <a:ea typeface="+mn-ea"/>
+                <a:cs typeface="+mn-cs"/>
+              </a:rPr>
+              <a:t>what are the arrows? flows between </a:t>
+            </a:r>
+          </a:p>
+          <a:p>
+            <a:endParaRPr lang="en-US" dirty="0"/>
+          </a:p>
+        </p:txBody>
+      </p:sp>
+      <p:sp>
+        <p:nvSpPr>
+          <p:cNvPr id="4" name="Slide Number Placeholder 3"/>
+          <p:cNvSpPr>
+            <a:spLocks noGrp="1"/>
+          </p:cNvSpPr>
+          <p:nvPr>
+            <p:ph type="sldNum" sz="quarter" idx="5"/>
+          </p:nvPr>
+        </p:nvSpPr>
+        <p:spPr/>
+        <p:txBody>
+          <a:bodyPr/>
+          <a:lstStyle/>
+          <a:p>
+            <a:fld id="{A8C508D1-CDDD-6445-AC0B-42415DA4AB68}" type="slidenum">
+              <a:rPr lang="en-US" smtClean="0"/>
+              <a:t>36</a:t>
+            </a:fld>
+            <a:endParaRPr lang="en-US"/>
+          </a:p>
+        </p:txBody>
+      </p:sp>
+    </p:spTree>
+    <p:extLst>
+      <p:ext uri="{BB962C8B-B14F-4D97-AF65-F5344CB8AC3E}">
+        <p14:creationId xmlns:p14="http://schemas.microsoft.com/office/powerpoint/2010/main" val="775429011"/>
+      </p:ext>
+    </p:extLst>
+  </p:cSld>
+  <p:clrMapOvr>
+    <a:masterClrMapping/>
+  </p:clrMapOvr>
+</p:notes>
+</file>
+
+<file path=ppt/notesSlides/notesSlide18.xml><?xml version="1.0" encoding="utf-8"?>
+<p:notes xmlns:a="http://schemas.openxmlformats.org/drawingml/2006/main" xmlns:r="http://schemas.openxmlformats.org/officeDocument/2006/relationships" xmlns:p="http://schemas.openxmlformats.org/presentationml/2006/main">
+  <p:cSld>
+    <p:spTree>
+      <p:nvGrpSpPr>
+        <p:cNvPr id="1" name=""/>
+        <p:cNvGrpSpPr/>
+        <p:nvPr/>
+      </p:nvGrpSpPr>
+      <p:grpSpPr>
+        <a:xfrm>
+          <a:off x="0" y="0"/>
+          <a:ext cx="0" cy="0"/>
+          <a:chOff x="0" y="0"/>
+          <a:chExt cx="0" cy="0"/>
+        </a:xfrm>
+      </p:grpSpPr>
+      <p:sp>
+        <p:nvSpPr>
+          <p:cNvPr id="2" name="Slide Image Placeholder 1"/>
+          <p:cNvSpPr>
+            <a:spLocks noGrp="1" noRot="1" noChangeAspect="1"/>
+          </p:cNvSpPr>
+          <p:nvPr>
+            <p:ph type="sldImg"/>
+          </p:nvPr>
+        </p:nvSpPr>
+        <p:spPr/>
+      </p:sp>
+      <p:sp>
+        <p:nvSpPr>
+          <p:cNvPr id="3" name="Notes Placeholder 2"/>
+          <p:cNvSpPr>
+            <a:spLocks noGrp="1"/>
+          </p:cNvSpPr>
+          <p:nvPr>
+            <p:ph type="body" idx="1"/>
+          </p:nvPr>
+        </p:nvSpPr>
+        <p:spPr/>
+        <p:txBody>
+          <a:bodyPr/>
+          <a:lstStyle/>
+          <a:p>
+            <a:r>
+              <a:rPr lang="en-US" sz="1200" b="1" i="1" kern="1200" dirty="0">
+                <a:solidFill>
+                  <a:schemeClr val="tx1"/>
+                </a:solidFill>
+                <a:effectLst/>
+                <a:latin typeface="+mn-lt"/>
+                <a:ea typeface="+mn-ea"/>
+                <a:cs typeface="+mn-cs"/>
+              </a:rPr>
+              <a:t>write it on the board </a:t>
+            </a:r>
+            <a:endParaRPr lang="en-US" sz="1200" kern="1200" dirty="0">
+              <a:solidFill>
+                <a:schemeClr val="tx1"/>
+              </a:solidFill>
+              <a:effectLst/>
+              <a:latin typeface="+mn-lt"/>
+              <a:ea typeface="+mn-ea"/>
+              <a:cs typeface="+mn-cs"/>
+            </a:endParaRPr>
+          </a:p>
+          <a:p>
+            <a:r>
+              <a:rPr lang="en-US" sz="1200" kern="1200" dirty="0">
+                <a:solidFill>
+                  <a:schemeClr val="tx1"/>
+                </a:solidFill>
+                <a:effectLst/>
+                <a:latin typeface="+mn-lt"/>
+                <a:ea typeface="+mn-ea"/>
+                <a:cs typeface="+mn-cs"/>
+              </a:rPr>
+              <a:t>B[t+1] = sb*(1-a) * B[t] + A[t]*b</a:t>
+            </a:r>
+          </a:p>
+          <a:p>
+            <a:r>
+              <a:rPr lang="en-US" sz="1200" kern="1200" dirty="0">
+                <a:solidFill>
+                  <a:schemeClr val="tx1"/>
+                </a:solidFill>
+                <a:effectLst/>
+                <a:latin typeface="+mn-lt"/>
+                <a:ea typeface="+mn-ea"/>
+                <a:cs typeface="+mn-cs"/>
+              </a:rPr>
+              <a:t>A[t+1] = sb *a* B[t] + A[t]*</a:t>
+            </a:r>
+            <a:r>
+              <a:rPr lang="en-US" sz="1200" kern="1200" dirty="0" err="1">
+                <a:solidFill>
+                  <a:schemeClr val="tx1"/>
+                </a:solidFill>
+                <a:effectLst/>
+                <a:latin typeface="+mn-lt"/>
+                <a:ea typeface="+mn-ea"/>
+                <a:cs typeface="+mn-cs"/>
+              </a:rPr>
+              <a:t>sa</a:t>
+            </a:r>
+            <a:endParaRPr lang="en-US" sz="1200" kern="1200" dirty="0">
+              <a:solidFill>
+                <a:schemeClr val="tx1"/>
+              </a:solidFill>
+              <a:effectLst/>
+              <a:latin typeface="+mn-lt"/>
+              <a:ea typeface="+mn-ea"/>
+              <a:cs typeface="+mn-cs"/>
+            </a:endParaRPr>
+          </a:p>
+          <a:p>
+            <a:endParaRPr lang="en-US" sz="1200" kern="1200" dirty="0">
+              <a:solidFill>
+                <a:schemeClr val="tx1"/>
+              </a:solidFill>
+              <a:effectLst/>
+              <a:latin typeface="+mn-lt"/>
+              <a:ea typeface="+mn-ea"/>
+              <a:cs typeface="+mn-cs"/>
+            </a:endParaRPr>
+          </a:p>
+        </p:txBody>
+      </p:sp>
+      <p:sp>
+        <p:nvSpPr>
+          <p:cNvPr id="4" name="Slide Number Placeholder 3"/>
+          <p:cNvSpPr>
+            <a:spLocks noGrp="1"/>
+          </p:cNvSpPr>
+          <p:nvPr>
+            <p:ph type="sldNum" sz="quarter" idx="5"/>
+          </p:nvPr>
+        </p:nvSpPr>
+        <p:spPr/>
+        <p:txBody>
+          <a:bodyPr/>
+          <a:lstStyle/>
+          <a:p>
+            <a:fld id="{A8C508D1-CDDD-6445-AC0B-42415DA4AB68}" type="slidenum">
+              <a:rPr lang="en-US" smtClean="0"/>
+              <a:t>37</a:t>
+            </a:fld>
+            <a:endParaRPr lang="en-US"/>
+          </a:p>
+        </p:txBody>
+      </p:sp>
+    </p:spTree>
+    <p:extLst>
+      <p:ext uri="{BB962C8B-B14F-4D97-AF65-F5344CB8AC3E}">
         <p14:creationId xmlns:p14="http://schemas.microsoft.com/office/powerpoint/2010/main" val="2369077745"/>
+      </p:ext>
+    </p:extLst>
+  </p:cSld>
+  <p:clrMapOvr>
+    <a:masterClrMapping/>
+  </p:clrMapOvr>
+</p:notes>
+</file>
+
+<file path=ppt/notesSlides/notesSlide19.xml><?xml version="1.0" encoding="utf-8"?>
+<p:notes xmlns:a="http://schemas.openxmlformats.org/drawingml/2006/main" xmlns:r="http://schemas.openxmlformats.org/officeDocument/2006/relationships" xmlns:p="http://schemas.openxmlformats.org/presentationml/2006/main">
+  <p:cSld>
+    <p:spTree>
+      <p:nvGrpSpPr>
+        <p:cNvPr id="1" name=""/>
+        <p:cNvGrpSpPr/>
+        <p:nvPr/>
+      </p:nvGrpSpPr>
+      <p:grpSpPr>
+        <a:xfrm>
+          <a:off x="0" y="0"/>
+          <a:ext cx="0" cy="0"/>
+          <a:chOff x="0" y="0"/>
+          <a:chExt cx="0" cy="0"/>
+        </a:xfrm>
+      </p:grpSpPr>
+      <p:sp>
+        <p:nvSpPr>
+          <p:cNvPr id="2" name="Slide Image Placeholder 1"/>
+          <p:cNvSpPr>
+            <a:spLocks noGrp="1" noRot="1" noChangeAspect="1"/>
+          </p:cNvSpPr>
+          <p:nvPr>
+            <p:ph type="sldImg"/>
+          </p:nvPr>
+        </p:nvSpPr>
+        <p:spPr/>
+      </p:sp>
+      <p:sp>
+        <p:nvSpPr>
+          <p:cNvPr id="3" name="Notes Placeholder 2"/>
+          <p:cNvSpPr>
+            <a:spLocks noGrp="1"/>
+          </p:cNvSpPr>
+          <p:nvPr>
+            <p:ph type="body" idx="1"/>
+          </p:nvPr>
+        </p:nvSpPr>
+        <p:spPr/>
+        <p:txBody>
+          <a:bodyPr/>
+          <a:lstStyle/>
+          <a:p>
+            <a:r>
+              <a:rPr lang="en-US" sz="1200" kern="1200" dirty="0">
+                <a:solidFill>
+                  <a:schemeClr val="tx1"/>
+                </a:solidFill>
+                <a:effectLst/>
+                <a:latin typeface="+mn-lt"/>
+                <a:ea typeface="+mn-ea"/>
+                <a:cs typeface="+mn-cs"/>
+              </a:rPr>
+              <a:t>because of the way matrix population growth works - and note, again, we’re just assuming time step is one year - referred to as discrete time models</a:t>
+            </a:r>
+          </a:p>
+          <a:p>
+            <a:r>
+              <a:rPr lang="en-US" sz="1200" kern="1200" dirty="0">
+                <a:solidFill>
+                  <a:schemeClr val="tx1"/>
+                </a:solidFill>
+                <a:effectLst/>
+                <a:latin typeface="+mn-lt"/>
+                <a:ea typeface="+mn-ea"/>
+                <a:cs typeface="+mn-cs"/>
+              </a:rPr>
+              <a:t>!! Suggestions - write down equations first and then put in the matrix</a:t>
+            </a:r>
+          </a:p>
+        </p:txBody>
+      </p:sp>
+      <p:sp>
+        <p:nvSpPr>
+          <p:cNvPr id="4" name="Slide Number Placeholder 3"/>
+          <p:cNvSpPr>
+            <a:spLocks noGrp="1"/>
+          </p:cNvSpPr>
+          <p:nvPr>
+            <p:ph type="sldNum" sz="quarter" idx="5"/>
+          </p:nvPr>
+        </p:nvSpPr>
+        <p:spPr/>
+        <p:txBody>
+          <a:bodyPr/>
+          <a:lstStyle/>
+          <a:p>
+            <a:fld id="{A8C508D1-CDDD-6445-AC0B-42415DA4AB68}" type="slidenum">
+              <a:rPr lang="en-US" smtClean="0"/>
+              <a:t>38</a:t>
+            </a:fld>
+            <a:endParaRPr lang="en-US"/>
+          </a:p>
+        </p:txBody>
+      </p:sp>
+    </p:spTree>
+    <p:extLst>
+      <p:ext uri="{BB962C8B-B14F-4D97-AF65-F5344CB8AC3E}">
+        <p14:creationId xmlns:p14="http://schemas.microsoft.com/office/powerpoint/2010/main" val="2152260355"/>
       </p:ext>
     </p:extLst>
   </p:cSld>
@@ -27387,6 +27778,2287 @@
           </a:p>
         </p:txBody>
       </p:sp>
+      <p:cxnSp>
+        <p:nvCxnSpPr>
+          <p:cNvPr id="11" name="Straight Arrow Connector 10">
+            <a:extLst>
+              <a:ext uri="{FF2B5EF4-FFF2-40B4-BE49-F238E27FC236}">
+                <a16:creationId xmlns:a16="http://schemas.microsoft.com/office/drawing/2014/main" id="{3CFD050E-4529-F145-99BB-900E69358E91}"/>
+              </a:ext>
+            </a:extLst>
+          </p:cNvPr>
+          <p:cNvCxnSpPr>
+            <a:cxnSpLocks/>
+            <a:stCxn id="9" idx="0"/>
+          </p:cNvCxnSpPr>
+          <p:nvPr/>
+        </p:nvCxnSpPr>
+        <p:spPr>
+          <a:xfrm flipV="1">
+            <a:off x="997527" y="806800"/>
+            <a:ext cx="275312" cy="949665"/>
+          </a:xfrm>
+          <a:prstGeom prst="straightConnector1">
+            <a:avLst/>
+          </a:prstGeom>
+          <a:ln w="38100">
+            <a:solidFill>
+              <a:schemeClr val="tx1"/>
+            </a:solidFill>
+            <a:tailEnd type="triangle"/>
+          </a:ln>
+        </p:spPr>
+        <p:style>
+          <a:lnRef idx="1">
+            <a:schemeClr val="accent1"/>
+          </a:lnRef>
+          <a:fillRef idx="0">
+            <a:schemeClr val="accent1"/>
+          </a:fillRef>
+          <a:effectRef idx="0">
+            <a:schemeClr val="accent1"/>
+          </a:effectRef>
+          <a:fontRef idx="minor">
+            <a:schemeClr val="tx1"/>
+          </a:fontRef>
+        </p:style>
+      </p:cxnSp>
+      <p:sp>
+        <p:nvSpPr>
+          <p:cNvPr id="18" name="Rectangle 17">
+            <a:extLst>
+              <a:ext uri="{FF2B5EF4-FFF2-40B4-BE49-F238E27FC236}">
+                <a16:creationId xmlns:a16="http://schemas.microsoft.com/office/drawing/2014/main" id="{3FB37942-60DD-2647-97AA-C4CA6A86C20B}"/>
+              </a:ext>
+            </a:extLst>
+          </p:cNvPr>
+          <p:cNvSpPr/>
+          <p:nvPr/>
+        </p:nvSpPr>
+        <p:spPr>
+          <a:xfrm>
+            <a:off x="2053588" y="1394016"/>
+            <a:ext cx="1332416" cy="369332"/>
+          </a:xfrm>
+          <a:prstGeom prst="rect">
+            <a:avLst/>
+          </a:prstGeom>
+        </p:spPr>
+        <p:txBody>
+          <a:bodyPr wrap="none">
+            <a:spAutoFit/>
+          </a:bodyPr>
+          <a:lstStyle/>
+          <a:p>
+            <a:pPr algn="ctr"/>
+            <a:r>
+              <a:rPr lang="en-US" dirty="0">
+                <a:solidFill>
+                  <a:srgbClr val="000000"/>
+                </a:solidFill>
+                <a:effectLst/>
+                <a:latin typeface="Gill Sans" panose="020B0502020104020203" pitchFamily="34" charset="-79"/>
+                <a:cs typeface="Gill Sans" panose="020B0502020104020203" pitchFamily="34" charset="-79"/>
+              </a:rPr>
+              <a:t>pop size at t</a:t>
+            </a:r>
+          </a:p>
+        </p:txBody>
+      </p:sp>
+      <p:cxnSp>
+        <p:nvCxnSpPr>
+          <p:cNvPr id="19" name="Straight Arrow Connector 18">
+            <a:extLst>
+              <a:ext uri="{FF2B5EF4-FFF2-40B4-BE49-F238E27FC236}">
+                <a16:creationId xmlns:a16="http://schemas.microsoft.com/office/drawing/2014/main" id="{E58BE0F0-5648-2747-9C76-6E37F4791544}"/>
+              </a:ext>
+            </a:extLst>
+          </p:cNvPr>
+          <p:cNvCxnSpPr>
+            <a:cxnSpLocks/>
+          </p:cNvCxnSpPr>
+          <p:nvPr/>
+        </p:nvCxnSpPr>
+        <p:spPr>
+          <a:xfrm flipH="1" flipV="1">
+            <a:off x="2213833" y="954061"/>
+            <a:ext cx="355685" cy="439954"/>
+          </a:xfrm>
+          <a:prstGeom prst="straightConnector1">
+            <a:avLst/>
+          </a:prstGeom>
+          <a:ln w="38100">
+            <a:solidFill>
+              <a:schemeClr val="tx1"/>
+            </a:solidFill>
+            <a:tailEnd type="triangle"/>
+          </a:ln>
+        </p:spPr>
+        <p:style>
+          <a:lnRef idx="1">
+            <a:schemeClr val="accent1"/>
+          </a:lnRef>
+          <a:fillRef idx="0">
+            <a:schemeClr val="accent1"/>
+          </a:fillRef>
+          <a:effectRef idx="0">
+            <a:schemeClr val="accent1"/>
+          </a:effectRef>
+          <a:fontRef idx="minor">
+            <a:schemeClr val="tx1"/>
+          </a:fontRef>
+        </p:style>
+      </p:cxnSp>
+    </p:spTree>
+    <p:extLst>
+      <p:ext uri="{BB962C8B-B14F-4D97-AF65-F5344CB8AC3E}">
+        <p14:creationId xmlns:p14="http://schemas.microsoft.com/office/powerpoint/2010/main" val="568696455"/>
+      </p:ext>
+    </p:extLst>
+  </p:cSld>
+  <p:clrMapOvr>
+    <a:masterClrMapping/>
+  </p:clrMapOvr>
+</p:sld>
+</file>
+
+<file path=ppt/slides/slide36.xml><?xml version="1.0" encoding="utf-8"?>
+<p:sld xmlns:a="http://schemas.openxmlformats.org/drawingml/2006/main" xmlns:r="http://schemas.openxmlformats.org/officeDocument/2006/relationships" xmlns:p="http://schemas.openxmlformats.org/presentationml/2006/main">
+  <p:cSld>
+    <p:spTree>
+      <p:nvGrpSpPr>
+        <p:cNvPr id="1" name=""/>
+        <p:cNvGrpSpPr/>
+        <p:nvPr/>
+      </p:nvGrpSpPr>
+      <p:grpSpPr>
+        <a:xfrm>
+          <a:off x="0" y="0"/>
+          <a:ext cx="0" cy="0"/>
+          <a:chOff x="0" y="0"/>
+          <a:chExt cx="0" cy="0"/>
+        </a:xfrm>
+      </p:grpSpPr>
+      <p:sp>
+        <p:nvSpPr>
+          <p:cNvPr id="6" name="Rectangle 5">
+            <a:extLst>
+              <a:ext uri="{FF2B5EF4-FFF2-40B4-BE49-F238E27FC236}">
+                <a16:creationId xmlns:a16="http://schemas.microsoft.com/office/drawing/2014/main" id="{3F45C818-D1C8-894F-B0F5-56F35B226A12}"/>
+              </a:ext>
+            </a:extLst>
+          </p:cNvPr>
+          <p:cNvSpPr/>
+          <p:nvPr/>
+        </p:nvSpPr>
+        <p:spPr>
+          <a:xfrm>
+            <a:off x="66500" y="98914"/>
+            <a:ext cx="2772181" cy="707886"/>
+          </a:xfrm>
+          <a:prstGeom prst="rect">
+            <a:avLst/>
+          </a:prstGeom>
+        </p:spPr>
+        <p:txBody>
+          <a:bodyPr wrap="square">
+            <a:spAutoFit/>
+          </a:bodyPr>
+          <a:lstStyle/>
+          <a:p>
+            <a:pPr algn="ctr"/>
+            <a:r>
+              <a:rPr lang="en-US" sz="4000" dirty="0">
+                <a:solidFill>
+                  <a:srgbClr val="FF0000"/>
+                </a:solidFill>
+                <a:latin typeface="Helvetica" pitchFamily="2" charset="0"/>
+                <a:sym typeface="Symbol" pitchFamily="2" charset="2"/>
+              </a:rPr>
+              <a:t></a:t>
+            </a:r>
+            <a:r>
+              <a:rPr lang="en-US" sz="3200" dirty="0">
+                <a:solidFill>
+                  <a:srgbClr val="000000"/>
+                </a:solidFill>
+                <a:effectLst/>
+                <a:latin typeface="Helvetica Light" panose="020B0403020202020204" pitchFamily="34" charset="0"/>
+              </a:rPr>
+              <a:t>=N</a:t>
+            </a:r>
+            <a:r>
+              <a:rPr lang="en-US" sz="3200" baseline="-25000" dirty="0">
+                <a:solidFill>
+                  <a:srgbClr val="000000"/>
+                </a:solidFill>
+                <a:effectLst/>
+                <a:latin typeface="Helvetica Light" panose="020B0403020202020204" pitchFamily="34" charset="0"/>
+              </a:rPr>
+              <a:t>t+1</a:t>
+            </a:r>
+            <a:r>
+              <a:rPr lang="en-US" sz="3200" dirty="0">
+                <a:solidFill>
+                  <a:srgbClr val="000000"/>
+                </a:solidFill>
+                <a:effectLst/>
+                <a:latin typeface="Helvetica Light" panose="020B0403020202020204" pitchFamily="34" charset="0"/>
+              </a:rPr>
+              <a:t>/</a:t>
+            </a:r>
+            <a:r>
+              <a:rPr lang="en-US" sz="3200" dirty="0" err="1">
+                <a:solidFill>
+                  <a:srgbClr val="000000"/>
+                </a:solidFill>
+                <a:effectLst/>
+                <a:latin typeface="Helvetica Light" panose="020B0403020202020204" pitchFamily="34" charset="0"/>
+              </a:rPr>
+              <a:t>N</a:t>
+            </a:r>
+            <a:r>
+              <a:rPr lang="en-US" sz="3200" baseline="-25000" dirty="0" err="1">
+                <a:solidFill>
+                  <a:srgbClr val="000000"/>
+                </a:solidFill>
+                <a:effectLst/>
+                <a:latin typeface="Helvetica Light" panose="020B0403020202020204" pitchFamily="34" charset="0"/>
+              </a:rPr>
+              <a:t>t</a:t>
+            </a:r>
+            <a:endParaRPr lang="en-US" sz="3200" dirty="0">
+              <a:solidFill>
+                <a:srgbClr val="000000"/>
+              </a:solidFill>
+              <a:effectLst/>
+              <a:latin typeface="Helvetica Light" panose="020B0403020202020204" pitchFamily="34" charset="0"/>
+            </a:endParaRPr>
+          </a:p>
+        </p:txBody>
+      </p:sp>
+      <p:sp>
+        <p:nvSpPr>
+          <p:cNvPr id="7" name="Rectangle 6">
+            <a:extLst>
+              <a:ext uri="{FF2B5EF4-FFF2-40B4-BE49-F238E27FC236}">
+                <a16:creationId xmlns:a16="http://schemas.microsoft.com/office/drawing/2014/main" id="{ACB7594C-206A-874C-8EB6-69FE5B3884B7}"/>
+              </a:ext>
+            </a:extLst>
+          </p:cNvPr>
+          <p:cNvSpPr/>
+          <p:nvPr/>
+        </p:nvSpPr>
+        <p:spPr>
+          <a:xfrm>
+            <a:off x="4478078" y="182882"/>
+            <a:ext cx="2929008" cy="369332"/>
+          </a:xfrm>
+          <a:prstGeom prst="rect">
+            <a:avLst/>
+          </a:prstGeom>
+        </p:spPr>
+        <p:txBody>
+          <a:bodyPr wrap="none">
+            <a:spAutoFit/>
+          </a:bodyPr>
+          <a:lstStyle/>
+          <a:p>
+            <a:pPr algn="ctr"/>
+            <a:r>
+              <a:rPr lang="en-US" dirty="0">
+                <a:solidFill>
+                  <a:srgbClr val="FF3A37"/>
+                </a:solidFill>
+                <a:effectLst/>
+                <a:latin typeface="Helvetica" pitchFamily="2" charset="0"/>
+                <a:cs typeface="Gill Sans" panose="020B0502020104020203" pitchFamily="34" charset="-79"/>
+              </a:rPr>
+              <a:t>Population rate of increase</a:t>
+            </a:r>
+          </a:p>
+        </p:txBody>
+      </p:sp>
+      <p:sp>
+        <p:nvSpPr>
+          <p:cNvPr id="8" name="Rectangle 7">
+            <a:extLst>
+              <a:ext uri="{FF2B5EF4-FFF2-40B4-BE49-F238E27FC236}">
+                <a16:creationId xmlns:a16="http://schemas.microsoft.com/office/drawing/2014/main" id="{EC70B00C-1533-0B4F-B20B-A5A670406B26}"/>
+              </a:ext>
+            </a:extLst>
+          </p:cNvPr>
+          <p:cNvSpPr/>
+          <p:nvPr/>
+        </p:nvSpPr>
+        <p:spPr>
+          <a:xfrm>
+            <a:off x="3898560" y="490443"/>
+            <a:ext cx="4088042" cy="369332"/>
+          </a:xfrm>
+          <a:prstGeom prst="rect">
+            <a:avLst/>
+          </a:prstGeom>
+        </p:spPr>
+        <p:txBody>
+          <a:bodyPr wrap="none">
+            <a:spAutoFit/>
+          </a:bodyPr>
+          <a:lstStyle/>
+          <a:p>
+            <a:r>
+              <a:rPr lang="en-US" dirty="0" err="1">
+                <a:solidFill>
+                  <a:srgbClr val="0365C0"/>
+                </a:solidFill>
+                <a:effectLst/>
+                <a:latin typeface="Helvetica" pitchFamily="2" charset="0"/>
+              </a:rPr>
+              <a:t>Taux</a:t>
+            </a:r>
+            <a:r>
+              <a:rPr lang="en-US" dirty="0">
+                <a:solidFill>
+                  <a:srgbClr val="0365C0"/>
+                </a:solidFill>
+                <a:effectLst/>
+                <a:latin typeface="Helvetica" pitchFamily="2" charset="0"/>
+              </a:rPr>
+              <a:t> </a:t>
+            </a:r>
+            <a:r>
+              <a:rPr lang="en-US" dirty="0" err="1">
+                <a:solidFill>
+                  <a:srgbClr val="0365C0"/>
+                </a:solidFill>
+                <a:effectLst/>
+                <a:latin typeface="Helvetica" pitchFamily="2" charset="0"/>
+              </a:rPr>
+              <a:t>d'accroissement</a:t>
+            </a:r>
+            <a:r>
+              <a:rPr lang="en-US" dirty="0">
+                <a:solidFill>
+                  <a:srgbClr val="0365C0"/>
+                </a:solidFill>
+                <a:effectLst/>
+                <a:latin typeface="Helvetica" pitchFamily="2" charset="0"/>
+              </a:rPr>
+              <a:t> de la population</a:t>
+            </a:r>
+          </a:p>
+        </p:txBody>
+      </p:sp>
+      <p:sp>
+        <p:nvSpPr>
+          <p:cNvPr id="9" name="Rectangle 8">
+            <a:extLst>
+              <a:ext uri="{FF2B5EF4-FFF2-40B4-BE49-F238E27FC236}">
+                <a16:creationId xmlns:a16="http://schemas.microsoft.com/office/drawing/2014/main" id="{00CAE585-9BB0-5844-B019-17D041FC89E0}"/>
+              </a:ext>
+            </a:extLst>
+          </p:cNvPr>
+          <p:cNvSpPr/>
+          <p:nvPr/>
+        </p:nvSpPr>
+        <p:spPr>
+          <a:xfrm>
+            <a:off x="206285" y="1756465"/>
+            <a:ext cx="1582484" cy="369332"/>
+          </a:xfrm>
+          <a:prstGeom prst="rect">
+            <a:avLst/>
+          </a:prstGeom>
+        </p:spPr>
+        <p:txBody>
+          <a:bodyPr wrap="none">
+            <a:spAutoFit/>
+          </a:bodyPr>
+          <a:lstStyle/>
+          <a:p>
+            <a:pPr algn="ctr"/>
+            <a:r>
+              <a:rPr lang="en-US" dirty="0">
+                <a:solidFill>
+                  <a:srgbClr val="000000"/>
+                </a:solidFill>
+                <a:effectLst/>
+                <a:latin typeface="Gill Sans" panose="020B0502020104020203" pitchFamily="34" charset="-79"/>
+                <a:cs typeface="Gill Sans" panose="020B0502020104020203" pitchFamily="34" charset="-79"/>
+              </a:rPr>
+              <a:t>pop size at t+1</a:t>
+            </a:r>
+          </a:p>
+        </p:txBody>
+      </p:sp>
+      <p:cxnSp>
+        <p:nvCxnSpPr>
+          <p:cNvPr id="11" name="Straight Arrow Connector 10">
+            <a:extLst>
+              <a:ext uri="{FF2B5EF4-FFF2-40B4-BE49-F238E27FC236}">
+                <a16:creationId xmlns:a16="http://schemas.microsoft.com/office/drawing/2014/main" id="{3CFD050E-4529-F145-99BB-900E69358E91}"/>
+              </a:ext>
+            </a:extLst>
+          </p:cNvPr>
+          <p:cNvCxnSpPr>
+            <a:cxnSpLocks/>
+            <a:stCxn id="9" idx="0"/>
+          </p:cNvCxnSpPr>
+          <p:nvPr/>
+        </p:nvCxnSpPr>
+        <p:spPr>
+          <a:xfrm flipV="1">
+            <a:off x="997527" y="806800"/>
+            <a:ext cx="275312" cy="949665"/>
+          </a:xfrm>
+          <a:prstGeom prst="straightConnector1">
+            <a:avLst/>
+          </a:prstGeom>
+          <a:ln w="38100">
+            <a:solidFill>
+              <a:schemeClr val="tx1"/>
+            </a:solidFill>
+            <a:tailEnd type="triangle"/>
+          </a:ln>
+        </p:spPr>
+        <p:style>
+          <a:lnRef idx="1">
+            <a:schemeClr val="accent1"/>
+          </a:lnRef>
+          <a:fillRef idx="0">
+            <a:schemeClr val="accent1"/>
+          </a:fillRef>
+          <a:effectRef idx="0">
+            <a:schemeClr val="accent1"/>
+          </a:effectRef>
+          <a:fontRef idx="minor">
+            <a:schemeClr val="tx1"/>
+          </a:fontRef>
+        </p:style>
+      </p:cxnSp>
+      <p:sp>
+        <p:nvSpPr>
+          <p:cNvPr id="13" name="Rectangle 12">
+            <a:extLst>
+              <a:ext uri="{FF2B5EF4-FFF2-40B4-BE49-F238E27FC236}">
+                <a16:creationId xmlns:a16="http://schemas.microsoft.com/office/drawing/2014/main" id="{5612A687-64B1-314A-BF28-15AF39FE77E4}"/>
+              </a:ext>
+            </a:extLst>
+          </p:cNvPr>
+          <p:cNvSpPr/>
+          <p:nvPr/>
+        </p:nvSpPr>
+        <p:spPr>
+          <a:xfrm>
+            <a:off x="4572000" y="2928450"/>
+            <a:ext cx="2904641" cy="369332"/>
+          </a:xfrm>
+          <a:prstGeom prst="rect">
+            <a:avLst/>
+          </a:prstGeom>
+        </p:spPr>
+        <p:txBody>
+          <a:bodyPr wrap="none">
+            <a:spAutoFit/>
+          </a:bodyPr>
+          <a:lstStyle/>
+          <a:p>
+            <a:r>
+              <a:rPr lang="en-US" dirty="0">
+                <a:solidFill>
+                  <a:srgbClr val="FF0000"/>
+                </a:solidFill>
+              </a:rPr>
+              <a:t>Structured population model</a:t>
+            </a:r>
+          </a:p>
+        </p:txBody>
+      </p:sp>
+      <p:sp>
+        <p:nvSpPr>
+          <p:cNvPr id="15" name="Rectangle 14">
+            <a:extLst>
+              <a:ext uri="{FF2B5EF4-FFF2-40B4-BE49-F238E27FC236}">
+                <a16:creationId xmlns:a16="http://schemas.microsoft.com/office/drawing/2014/main" id="{472D8D14-FFB5-904F-ADA7-037FB7B6A0C0}"/>
+              </a:ext>
+            </a:extLst>
+          </p:cNvPr>
+          <p:cNvSpPr/>
+          <p:nvPr/>
+        </p:nvSpPr>
+        <p:spPr>
+          <a:xfrm>
+            <a:off x="698270" y="3667114"/>
+            <a:ext cx="798021" cy="771882"/>
+          </a:xfrm>
+          <a:prstGeom prst="rect">
+            <a:avLst/>
+          </a:prstGeom>
+          <a:noFill/>
+          <a:ln>
+            <a:solidFill>
+              <a:schemeClr val="tx1"/>
+            </a:solidFill>
+          </a:ln>
+        </p:spPr>
+        <p:style>
+          <a:lnRef idx="2">
+            <a:schemeClr val="accent1">
+              <a:shade val="50000"/>
+            </a:schemeClr>
+          </a:lnRef>
+          <a:fillRef idx="1">
+            <a:schemeClr val="accent1"/>
+          </a:fillRef>
+          <a:effectRef idx="0">
+            <a:schemeClr val="accent1"/>
+          </a:effectRef>
+          <a:fontRef idx="minor">
+            <a:schemeClr val="lt1"/>
+          </a:fontRef>
+        </p:style>
+        <p:txBody>
+          <a:bodyPr rtlCol="0" anchor="ctr"/>
+          <a:lstStyle/>
+          <a:p>
+            <a:pPr algn="ctr"/>
+            <a:r>
+              <a:rPr lang="en-US" dirty="0">
+                <a:solidFill>
+                  <a:schemeClr val="tx1"/>
+                </a:solidFill>
+              </a:rPr>
+              <a:t>Babies</a:t>
+            </a:r>
+          </a:p>
+        </p:txBody>
+      </p:sp>
+      <p:sp>
+        <p:nvSpPr>
+          <p:cNvPr id="16" name="Rectangle 15">
+            <a:extLst>
+              <a:ext uri="{FF2B5EF4-FFF2-40B4-BE49-F238E27FC236}">
+                <a16:creationId xmlns:a16="http://schemas.microsoft.com/office/drawing/2014/main" id="{5E1A1D77-59DF-5449-B12D-98F8928BC47C}"/>
+              </a:ext>
+            </a:extLst>
+          </p:cNvPr>
+          <p:cNvSpPr/>
+          <p:nvPr/>
+        </p:nvSpPr>
+        <p:spPr>
+          <a:xfrm>
+            <a:off x="2255844" y="3698571"/>
+            <a:ext cx="798021" cy="771882"/>
+          </a:xfrm>
+          <a:prstGeom prst="rect">
+            <a:avLst/>
+          </a:prstGeom>
+          <a:noFill/>
+          <a:ln>
+            <a:solidFill>
+              <a:schemeClr val="tx1"/>
+            </a:solidFill>
+          </a:ln>
+        </p:spPr>
+        <p:style>
+          <a:lnRef idx="2">
+            <a:schemeClr val="accent1">
+              <a:shade val="50000"/>
+            </a:schemeClr>
+          </a:lnRef>
+          <a:fillRef idx="1">
+            <a:schemeClr val="accent1"/>
+          </a:fillRef>
+          <a:effectRef idx="0">
+            <a:schemeClr val="accent1"/>
+          </a:effectRef>
+          <a:fontRef idx="minor">
+            <a:schemeClr val="lt1"/>
+          </a:fontRef>
+        </p:style>
+        <p:txBody>
+          <a:bodyPr rtlCol="0" anchor="ctr"/>
+          <a:lstStyle/>
+          <a:p>
+            <a:pPr algn="ctr"/>
+            <a:r>
+              <a:rPr lang="en-US" dirty="0">
+                <a:solidFill>
+                  <a:schemeClr val="tx1"/>
+                </a:solidFill>
+              </a:rPr>
+              <a:t>Adults</a:t>
+            </a:r>
+          </a:p>
+        </p:txBody>
+      </p:sp>
+      <p:cxnSp>
+        <p:nvCxnSpPr>
+          <p:cNvPr id="17" name="Straight Arrow Connector 16">
+            <a:extLst>
+              <a:ext uri="{FF2B5EF4-FFF2-40B4-BE49-F238E27FC236}">
+                <a16:creationId xmlns:a16="http://schemas.microsoft.com/office/drawing/2014/main" id="{64F7D2E3-3540-CE40-8E63-D00B86CE581A}"/>
+              </a:ext>
+            </a:extLst>
+          </p:cNvPr>
+          <p:cNvCxnSpPr>
+            <a:cxnSpLocks/>
+          </p:cNvCxnSpPr>
+          <p:nvPr/>
+        </p:nvCxnSpPr>
+        <p:spPr>
+          <a:xfrm>
+            <a:off x="1579662" y="4084512"/>
+            <a:ext cx="592811" cy="0"/>
+          </a:xfrm>
+          <a:prstGeom prst="straightConnector1">
+            <a:avLst/>
+          </a:prstGeom>
+          <a:ln w="38100">
+            <a:solidFill>
+              <a:schemeClr val="tx1"/>
+            </a:solidFill>
+            <a:tailEnd type="triangle"/>
+          </a:ln>
+        </p:spPr>
+        <p:style>
+          <a:lnRef idx="1">
+            <a:schemeClr val="accent1"/>
+          </a:lnRef>
+          <a:fillRef idx="0">
+            <a:schemeClr val="accent1"/>
+          </a:fillRef>
+          <a:effectRef idx="0">
+            <a:schemeClr val="accent1"/>
+          </a:effectRef>
+          <a:fontRef idx="minor">
+            <a:schemeClr val="tx1"/>
+          </a:fontRef>
+        </p:style>
+      </p:cxnSp>
+      <p:cxnSp>
+        <p:nvCxnSpPr>
+          <p:cNvPr id="20" name="Straight Arrow Connector 19">
+            <a:extLst>
+              <a:ext uri="{FF2B5EF4-FFF2-40B4-BE49-F238E27FC236}">
+                <a16:creationId xmlns:a16="http://schemas.microsoft.com/office/drawing/2014/main" id="{0B772852-B7B8-C048-A468-024BA72C9C45}"/>
+              </a:ext>
+            </a:extLst>
+          </p:cNvPr>
+          <p:cNvCxnSpPr>
+            <a:cxnSpLocks/>
+          </p:cNvCxnSpPr>
+          <p:nvPr/>
+        </p:nvCxnSpPr>
+        <p:spPr>
+          <a:xfrm>
+            <a:off x="1097280" y="4470453"/>
+            <a:ext cx="0" cy="519762"/>
+          </a:xfrm>
+          <a:prstGeom prst="straightConnector1">
+            <a:avLst/>
+          </a:prstGeom>
+          <a:ln w="38100">
+            <a:solidFill>
+              <a:schemeClr val="tx1"/>
+            </a:solidFill>
+            <a:tailEnd type="triangle"/>
+          </a:ln>
+        </p:spPr>
+        <p:style>
+          <a:lnRef idx="1">
+            <a:schemeClr val="accent1"/>
+          </a:lnRef>
+          <a:fillRef idx="0">
+            <a:schemeClr val="accent1"/>
+          </a:fillRef>
+          <a:effectRef idx="0">
+            <a:schemeClr val="accent1"/>
+          </a:effectRef>
+          <a:fontRef idx="minor">
+            <a:schemeClr val="tx1"/>
+          </a:fontRef>
+        </p:style>
+      </p:cxnSp>
+      <p:cxnSp>
+        <p:nvCxnSpPr>
+          <p:cNvPr id="22" name="Straight Arrow Connector 21">
+            <a:extLst>
+              <a:ext uri="{FF2B5EF4-FFF2-40B4-BE49-F238E27FC236}">
+                <a16:creationId xmlns:a16="http://schemas.microsoft.com/office/drawing/2014/main" id="{30322833-E2D4-0943-987D-6CBCB6EB55B9}"/>
+              </a:ext>
+            </a:extLst>
+          </p:cNvPr>
+          <p:cNvCxnSpPr>
+            <a:cxnSpLocks/>
+          </p:cNvCxnSpPr>
+          <p:nvPr/>
+        </p:nvCxnSpPr>
+        <p:spPr>
+          <a:xfrm>
+            <a:off x="2691174" y="4470453"/>
+            <a:ext cx="0" cy="519762"/>
+          </a:xfrm>
+          <a:prstGeom prst="straightConnector1">
+            <a:avLst/>
+          </a:prstGeom>
+          <a:ln w="38100">
+            <a:solidFill>
+              <a:schemeClr val="tx1"/>
+            </a:solidFill>
+            <a:tailEnd type="triangle"/>
+          </a:ln>
+        </p:spPr>
+        <p:style>
+          <a:lnRef idx="1">
+            <a:schemeClr val="accent1"/>
+          </a:lnRef>
+          <a:fillRef idx="0">
+            <a:schemeClr val="accent1"/>
+          </a:fillRef>
+          <a:effectRef idx="0">
+            <a:schemeClr val="accent1"/>
+          </a:effectRef>
+          <a:fontRef idx="minor">
+            <a:schemeClr val="tx1"/>
+          </a:fontRef>
+        </p:style>
+      </p:cxnSp>
+      <p:cxnSp>
+        <p:nvCxnSpPr>
+          <p:cNvPr id="24" name="Curved Connector 23">
+            <a:extLst>
+              <a:ext uri="{FF2B5EF4-FFF2-40B4-BE49-F238E27FC236}">
+                <a16:creationId xmlns:a16="http://schemas.microsoft.com/office/drawing/2014/main" id="{C9575D3B-5D28-244F-93FA-D0AA4F5081DD}"/>
+              </a:ext>
+            </a:extLst>
+          </p:cNvPr>
+          <p:cNvCxnSpPr>
+            <a:cxnSpLocks/>
+            <a:stCxn id="16" idx="0"/>
+            <a:endCxn id="15" idx="0"/>
+          </p:cNvCxnSpPr>
+          <p:nvPr/>
+        </p:nvCxnSpPr>
+        <p:spPr>
+          <a:xfrm rot="16200000" flipV="1">
+            <a:off x="1860340" y="2904056"/>
+            <a:ext cx="31457" cy="1557574"/>
+          </a:xfrm>
+          <a:prstGeom prst="curvedConnector3">
+            <a:avLst>
+              <a:gd name="adj1" fmla="val 1196662"/>
+            </a:avLst>
+          </a:prstGeom>
+          <a:ln w="38100">
+            <a:solidFill>
+              <a:schemeClr val="tx1"/>
+            </a:solidFill>
+            <a:tailEnd type="triangle"/>
+          </a:ln>
+        </p:spPr>
+        <p:style>
+          <a:lnRef idx="1">
+            <a:schemeClr val="accent1"/>
+          </a:lnRef>
+          <a:fillRef idx="0">
+            <a:schemeClr val="accent1"/>
+          </a:fillRef>
+          <a:effectRef idx="0">
+            <a:schemeClr val="accent1"/>
+          </a:effectRef>
+          <a:fontRef idx="minor">
+            <a:schemeClr val="tx1"/>
+          </a:fontRef>
+        </p:style>
+      </p:cxnSp>
+      <p:sp>
+        <p:nvSpPr>
+          <p:cNvPr id="37" name="Rectangle 36">
+            <a:extLst>
+              <a:ext uri="{FF2B5EF4-FFF2-40B4-BE49-F238E27FC236}">
+                <a16:creationId xmlns:a16="http://schemas.microsoft.com/office/drawing/2014/main" id="{B1C82B95-EB76-7244-B804-C672525799EB}"/>
+              </a:ext>
+            </a:extLst>
+          </p:cNvPr>
+          <p:cNvSpPr/>
+          <p:nvPr/>
+        </p:nvSpPr>
+        <p:spPr>
+          <a:xfrm>
+            <a:off x="4390746" y="3297782"/>
+            <a:ext cx="3724096" cy="369332"/>
+          </a:xfrm>
+          <a:prstGeom prst="rect">
+            <a:avLst/>
+          </a:prstGeom>
+        </p:spPr>
+        <p:txBody>
+          <a:bodyPr wrap="none">
+            <a:spAutoFit/>
+          </a:bodyPr>
+          <a:lstStyle/>
+          <a:p>
+            <a:r>
+              <a:rPr lang="en-US" dirty="0" err="1">
+                <a:solidFill>
+                  <a:srgbClr val="0365C0"/>
+                </a:solidFill>
+                <a:effectLst/>
+                <a:latin typeface="Helvetica" pitchFamily="2" charset="0"/>
+              </a:rPr>
+              <a:t>Modèle</a:t>
+            </a:r>
+            <a:r>
+              <a:rPr lang="en-US" dirty="0">
+                <a:solidFill>
+                  <a:srgbClr val="0365C0"/>
+                </a:solidFill>
+                <a:effectLst/>
+                <a:latin typeface="Helvetica" pitchFamily="2" charset="0"/>
+              </a:rPr>
+              <a:t> de la population </a:t>
+            </a:r>
+            <a:r>
+              <a:rPr lang="en-US" dirty="0" err="1">
+                <a:solidFill>
+                  <a:srgbClr val="0365C0"/>
+                </a:solidFill>
+                <a:effectLst/>
+                <a:latin typeface="Helvetica" pitchFamily="2" charset="0"/>
+              </a:rPr>
+              <a:t>structurée</a:t>
+            </a:r>
+            <a:endParaRPr lang="en-US" dirty="0">
+              <a:solidFill>
+                <a:srgbClr val="0365C0"/>
+              </a:solidFill>
+              <a:effectLst/>
+              <a:latin typeface="Helvetica" pitchFamily="2" charset="0"/>
+            </a:endParaRPr>
+          </a:p>
+        </p:txBody>
+      </p:sp>
+      <p:sp>
+        <p:nvSpPr>
+          <p:cNvPr id="18" name="Rectangle 17">
+            <a:extLst>
+              <a:ext uri="{FF2B5EF4-FFF2-40B4-BE49-F238E27FC236}">
+                <a16:creationId xmlns:a16="http://schemas.microsoft.com/office/drawing/2014/main" id="{3FB37942-60DD-2647-97AA-C4CA6A86C20B}"/>
+              </a:ext>
+            </a:extLst>
+          </p:cNvPr>
+          <p:cNvSpPr/>
+          <p:nvPr/>
+        </p:nvSpPr>
+        <p:spPr>
+          <a:xfrm>
+            <a:off x="2053588" y="1394016"/>
+            <a:ext cx="1332416" cy="369332"/>
+          </a:xfrm>
+          <a:prstGeom prst="rect">
+            <a:avLst/>
+          </a:prstGeom>
+        </p:spPr>
+        <p:txBody>
+          <a:bodyPr wrap="none">
+            <a:spAutoFit/>
+          </a:bodyPr>
+          <a:lstStyle/>
+          <a:p>
+            <a:pPr algn="ctr"/>
+            <a:r>
+              <a:rPr lang="en-US" dirty="0">
+                <a:solidFill>
+                  <a:srgbClr val="000000"/>
+                </a:solidFill>
+                <a:effectLst/>
+                <a:latin typeface="Gill Sans" panose="020B0502020104020203" pitchFamily="34" charset="-79"/>
+                <a:cs typeface="Gill Sans" panose="020B0502020104020203" pitchFamily="34" charset="-79"/>
+              </a:rPr>
+              <a:t>pop size at t</a:t>
+            </a:r>
+          </a:p>
+        </p:txBody>
+      </p:sp>
+      <p:cxnSp>
+        <p:nvCxnSpPr>
+          <p:cNvPr id="19" name="Straight Arrow Connector 18">
+            <a:extLst>
+              <a:ext uri="{FF2B5EF4-FFF2-40B4-BE49-F238E27FC236}">
+                <a16:creationId xmlns:a16="http://schemas.microsoft.com/office/drawing/2014/main" id="{E58BE0F0-5648-2747-9C76-6E37F4791544}"/>
+              </a:ext>
+            </a:extLst>
+          </p:cNvPr>
+          <p:cNvCxnSpPr>
+            <a:cxnSpLocks/>
+          </p:cNvCxnSpPr>
+          <p:nvPr/>
+        </p:nvCxnSpPr>
+        <p:spPr>
+          <a:xfrm flipH="1" flipV="1">
+            <a:off x="2213833" y="954061"/>
+            <a:ext cx="355685" cy="439954"/>
+          </a:xfrm>
+          <a:prstGeom prst="straightConnector1">
+            <a:avLst/>
+          </a:prstGeom>
+          <a:ln w="38100">
+            <a:solidFill>
+              <a:schemeClr val="tx1"/>
+            </a:solidFill>
+            <a:tailEnd type="triangle"/>
+          </a:ln>
+        </p:spPr>
+        <p:style>
+          <a:lnRef idx="1">
+            <a:schemeClr val="accent1"/>
+          </a:lnRef>
+          <a:fillRef idx="0">
+            <a:schemeClr val="accent1"/>
+          </a:fillRef>
+          <a:effectRef idx="0">
+            <a:schemeClr val="accent1"/>
+          </a:effectRef>
+          <a:fontRef idx="minor">
+            <a:schemeClr val="tx1"/>
+          </a:fontRef>
+        </p:style>
+      </p:cxnSp>
+    </p:spTree>
+    <p:extLst>
+      <p:ext uri="{BB962C8B-B14F-4D97-AF65-F5344CB8AC3E}">
+        <p14:creationId xmlns:p14="http://schemas.microsoft.com/office/powerpoint/2010/main" val="2209241598"/>
+      </p:ext>
+    </p:extLst>
+  </p:cSld>
+  <p:clrMapOvr>
+    <a:masterClrMapping/>
+  </p:clrMapOvr>
+</p:sld>
+</file>
+
+<file path=ppt/slides/slide37.xml><?xml version="1.0" encoding="utf-8"?>
+<p:sld xmlns:a="http://schemas.openxmlformats.org/drawingml/2006/main" xmlns:r="http://schemas.openxmlformats.org/officeDocument/2006/relationships" xmlns:p="http://schemas.openxmlformats.org/presentationml/2006/main">
+  <p:cSld>
+    <p:spTree>
+      <p:nvGrpSpPr>
+        <p:cNvPr id="1" name=""/>
+        <p:cNvGrpSpPr/>
+        <p:nvPr/>
+      </p:nvGrpSpPr>
+      <p:grpSpPr>
+        <a:xfrm>
+          <a:off x="0" y="0"/>
+          <a:ext cx="0" cy="0"/>
+          <a:chOff x="0" y="0"/>
+          <a:chExt cx="0" cy="0"/>
+        </a:xfrm>
+      </p:grpSpPr>
+      <p:sp>
+        <p:nvSpPr>
+          <p:cNvPr id="6" name="Rectangle 5">
+            <a:extLst>
+              <a:ext uri="{FF2B5EF4-FFF2-40B4-BE49-F238E27FC236}">
+                <a16:creationId xmlns:a16="http://schemas.microsoft.com/office/drawing/2014/main" id="{3F45C818-D1C8-894F-B0F5-56F35B226A12}"/>
+              </a:ext>
+            </a:extLst>
+          </p:cNvPr>
+          <p:cNvSpPr/>
+          <p:nvPr/>
+        </p:nvSpPr>
+        <p:spPr>
+          <a:xfrm>
+            <a:off x="66500" y="98914"/>
+            <a:ext cx="2772181" cy="707886"/>
+          </a:xfrm>
+          <a:prstGeom prst="rect">
+            <a:avLst/>
+          </a:prstGeom>
+        </p:spPr>
+        <p:txBody>
+          <a:bodyPr wrap="square">
+            <a:spAutoFit/>
+          </a:bodyPr>
+          <a:lstStyle/>
+          <a:p>
+            <a:pPr algn="ctr"/>
+            <a:r>
+              <a:rPr lang="en-US" sz="4000" dirty="0">
+                <a:solidFill>
+                  <a:srgbClr val="FF0000"/>
+                </a:solidFill>
+                <a:latin typeface="Helvetica" pitchFamily="2" charset="0"/>
+                <a:sym typeface="Symbol" pitchFamily="2" charset="2"/>
+              </a:rPr>
+              <a:t></a:t>
+            </a:r>
+            <a:r>
+              <a:rPr lang="en-US" sz="3200" dirty="0">
+                <a:solidFill>
+                  <a:srgbClr val="000000"/>
+                </a:solidFill>
+                <a:effectLst/>
+                <a:latin typeface="Helvetica Light" panose="020B0403020202020204" pitchFamily="34" charset="0"/>
+              </a:rPr>
+              <a:t>=N</a:t>
+            </a:r>
+            <a:r>
+              <a:rPr lang="en-US" sz="3200" baseline="-25000" dirty="0">
+                <a:solidFill>
+                  <a:srgbClr val="000000"/>
+                </a:solidFill>
+                <a:effectLst/>
+                <a:latin typeface="Helvetica Light" panose="020B0403020202020204" pitchFamily="34" charset="0"/>
+              </a:rPr>
+              <a:t>t+1</a:t>
+            </a:r>
+            <a:r>
+              <a:rPr lang="en-US" sz="3200" dirty="0">
+                <a:solidFill>
+                  <a:srgbClr val="000000"/>
+                </a:solidFill>
+                <a:effectLst/>
+                <a:latin typeface="Helvetica Light" panose="020B0403020202020204" pitchFamily="34" charset="0"/>
+              </a:rPr>
+              <a:t>/</a:t>
+            </a:r>
+            <a:r>
+              <a:rPr lang="en-US" sz="3200" dirty="0" err="1">
+                <a:solidFill>
+                  <a:srgbClr val="000000"/>
+                </a:solidFill>
+                <a:effectLst/>
+                <a:latin typeface="Helvetica Light" panose="020B0403020202020204" pitchFamily="34" charset="0"/>
+              </a:rPr>
+              <a:t>N</a:t>
+            </a:r>
+            <a:r>
+              <a:rPr lang="en-US" sz="3200" baseline="-25000" dirty="0" err="1">
+                <a:solidFill>
+                  <a:srgbClr val="000000"/>
+                </a:solidFill>
+                <a:effectLst/>
+                <a:latin typeface="Helvetica Light" panose="020B0403020202020204" pitchFamily="34" charset="0"/>
+              </a:rPr>
+              <a:t>t</a:t>
+            </a:r>
+            <a:endParaRPr lang="en-US" sz="3200" dirty="0">
+              <a:solidFill>
+                <a:srgbClr val="000000"/>
+              </a:solidFill>
+              <a:effectLst/>
+              <a:latin typeface="Helvetica Light" panose="020B0403020202020204" pitchFamily="34" charset="0"/>
+            </a:endParaRPr>
+          </a:p>
+        </p:txBody>
+      </p:sp>
+      <p:sp>
+        <p:nvSpPr>
+          <p:cNvPr id="7" name="Rectangle 6">
+            <a:extLst>
+              <a:ext uri="{FF2B5EF4-FFF2-40B4-BE49-F238E27FC236}">
+                <a16:creationId xmlns:a16="http://schemas.microsoft.com/office/drawing/2014/main" id="{ACB7594C-206A-874C-8EB6-69FE5B3884B7}"/>
+              </a:ext>
+            </a:extLst>
+          </p:cNvPr>
+          <p:cNvSpPr/>
+          <p:nvPr/>
+        </p:nvSpPr>
+        <p:spPr>
+          <a:xfrm>
+            <a:off x="4478078" y="182882"/>
+            <a:ext cx="2929008" cy="369332"/>
+          </a:xfrm>
+          <a:prstGeom prst="rect">
+            <a:avLst/>
+          </a:prstGeom>
+        </p:spPr>
+        <p:txBody>
+          <a:bodyPr wrap="none">
+            <a:spAutoFit/>
+          </a:bodyPr>
+          <a:lstStyle/>
+          <a:p>
+            <a:pPr algn="ctr"/>
+            <a:r>
+              <a:rPr lang="en-US" dirty="0">
+                <a:solidFill>
+                  <a:srgbClr val="FF3A37"/>
+                </a:solidFill>
+                <a:effectLst/>
+                <a:latin typeface="Helvetica" pitchFamily="2" charset="0"/>
+                <a:cs typeface="Gill Sans" panose="020B0502020104020203" pitchFamily="34" charset="-79"/>
+              </a:rPr>
+              <a:t>Population rate of increase</a:t>
+            </a:r>
+          </a:p>
+        </p:txBody>
+      </p:sp>
+      <p:sp>
+        <p:nvSpPr>
+          <p:cNvPr id="8" name="Rectangle 7">
+            <a:extLst>
+              <a:ext uri="{FF2B5EF4-FFF2-40B4-BE49-F238E27FC236}">
+                <a16:creationId xmlns:a16="http://schemas.microsoft.com/office/drawing/2014/main" id="{EC70B00C-1533-0B4F-B20B-A5A670406B26}"/>
+              </a:ext>
+            </a:extLst>
+          </p:cNvPr>
+          <p:cNvSpPr/>
+          <p:nvPr/>
+        </p:nvSpPr>
+        <p:spPr>
+          <a:xfrm>
+            <a:off x="3898560" y="490443"/>
+            <a:ext cx="4088042" cy="369332"/>
+          </a:xfrm>
+          <a:prstGeom prst="rect">
+            <a:avLst/>
+          </a:prstGeom>
+        </p:spPr>
+        <p:txBody>
+          <a:bodyPr wrap="none">
+            <a:spAutoFit/>
+          </a:bodyPr>
+          <a:lstStyle/>
+          <a:p>
+            <a:r>
+              <a:rPr lang="en-US" dirty="0" err="1">
+                <a:solidFill>
+                  <a:srgbClr val="0365C0"/>
+                </a:solidFill>
+                <a:effectLst/>
+                <a:latin typeface="Helvetica" pitchFamily="2" charset="0"/>
+              </a:rPr>
+              <a:t>Taux</a:t>
+            </a:r>
+            <a:r>
+              <a:rPr lang="en-US" dirty="0">
+                <a:solidFill>
+                  <a:srgbClr val="0365C0"/>
+                </a:solidFill>
+                <a:effectLst/>
+                <a:latin typeface="Helvetica" pitchFamily="2" charset="0"/>
+              </a:rPr>
+              <a:t> </a:t>
+            </a:r>
+            <a:r>
+              <a:rPr lang="en-US" dirty="0" err="1">
+                <a:solidFill>
+                  <a:srgbClr val="0365C0"/>
+                </a:solidFill>
+                <a:effectLst/>
+                <a:latin typeface="Helvetica" pitchFamily="2" charset="0"/>
+              </a:rPr>
+              <a:t>d'accroissement</a:t>
+            </a:r>
+            <a:r>
+              <a:rPr lang="en-US" dirty="0">
+                <a:solidFill>
+                  <a:srgbClr val="0365C0"/>
+                </a:solidFill>
+                <a:effectLst/>
+                <a:latin typeface="Helvetica" pitchFamily="2" charset="0"/>
+              </a:rPr>
+              <a:t> de la population</a:t>
+            </a:r>
+          </a:p>
+        </p:txBody>
+      </p:sp>
+      <p:sp>
+        <p:nvSpPr>
+          <p:cNvPr id="9" name="Rectangle 8">
+            <a:extLst>
+              <a:ext uri="{FF2B5EF4-FFF2-40B4-BE49-F238E27FC236}">
+                <a16:creationId xmlns:a16="http://schemas.microsoft.com/office/drawing/2014/main" id="{00CAE585-9BB0-5844-B019-17D041FC89E0}"/>
+              </a:ext>
+            </a:extLst>
+          </p:cNvPr>
+          <p:cNvSpPr/>
+          <p:nvPr/>
+        </p:nvSpPr>
+        <p:spPr>
+          <a:xfrm>
+            <a:off x="206285" y="1756465"/>
+            <a:ext cx="1582484" cy="369332"/>
+          </a:xfrm>
+          <a:prstGeom prst="rect">
+            <a:avLst/>
+          </a:prstGeom>
+        </p:spPr>
+        <p:txBody>
+          <a:bodyPr wrap="none">
+            <a:spAutoFit/>
+          </a:bodyPr>
+          <a:lstStyle/>
+          <a:p>
+            <a:pPr algn="ctr"/>
+            <a:r>
+              <a:rPr lang="en-US" dirty="0">
+                <a:solidFill>
+                  <a:srgbClr val="000000"/>
+                </a:solidFill>
+                <a:effectLst/>
+                <a:latin typeface="Gill Sans" panose="020B0502020104020203" pitchFamily="34" charset="-79"/>
+                <a:cs typeface="Gill Sans" panose="020B0502020104020203" pitchFamily="34" charset="-79"/>
+              </a:rPr>
+              <a:t>pop size at t+1</a:t>
+            </a:r>
+          </a:p>
+        </p:txBody>
+      </p:sp>
+      <p:cxnSp>
+        <p:nvCxnSpPr>
+          <p:cNvPr id="11" name="Straight Arrow Connector 10">
+            <a:extLst>
+              <a:ext uri="{FF2B5EF4-FFF2-40B4-BE49-F238E27FC236}">
+                <a16:creationId xmlns:a16="http://schemas.microsoft.com/office/drawing/2014/main" id="{3CFD050E-4529-F145-99BB-900E69358E91}"/>
+              </a:ext>
+            </a:extLst>
+          </p:cNvPr>
+          <p:cNvCxnSpPr>
+            <a:cxnSpLocks/>
+            <a:stCxn id="9" idx="0"/>
+          </p:cNvCxnSpPr>
+          <p:nvPr/>
+        </p:nvCxnSpPr>
+        <p:spPr>
+          <a:xfrm flipV="1">
+            <a:off x="997527" y="806800"/>
+            <a:ext cx="275312" cy="949665"/>
+          </a:xfrm>
+          <a:prstGeom prst="straightConnector1">
+            <a:avLst/>
+          </a:prstGeom>
+          <a:ln w="38100">
+            <a:solidFill>
+              <a:schemeClr val="tx1"/>
+            </a:solidFill>
+            <a:tailEnd type="triangle"/>
+          </a:ln>
+        </p:spPr>
+        <p:style>
+          <a:lnRef idx="1">
+            <a:schemeClr val="accent1"/>
+          </a:lnRef>
+          <a:fillRef idx="0">
+            <a:schemeClr val="accent1"/>
+          </a:fillRef>
+          <a:effectRef idx="0">
+            <a:schemeClr val="accent1"/>
+          </a:effectRef>
+          <a:fontRef idx="minor">
+            <a:schemeClr val="tx1"/>
+          </a:fontRef>
+        </p:style>
+      </p:cxnSp>
+      <p:sp>
+        <p:nvSpPr>
+          <p:cNvPr id="13" name="Rectangle 12">
+            <a:extLst>
+              <a:ext uri="{FF2B5EF4-FFF2-40B4-BE49-F238E27FC236}">
+                <a16:creationId xmlns:a16="http://schemas.microsoft.com/office/drawing/2014/main" id="{5612A687-64B1-314A-BF28-15AF39FE77E4}"/>
+              </a:ext>
+            </a:extLst>
+          </p:cNvPr>
+          <p:cNvSpPr/>
+          <p:nvPr/>
+        </p:nvSpPr>
+        <p:spPr>
+          <a:xfrm>
+            <a:off x="4572000" y="2928450"/>
+            <a:ext cx="2904641" cy="369332"/>
+          </a:xfrm>
+          <a:prstGeom prst="rect">
+            <a:avLst/>
+          </a:prstGeom>
+        </p:spPr>
+        <p:txBody>
+          <a:bodyPr wrap="none">
+            <a:spAutoFit/>
+          </a:bodyPr>
+          <a:lstStyle/>
+          <a:p>
+            <a:r>
+              <a:rPr lang="en-US" dirty="0">
+                <a:solidFill>
+                  <a:srgbClr val="FF0000"/>
+                </a:solidFill>
+              </a:rPr>
+              <a:t>Structured population model</a:t>
+            </a:r>
+          </a:p>
+        </p:txBody>
+      </p:sp>
+      <p:sp>
+        <p:nvSpPr>
+          <p:cNvPr id="15" name="Rectangle 14">
+            <a:extLst>
+              <a:ext uri="{FF2B5EF4-FFF2-40B4-BE49-F238E27FC236}">
+                <a16:creationId xmlns:a16="http://schemas.microsoft.com/office/drawing/2014/main" id="{472D8D14-FFB5-904F-ADA7-037FB7B6A0C0}"/>
+              </a:ext>
+            </a:extLst>
+          </p:cNvPr>
+          <p:cNvSpPr/>
+          <p:nvPr/>
+        </p:nvSpPr>
+        <p:spPr>
+          <a:xfrm>
+            <a:off x="698270" y="3667114"/>
+            <a:ext cx="798021" cy="771882"/>
+          </a:xfrm>
+          <a:prstGeom prst="rect">
+            <a:avLst/>
+          </a:prstGeom>
+          <a:noFill/>
+          <a:ln>
+            <a:solidFill>
+              <a:schemeClr val="tx1"/>
+            </a:solidFill>
+          </a:ln>
+        </p:spPr>
+        <p:style>
+          <a:lnRef idx="2">
+            <a:schemeClr val="accent1">
+              <a:shade val="50000"/>
+            </a:schemeClr>
+          </a:lnRef>
+          <a:fillRef idx="1">
+            <a:schemeClr val="accent1"/>
+          </a:fillRef>
+          <a:effectRef idx="0">
+            <a:schemeClr val="accent1"/>
+          </a:effectRef>
+          <a:fontRef idx="minor">
+            <a:schemeClr val="lt1"/>
+          </a:fontRef>
+        </p:style>
+        <p:txBody>
+          <a:bodyPr rtlCol="0" anchor="ctr"/>
+          <a:lstStyle/>
+          <a:p>
+            <a:pPr algn="ctr"/>
+            <a:r>
+              <a:rPr lang="en-US" dirty="0">
+                <a:solidFill>
+                  <a:schemeClr val="tx1"/>
+                </a:solidFill>
+              </a:rPr>
+              <a:t>Babies</a:t>
+            </a:r>
+          </a:p>
+        </p:txBody>
+      </p:sp>
+      <p:sp>
+        <p:nvSpPr>
+          <p:cNvPr id="16" name="Rectangle 15">
+            <a:extLst>
+              <a:ext uri="{FF2B5EF4-FFF2-40B4-BE49-F238E27FC236}">
+                <a16:creationId xmlns:a16="http://schemas.microsoft.com/office/drawing/2014/main" id="{5E1A1D77-59DF-5449-B12D-98F8928BC47C}"/>
+              </a:ext>
+            </a:extLst>
+          </p:cNvPr>
+          <p:cNvSpPr/>
+          <p:nvPr/>
+        </p:nvSpPr>
+        <p:spPr>
+          <a:xfrm>
+            <a:off x="2255844" y="3698571"/>
+            <a:ext cx="798021" cy="771882"/>
+          </a:xfrm>
+          <a:prstGeom prst="rect">
+            <a:avLst/>
+          </a:prstGeom>
+          <a:noFill/>
+          <a:ln>
+            <a:solidFill>
+              <a:schemeClr val="tx1"/>
+            </a:solidFill>
+          </a:ln>
+        </p:spPr>
+        <p:style>
+          <a:lnRef idx="2">
+            <a:schemeClr val="accent1">
+              <a:shade val="50000"/>
+            </a:schemeClr>
+          </a:lnRef>
+          <a:fillRef idx="1">
+            <a:schemeClr val="accent1"/>
+          </a:fillRef>
+          <a:effectRef idx="0">
+            <a:schemeClr val="accent1"/>
+          </a:effectRef>
+          <a:fontRef idx="minor">
+            <a:schemeClr val="lt1"/>
+          </a:fontRef>
+        </p:style>
+        <p:txBody>
+          <a:bodyPr rtlCol="0" anchor="ctr"/>
+          <a:lstStyle/>
+          <a:p>
+            <a:pPr algn="ctr"/>
+            <a:r>
+              <a:rPr lang="en-US" dirty="0">
+                <a:solidFill>
+                  <a:schemeClr val="tx1"/>
+                </a:solidFill>
+              </a:rPr>
+              <a:t>Adults</a:t>
+            </a:r>
+          </a:p>
+        </p:txBody>
+      </p:sp>
+      <p:cxnSp>
+        <p:nvCxnSpPr>
+          <p:cNvPr id="17" name="Straight Arrow Connector 16">
+            <a:extLst>
+              <a:ext uri="{FF2B5EF4-FFF2-40B4-BE49-F238E27FC236}">
+                <a16:creationId xmlns:a16="http://schemas.microsoft.com/office/drawing/2014/main" id="{64F7D2E3-3540-CE40-8E63-D00B86CE581A}"/>
+              </a:ext>
+            </a:extLst>
+          </p:cNvPr>
+          <p:cNvCxnSpPr>
+            <a:cxnSpLocks/>
+          </p:cNvCxnSpPr>
+          <p:nvPr/>
+        </p:nvCxnSpPr>
+        <p:spPr>
+          <a:xfrm>
+            <a:off x="1579662" y="4084512"/>
+            <a:ext cx="592811" cy="0"/>
+          </a:xfrm>
+          <a:prstGeom prst="straightConnector1">
+            <a:avLst/>
+          </a:prstGeom>
+          <a:ln w="38100">
+            <a:solidFill>
+              <a:schemeClr val="tx1"/>
+            </a:solidFill>
+            <a:tailEnd type="triangle"/>
+          </a:ln>
+        </p:spPr>
+        <p:style>
+          <a:lnRef idx="1">
+            <a:schemeClr val="accent1"/>
+          </a:lnRef>
+          <a:fillRef idx="0">
+            <a:schemeClr val="accent1"/>
+          </a:fillRef>
+          <a:effectRef idx="0">
+            <a:schemeClr val="accent1"/>
+          </a:effectRef>
+          <a:fontRef idx="minor">
+            <a:schemeClr val="tx1"/>
+          </a:fontRef>
+        </p:style>
+      </p:cxnSp>
+      <p:cxnSp>
+        <p:nvCxnSpPr>
+          <p:cNvPr id="20" name="Straight Arrow Connector 19">
+            <a:extLst>
+              <a:ext uri="{FF2B5EF4-FFF2-40B4-BE49-F238E27FC236}">
+                <a16:creationId xmlns:a16="http://schemas.microsoft.com/office/drawing/2014/main" id="{0B772852-B7B8-C048-A468-024BA72C9C45}"/>
+              </a:ext>
+            </a:extLst>
+          </p:cNvPr>
+          <p:cNvCxnSpPr>
+            <a:cxnSpLocks/>
+          </p:cNvCxnSpPr>
+          <p:nvPr/>
+        </p:nvCxnSpPr>
+        <p:spPr>
+          <a:xfrm>
+            <a:off x="1097280" y="4470453"/>
+            <a:ext cx="0" cy="519762"/>
+          </a:xfrm>
+          <a:prstGeom prst="straightConnector1">
+            <a:avLst/>
+          </a:prstGeom>
+          <a:ln w="38100">
+            <a:solidFill>
+              <a:schemeClr val="tx1"/>
+            </a:solidFill>
+            <a:tailEnd type="triangle"/>
+          </a:ln>
+        </p:spPr>
+        <p:style>
+          <a:lnRef idx="1">
+            <a:schemeClr val="accent1"/>
+          </a:lnRef>
+          <a:fillRef idx="0">
+            <a:schemeClr val="accent1"/>
+          </a:fillRef>
+          <a:effectRef idx="0">
+            <a:schemeClr val="accent1"/>
+          </a:effectRef>
+          <a:fontRef idx="minor">
+            <a:schemeClr val="tx1"/>
+          </a:fontRef>
+        </p:style>
+      </p:cxnSp>
+      <p:cxnSp>
+        <p:nvCxnSpPr>
+          <p:cNvPr id="22" name="Straight Arrow Connector 21">
+            <a:extLst>
+              <a:ext uri="{FF2B5EF4-FFF2-40B4-BE49-F238E27FC236}">
+                <a16:creationId xmlns:a16="http://schemas.microsoft.com/office/drawing/2014/main" id="{30322833-E2D4-0943-987D-6CBCB6EB55B9}"/>
+              </a:ext>
+            </a:extLst>
+          </p:cNvPr>
+          <p:cNvCxnSpPr>
+            <a:cxnSpLocks/>
+          </p:cNvCxnSpPr>
+          <p:nvPr/>
+        </p:nvCxnSpPr>
+        <p:spPr>
+          <a:xfrm>
+            <a:off x="2691174" y="4470453"/>
+            <a:ext cx="0" cy="519762"/>
+          </a:xfrm>
+          <a:prstGeom prst="straightConnector1">
+            <a:avLst/>
+          </a:prstGeom>
+          <a:ln w="38100">
+            <a:solidFill>
+              <a:schemeClr val="tx1"/>
+            </a:solidFill>
+            <a:tailEnd type="triangle"/>
+          </a:ln>
+        </p:spPr>
+        <p:style>
+          <a:lnRef idx="1">
+            <a:schemeClr val="accent1"/>
+          </a:lnRef>
+          <a:fillRef idx="0">
+            <a:schemeClr val="accent1"/>
+          </a:fillRef>
+          <a:effectRef idx="0">
+            <a:schemeClr val="accent1"/>
+          </a:effectRef>
+          <a:fontRef idx="minor">
+            <a:schemeClr val="tx1"/>
+          </a:fontRef>
+        </p:style>
+      </p:cxnSp>
+      <p:cxnSp>
+        <p:nvCxnSpPr>
+          <p:cNvPr id="24" name="Curved Connector 23">
+            <a:extLst>
+              <a:ext uri="{FF2B5EF4-FFF2-40B4-BE49-F238E27FC236}">
+                <a16:creationId xmlns:a16="http://schemas.microsoft.com/office/drawing/2014/main" id="{C9575D3B-5D28-244F-93FA-D0AA4F5081DD}"/>
+              </a:ext>
+            </a:extLst>
+          </p:cNvPr>
+          <p:cNvCxnSpPr>
+            <a:cxnSpLocks/>
+            <a:stCxn id="16" idx="0"/>
+            <a:endCxn id="15" idx="0"/>
+          </p:cNvCxnSpPr>
+          <p:nvPr/>
+        </p:nvCxnSpPr>
+        <p:spPr>
+          <a:xfrm rot="16200000" flipV="1">
+            <a:off x="1860340" y="2904056"/>
+            <a:ext cx="31457" cy="1557574"/>
+          </a:xfrm>
+          <a:prstGeom prst="curvedConnector3">
+            <a:avLst>
+              <a:gd name="adj1" fmla="val 1196662"/>
+            </a:avLst>
+          </a:prstGeom>
+          <a:ln w="38100">
+            <a:solidFill>
+              <a:schemeClr val="tx1"/>
+            </a:solidFill>
+            <a:tailEnd type="triangle"/>
+          </a:ln>
+        </p:spPr>
+        <p:style>
+          <a:lnRef idx="1">
+            <a:schemeClr val="accent1"/>
+          </a:lnRef>
+          <a:fillRef idx="0">
+            <a:schemeClr val="accent1"/>
+          </a:fillRef>
+          <a:effectRef idx="0">
+            <a:schemeClr val="accent1"/>
+          </a:effectRef>
+          <a:fontRef idx="minor">
+            <a:schemeClr val="tx1"/>
+          </a:fontRef>
+        </p:style>
+      </p:cxnSp>
+      <p:sp>
+        <p:nvSpPr>
+          <p:cNvPr id="27" name="Rectangle 26">
+            <a:extLst>
+              <a:ext uri="{FF2B5EF4-FFF2-40B4-BE49-F238E27FC236}">
+                <a16:creationId xmlns:a16="http://schemas.microsoft.com/office/drawing/2014/main" id="{FFD080C1-3521-5346-A4FE-DF892E3320D8}"/>
+              </a:ext>
+            </a:extLst>
+          </p:cNvPr>
+          <p:cNvSpPr/>
+          <p:nvPr/>
+        </p:nvSpPr>
+        <p:spPr>
+          <a:xfrm>
+            <a:off x="1388656" y="2928450"/>
+            <a:ext cx="1086965" cy="369332"/>
+          </a:xfrm>
+          <a:prstGeom prst="rect">
+            <a:avLst/>
+          </a:prstGeom>
+        </p:spPr>
+        <p:txBody>
+          <a:bodyPr wrap="none">
+            <a:spAutoFit/>
+          </a:bodyPr>
+          <a:lstStyle/>
+          <a:p>
+            <a:pPr algn="ctr"/>
+            <a:r>
+              <a:rPr lang="en-US" dirty="0">
+                <a:solidFill>
+                  <a:srgbClr val="000000"/>
+                </a:solidFill>
+                <a:effectLst/>
+                <a:latin typeface="Gill Sans" panose="020B0502020104020203" pitchFamily="34" charset="-79"/>
+                <a:cs typeface="Gill Sans" panose="020B0502020104020203" pitchFamily="34" charset="-79"/>
+              </a:rPr>
+              <a:t>Births (</a:t>
+            </a:r>
+            <a:r>
+              <a:rPr lang="en-US" i="1" dirty="0">
+                <a:solidFill>
+                  <a:srgbClr val="000000"/>
+                </a:solidFill>
+                <a:effectLst/>
+                <a:latin typeface="Gill Sans" panose="020B0502020104020203" pitchFamily="34" charset="-79"/>
+                <a:cs typeface="Gill Sans" panose="020B0502020104020203" pitchFamily="34" charset="-79"/>
+              </a:rPr>
+              <a:t>B</a:t>
+            </a:r>
+            <a:r>
+              <a:rPr lang="en-US" dirty="0">
+                <a:solidFill>
+                  <a:srgbClr val="000000"/>
+                </a:solidFill>
+                <a:effectLst/>
+                <a:latin typeface="Gill Sans" panose="020B0502020104020203" pitchFamily="34" charset="-79"/>
+                <a:cs typeface="Gill Sans" panose="020B0502020104020203" pitchFamily="34" charset="-79"/>
+              </a:rPr>
+              <a:t>)</a:t>
+            </a:r>
+          </a:p>
+        </p:txBody>
+      </p:sp>
+      <p:sp>
+        <p:nvSpPr>
+          <p:cNvPr id="28" name="Rectangle 27">
+            <a:extLst>
+              <a:ext uri="{FF2B5EF4-FFF2-40B4-BE49-F238E27FC236}">
+                <a16:creationId xmlns:a16="http://schemas.microsoft.com/office/drawing/2014/main" id="{D936FEE4-7791-C44D-9378-634A6A4EA2D1}"/>
+              </a:ext>
+            </a:extLst>
+          </p:cNvPr>
+          <p:cNvSpPr/>
+          <p:nvPr/>
+        </p:nvSpPr>
+        <p:spPr>
+          <a:xfrm>
+            <a:off x="1553703" y="3744738"/>
+            <a:ext cx="644728" cy="646331"/>
+          </a:xfrm>
+          <a:prstGeom prst="rect">
+            <a:avLst/>
+          </a:prstGeom>
+        </p:spPr>
+        <p:txBody>
+          <a:bodyPr wrap="none">
+            <a:spAutoFit/>
+          </a:bodyPr>
+          <a:lstStyle/>
+          <a:p>
+            <a:pPr algn="ctr"/>
+            <a:r>
+              <a:rPr lang="en-US" dirty="0">
+                <a:solidFill>
+                  <a:srgbClr val="000000"/>
+                </a:solidFill>
+                <a:latin typeface="Gill Sans" panose="020B0502020104020203" pitchFamily="34" charset="-79"/>
+                <a:cs typeface="Gill Sans" panose="020B0502020104020203" pitchFamily="34" charset="-79"/>
+              </a:rPr>
+              <a:t>a</a:t>
+            </a:r>
+            <a:r>
+              <a:rPr lang="en-US" dirty="0">
+                <a:solidFill>
+                  <a:srgbClr val="000000"/>
+                </a:solidFill>
+                <a:effectLst/>
+                <a:latin typeface="Gill Sans" panose="020B0502020104020203" pitchFamily="34" charset="-79"/>
+                <a:cs typeface="Gill Sans" panose="020B0502020104020203" pitchFamily="34" charset="-79"/>
+              </a:rPr>
+              <a:t>ging</a:t>
+            </a:r>
+          </a:p>
+          <a:p>
+            <a:pPr algn="ctr"/>
+            <a:r>
+              <a:rPr lang="en-US" dirty="0">
+                <a:solidFill>
+                  <a:srgbClr val="000000"/>
+                </a:solidFill>
+                <a:effectLst/>
+                <a:latin typeface="Gill Sans" panose="020B0502020104020203" pitchFamily="34" charset="-79"/>
+                <a:cs typeface="Gill Sans" panose="020B0502020104020203" pitchFamily="34" charset="-79"/>
+              </a:rPr>
+              <a:t>(</a:t>
+            </a:r>
+            <a:r>
+              <a:rPr lang="en-US" i="1" dirty="0">
+                <a:solidFill>
+                  <a:srgbClr val="000000"/>
+                </a:solidFill>
+                <a:effectLst/>
+                <a:latin typeface="Gill Sans" panose="020B0502020104020203" pitchFamily="34" charset="-79"/>
+                <a:cs typeface="Gill Sans" panose="020B0502020104020203" pitchFamily="34" charset="-79"/>
+              </a:rPr>
+              <a:t>a</a:t>
+            </a:r>
+            <a:r>
+              <a:rPr lang="en-US" dirty="0">
+                <a:solidFill>
+                  <a:srgbClr val="000000"/>
+                </a:solidFill>
+                <a:effectLst/>
+                <a:latin typeface="Gill Sans" panose="020B0502020104020203" pitchFamily="34" charset="-79"/>
+                <a:cs typeface="Gill Sans" panose="020B0502020104020203" pitchFamily="34" charset="-79"/>
+              </a:rPr>
+              <a:t>)</a:t>
+            </a:r>
+          </a:p>
+        </p:txBody>
+      </p:sp>
+      <p:sp>
+        <p:nvSpPr>
+          <p:cNvPr id="29" name="Rectangle 28">
+            <a:extLst>
+              <a:ext uri="{FF2B5EF4-FFF2-40B4-BE49-F238E27FC236}">
+                <a16:creationId xmlns:a16="http://schemas.microsoft.com/office/drawing/2014/main" id="{AD9FCC38-6C43-1446-A154-6FAD146F9F46}"/>
+              </a:ext>
+            </a:extLst>
+          </p:cNvPr>
+          <p:cNvSpPr/>
+          <p:nvPr/>
+        </p:nvSpPr>
+        <p:spPr>
+          <a:xfrm>
+            <a:off x="1104816" y="4543108"/>
+            <a:ext cx="790602" cy="369332"/>
+          </a:xfrm>
+          <a:prstGeom prst="rect">
+            <a:avLst/>
+          </a:prstGeom>
+        </p:spPr>
+        <p:txBody>
+          <a:bodyPr wrap="none">
+            <a:spAutoFit/>
+          </a:bodyPr>
+          <a:lstStyle/>
+          <a:p>
+            <a:pPr algn="ctr"/>
+            <a:r>
+              <a:rPr lang="en-US" dirty="0">
+                <a:solidFill>
+                  <a:srgbClr val="000000"/>
+                </a:solidFill>
+                <a:effectLst/>
+                <a:latin typeface="Gill Sans" panose="020B0502020104020203" pitchFamily="34" charset="-79"/>
+                <a:cs typeface="Gill Sans" panose="020B0502020104020203" pitchFamily="34" charset="-79"/>
+              </a:rPr>
+              <a:t>deaths</a:t>
+            </a:r>
+          </a:p>
+        </p:txBody>
+      </p:sp>
+      <p:sp>
+        <p:nvSpPr>
+          <p:cNvPr id="30" name="Rectangle 29">
+            <a:extLst>
+              <a:ext uri="{FF2B5EF4-FFF2-40B4-BE49-F238E27FC236}">
+                <a16:creationId xmlns:a16="http://schemas.microsoft.com/office/drawing/2014/main" id="{E22745F1-915E-164C-8C11-4D7EAFB1D027}"/>
+              </a:ext>
+            </a:extLst>
+          </p:cNvPr>
+          <p:cNvSpPr/>
+          <p:nvPr/>
+        </p:nvSpPr>
+        <p:spPr>
+          <a:xfrm>
+            <a:off x="2668870" y="4543108"/>
+            <a:ext cx="790602" cy="369332"/>
+          </a:xfrm>
+          <a:prstGeom prst="rect">
+            <a:avLst/>
+          </a:prstGeom>
+        </p:spPr>
+        <p:txBody>
+          <a:bodyPr wrap="none">
+            <a:spAutoFit/>
+          </a:bodyPr>
+          <a:lstStyle/>
+          <a:p>
+            <a:pPr algn="ctr"/>
+            <a:r>
+              <a:rPr lang="en-US" dirty="0">
+                <a:solidFill>
+                  <a:srgbClr val="000000"/>
+                </a:solidFill>
+                <a:effectLst/>
+                <a:latin typeface="Gill Sans" panose="020B0502020104020203" pitchFamily="34" charset="-79"/>
+                <a:cs typeface="Gill Sans" panose="020B0502020104020203" pitchFamily="34" charset="-79"/>
+              </a:rPr>
+              <a:t>deaths</a:t>
+            </a:r>
+          </a:p>
+        </p:txBody>
+      </p:sp>
+      <p:sp>
+        <p:nvSpPr>
+          <p:cNvPr id="39" name="Rectangle 38">
+            <a:extLst>
+              <a:ext uri="{FF2B5EF4-FFF2-40B4-BE49-F238E27FC236}">
+                <a16:creationId xmlns:a16="http://schemas.microsoft.com/office/drawing/2014/main" id="{339E65B3-4BA4-EF45-957E-BF57B17C527F}"/>
+              </a:ext>
+            </a:extLst>
+          </p:cNvPr>
+          <p:cNvSpPr/>
+          <p:nvPr/>
+        </p:nvSpPr>
+        <p:spPr>
+          <a:xfrm>
+            <a:off x="4390746" y="3297782"/>
+            <a:ext cx="3724096" cy="369332"/>
+          </a:xfrm>
+          <a:prstGeom prst="rect">
+            <a:avLst/>
+          </a:prstGeom>
+        </p:spPr>
+        <p:txBody>
+          <a:bodyPr wrap="none">
+            <a:spAutoFit/>
+          </a:bodyPr>
+          <a:lstStyle/>
+          <a:p>
+            <a:r>
+              <a:rPr lang="en-US" dirty="0" err="1">
+                <a:solidFill>
+                  <a:srgbClr val="0365C0"/>
+                </a:solidFill>
+                <a:effectLst/>
+                <a:latin typeface="Helvetica" pitchFamily="2" charset="0"/>
+              </a:rPr>
+              <a:t>Modèle</a:t>
+            </a:r>
+            <a:r>
+              <a:rPr lang="en-US" dirty="0">
+                <a:solidFill>
+                  <a:srgbClr val="0365C0"/>
+                </a:solidFill>
+                <a:effectLst/>
+                <a:latin typeface="Helvetica" pitchFamily="2" charset="0"/>
+              </a:rPr>
+              <a:t> de la population </a:t>
+            </a:r>
+            <a:r>
+              <a:rPr lang="en-US" dirty="0" err="1">
+                <a:solidFill>
+                  <a:srgbClr val="0365C0"/>
+                </a:solidFill>
+                <a:effectLst/>
+                <a:latin typeface="Helvetica" pitchFamily="2" charset="0"/>
+              </a:rPr>
+              <a:t>structurée</a:t>
+            </a:r>
+            <a:endParaRPr lang="en-US" dirty="0">
+              <a:solidFill>
+                <a:srgbClr val="0365C0"/>
+              </a:solidFill>
+              <a:effectLst/>
+              <a:latin typeface="Helvetica" pitchFamily="2" charset="0"/>
+            </a:endParaRPr>
+          </a:p>
+        </p:txBody>
+      </p:sp>
+      <p:sp>
+        <p:nvSpPr>
+          <p:cNvPr id="40" name="Rectangle 39">
+            <a:extLst>
+              <a:ext uri="{FF2B5EF4-FFF2-40B4-BE49-F238E27FC236}">
+                <a16:creationId xmlns:a16="http://schemas.microsoft.com/office/drawing/2014/main" id="{1297FC90-0F2E-BF46-ADC1-06D0F9665C08}"/>
+              </a:ext>
+            </a:extLst>
+          </p:cNvPr>
+          <p:cNvSpPr/>
+          <p:nvPr/>
+        </p:nvSpPr>
+        <p:spPr>
+          <a:xfrm>
+            <a:off x="2053588" y="1394016"/>
+            <a:ext cx="1332416" cy="369332"/>
+          </a:xfrm>
+          <a:prstGeom prst="rect">
+            <a:avLst/>
+          </a:prstGeom>
+        </p:spPr>
+        <p:txBody>
+          <a:bodyPr wrap="none">
+            <a:spAutoFit/>
+          </a:bodyPr>
+          <a:lstStyle/>
+          <a:p>
+            <a:pPr algn="ctr"/>
+            <a:r>
+              <a:rPr lang="en-US" dirty="0">
+                <a:solidFill>
+                  <a:srgbClr val="000000"/>
+                </a:solidFill>
+                <a:effectLst/>
+                <a:latin typeface="Gill Sans" panose="020B0502020104020203" pitchFamily="34" charset="-79"/>
+                <a:cs typeface="Gill Sans" panose="020B0502020104020203" pitchFamily="34" charset="-79"/>
+              </a:rPr>
+              <a:t>pop size at t</a:t>
+            </a:r>
+          </a:p>
+        </p:txBody>
+      </p:sp>
+      <p:cxnSp>
+        <p:nvCxnSpPr>
+          <p:cNvPr id="41" name="Straight Arrow Connector 40">
+            <a:extLst>
+              <a:ext uri="{FF2B5EF4-FFF2-40B4-BE49-F238E27FC236}">
+                <a16:creationId xmlns:a16="http://schemas.microsoft.com/office/drawing/2014/main" id="{A22CE031-2D6B-0345-97BE-250A9F3B78B8}"/>
+              </a:ext>
+            </a:extLst>
+          </p:cNvPr>
+          <p:cNvCxnSpPr>
+            <a:cxnSpLocks/>
+          </p:cNvCxnSpPr>
+          <p:nvPr/>
+        </p:nvCxnSpPr>
+        <p:spPr>
+          <a:xfrm flipH="1" flipV="1">
+            <a:off x="2213833" y="954061"/>
+            <a:ext cx="355685" cy="439954"/>
+          </a:xfrm>
+          <a:prstGeom prst="straightConnector1">
+            <a:avLst/>
+          </a:prstGeom>
+          <a:ln w="38100">
+            <a:solidFill>
+              <a:schemeClr val="tx1"/>
+            </a:solidFill>
+            <a:tailEnd type="triangle"/>
+          </a:ln>
+        </p:spPr>
+        <p:style>
+          <a:lnRef idx="1">
+            <a:schemeClr val="accent1"/>
+          </a:lnRef>
+          <a:fillRef idx="0">
+            <a:schemeClr val="accent1"/>
+          </a:fillRef>
+          <a:effectRef idx="0">
+            <a:schemeClr val="accent1"/>
+          </a:effectRef>
+          <a:fontRef idx="minor">
+            <a:schemeClr val="tx1"/>
+          </a:fontRef>
+        </p:style>
+      </p:cxnSp>
+    </p:spTree>
+    <p:extLst>
+      <p:ext uri="{BB962C8B-B14F-4D97-AF65-F5344CB8AC3E}">
+        <p14:creationId xmlns:p14="http://schemas.microsoft.com/office/powerpoint/2010/main" val="3711835938"/>
+      </p:ext>
+    </p:extLst>
+  </p:cSld>
+  <p:clrMapOvr>
+    <a:masterClrMapping/>
+  </p:clrMapOvr>
+</p:sld>
+</file>
+
+<file path=ppt/slides/slide38.xml><?xml version="1.0" encoding="utf-8"?>
+<p:sld xmlns:a="http://schemas.openxmlformats.org/drawingml/2006/main" xmlns:r="http://schemas.openxmlformats.org/officeDocument/2006/relationships" xmlns:p="http://schemas.openxmlformats.org/presentationml/2006/main">
+  <p:cSld>
+    <p:spTree>
+      <p:nvGrpSpPr>
+        <p:cNvPr id="1" name=""/>
+        <p:cNvGrpSpPr/>
+        <p:nvPr/>
+      </p:nvGrpSpPr>
+      <p:grpSpPr>
+        <a:xfrm>
+          <a:off x="0" y="0"/>
+          <a:ext cx="0" cy="0"/>
+          <a:chOff x="0" y="0"/>
+          <a:chExt cx="0" cy="0"/>
+        </a:xfrm>
+      </p:grpSpPr>
+      <p:sp>
+        <p:nvSpPr>
+          <p:cNvPr id="6" name="Rectangle 5">
+            <a:extLst>
+              <a:ext uri="{FF2B5EF4-FFF2-40B4-BE49-F238E27FC236}">
+                <a16:creationId xmlns:a16="http://schemas.microsoft.com/office/drawing/2014/main" id="{3F45C818-D1C8-894F-B0F5-56F35B226A12}"/>
+              </a:ext>
+            </a:extLst>
+          </p:cNvPr>
+          <p:cNvSpPr/>
+          <p:nvPr/>
+        </p:nvSpPr>
+        <p:spPr>
+          <a:xfrm>
+            <a:off x="66500" y="98914"/>
+            <a:ext cx="2772181" cy="707886"/>
+          </a:xfrm>
+          <a:prstGeom prst="rect">
+            <a:avLst/>
+          </a:prstGeom>
+        </p:spPr>
+        <p:txBody>
+          <a:bodyPr wrap="square">
+            <a:spAutoFit/>
+          </a:bodyPr>
+          <a:lstStyle/>
+          <a:p>
+            <a:pPr algn="ctr"/>
+            <a:r>
+              <a:rPr lang="en-US" sz="4000" dirty="0">
+                <a:solidFill>
+                  <a:srgbClr val="FF0000"/>
+                </a:solidFill>
+                <a:latin typeface="Helvetica" pitchFamily="2" charset="0"/>
+                <a:sym typeface="Symbol" pitchFamily="2" charset="2"/>
+              </a:rPr>
+              <a:t></a:t>
+            </a:r>
+            <a:r>
+              <a:rPr lang="en-US" sz="3200" dirty="0">
+                <a:solidFill>
+                  <a:srgbClr val="000000"/>
+                </a:solidFill>
+                <a:effectLst/>
+                <a:latin typeface="Helvetica Light" panose="020B0403020202020204" pitchFamily="34" charset="0"/>
+              </a:rPr>
+              <a:t>=N</a:t>
+            </a:r>
+            <a:r>
+              <a:rPr lang="en-US" sz="3200" baseline="-25000" dirty="0">
+                <a:solidFill>
+                  <a:srgbClr val="000000"/>
+                </a:solidFill>
+                <a:effectLst/>
+                <a:latin typeface="Helvetica Light" panose="020B0403020202020204" pitchFamily="34" charset="0"/>
+              </a:rPr>
+              <a:t>t+1</a:t>
+            </a:r>
+            <a:r>
+              <a:rPr lang="en-US" sz="3200" dirty="0">
+                <a:solidFill>
+                  <a:srgbClr val="000000"/>
+                </a:solidFill>
+                <a:effectLst/>
+                <a:latin typeface="Helvetica Light" panose="020B0403020202020204" pitchFamily="34" charset="0"/>
+              </a:rPr>
+              <a:t>/</a:t>
+            </a:r>
+            <a:r>
+              <a:rPr lang="en-US" sz="3200" dirty="0" err="1">
+                <a:solidFill>
+                  <a:srgbClr val="000000"/>
+                </a:solidFill>
+                <a:effectLst/>
+                <a:latin typeface="Helvetica Light" panose="020B0403020202020204" pitchFamily="34" charset="0"/>
+              </a:rPr>
+              <a:t>N</a:t>
+            </a:r>
+            <a:r>
+              <a:rPr lang="en-US" sz="3200" baseline="-25000" dirty="0" err="1">
+                <a:solidFill>
+                  <a:srgbClr val="000000"/>
+                </a:solidFill>
+                <a:effectLst/>
+                <a:latin typeface="Helvetica Light" panose="020B0403020202020204" pitchFamily="34" charset="0"/>
+              </a:rPr>
+              <a:t>t</a:t>
+            </a:r>
+            <a:endParaRPr lang="en-US" sz="3200" dirty="0">
+              <a:solidFill>
+                <a:srgbClr val="000000"/>
+              </a:solidFill>
+              <a:effectLst/>
+              <a:latin typeface="Helvetica Light" panose="020B0403020202020204" pitchFamily="34" charset="0"/>
+            </a:endParaRPr>
+          </a:p>
+        </p:txBody>
+      </p:sp>
+      <p:sp>
+        <p:nvSpPr>
+          <p:cNvPr id="7" name="Rectangle 6">
+            <a:extLst>
+              <a:ext uri="{FF2B5EF4-FFF2-40B4-BE49-F238E27FC236}">
+                <a16:creationId xmlns:a16="http://schemas.microsoft.com/office/drawing/2014/main" id="{ACB7594C-206A-874C-8EB6-69FE5B3884B7}"/>
+              </a:ext>
+            </a:extLst>
+          </p:cNvPr>
+          <p:cNvSpPr/>
+          <p:nvPr/>
+        </p:nvSpPr>
+        <p:spPr>
+          <a:xfrm>
+            <a:off x="4478078" y="182882"/>
+            <a:ext cx="2929008" cy="369332"/>
+          </a:xfrm>
+          <a:prstGeom prst="rect">
+            <a:avLst/>
+          </a:prstGeom>
+        </p:spPr>
+        <p:txBody>
+          <a:bodyPr wrap="none">
+            <a:spAutoFit/>
+          </a:bodyPr>
+          <a:lstStyle/>
+          <a:p>
+            <a:pPr algn="ctr"/>
+            <a:r>
+              <a:rPr lang="en-US" dirty="0">
+                <a:solidFill>
+                  <a:srgbClr val="FF3A37"/>
+                </a:solidFill>
+                <a:effectLst/>
+                <a:latin typeface="Helvetica" pitchFamily="2" charset="0"/>
+                <a:cs typeface="Gill Sans" panose="020B0502020104020203" pitchFamily="34" charset="-79"/>
+              </a:rPr>
+              <a:t>Population rate of increase</a:t>
+            </a:r>
+          </a:p>
+        </p:txBody>
+      </p:sp>
+      <p:sp>
+        <p:nvSpPr>
+          <p:cNvPr id="8" name="Rectangle 7">
+            <a:extLst>
+              <a:ext uri="{FF2B5EF4-FFF2-40B4-BE49-F238E27FC236}">
+                <a16:creationId xmlns:a16="http://schemas.microsoft.com/office/drawing/2014/main" id="{EC70B00C-1533-0B4F-B20B-A5A670406B26}"/>
+              </a:ext>
+            </a:extLst>
+          </p:cNvPr>
+          <p:cNvSpPr/>
+          <p:nvPr/>
+        </p:nvSpPr>
+        <p:spPr>
+          <a:xfrm>
+            <a:off x="3898560" y="490443"/>
+            <a:ext cx="4088042" cy="369332"/>
+          </a:xfrm>
+          <a:prstGeom prst="rect">
+            <a:avLst/>
+          </a:prstGeom>
+        </p:spPr>
+        <p:txBody>
+          <a:bodyPr wrap="none">
+            <a:spAutoFit/>
+          </a:bodyPr>
+          <a:lstStyle/>
+          <a:p>
+            <a:r>
+              <a:rPr lang="en-US" dirty="0" err="1">
+                <a:solidFill>
+                  <a:srgbClr val="0365C0"/>
+                </a:solidFill>
+                <a:effectLst/>
+                <a:latin typeface="Helvetica" pitchFamily="2" charset="0"/>
+              </a:rPr>
+              <a:t>Taux</a:t>
+            </a:r>
+            <a:r>
+              <a:rPr lang="en-US" dirty="0">
+                <a:solidFill>
+                  <a:srgbClr val="0365C0"/>
+                </a:solidFill>
+                <a:effectLst/>
+                <a:latin typeface="Helvetica" pitchFamily="2" charset="0"/>
+              </a:rPr>
+              <a:t> </a:t>
+            </a:r>
+            <a:r>
+              <a:rPr lang="en-US" dirty="0" err="1">
+                <a:solidFill>
+                  <a:srgbClr val="0365C0"/>
+                </a:solidFill>
+                <a:effectLst/>
+                <a:latin typeface="Helvetica" pitchFamily="2" charset="0"/>
+              </a:rPr>
+              <a:t>d'accroissement</a:t>
+            </a:r>
+            <a:r>
+              <a:rPr lang="en-US" dirty="0">
+                <a:solidFill>
+                  <a:srgbClr val="0365C0"/>
+                </a:solidFill>
+                <a:effectLst/>
+                <a:latin typeface="Helvetica" pitchFamily="2" charset="0"/>
+              </a:rPr>
+              <a:t> de la population</a:t>
+            </a:r>
+          </a:p>
+        </p:txBody>
+      </p:sp>
+      <p:sp>
+        <p:nvSpPr>
+          <p:cNvPr id="9" name="Rectangle 8">
+            <a:extLst>
+              <a:ext uri="{FF2B5EF4-FFF2-40B4-BE49-F238E27FC236}">
+                <a16:creationId xmlns:a16="http://schemas.microsoft.com/office/drawing/2014/main" id="{00CAE585-9BB0-5844-B019-17D041FC89E0}"/>
+              </a:ext>
+            </a:extLst>
+          </p:cNvPr>
+          <p:cNvSpPr/>
+          <p:nvPr/>
+        </p:nvSpPr>
+        <p:spPr>
+          <a:xfrm>
+            <a:off x="206285" y="1756465"/>
+            <a:ext cx="1582484" cy="369332"/>
+          </a:xfrm>
+          <a:prstGeom prst="rect">
+            <a:avLst/>
+          </a:prstGeom>
+        </p:spPr>
+        <p:txBody>
+          <a:bodyPr wrap="none">
+            <a:spAutoFit/>
+          </a:bodyPr>
+          <a:lstStyle/>
+          <a:p>
+            <a:pPr algn="ctr"/>
+            <a:r>
+              <a:rPr lang="en-US" dirty="0">
+                <a:solidFill>
+                  <a:srgbClr val="000000"/>
+                </a:solidFill>
+                <a:effectLst/>
+                <a:latin typeface="Gill Sans" panose="020B0502020104020203" pitchFamily="34" charset="-79"/>
+                <a:cs typeface="Gill Sans" panose="020B0502020104020203" pitchFamily="34" charset="-79"/>
+              </a:rPr>
+              <a:t>pop size at t+1</a:t>
+            </a:r>
+          </a:p>
+        </p:txBody>
+      </p:sp>
       <p:sp>
         <p:nvSpPr>
           <p:cNvPr id="10" name="Rectangle 9">
@@ -27401,8 +30073,8 @@
         </p:nvSpPr>
         <p:spPr>
           <a:xfrm>
-            <a:off x="2172473" y="1281633"/>
-            <a:ext cx="1332416" cy="369332"/>
+            <a:off x="6874549" y="4862403"/>
+            <a:ext cx="1675459" cy="646331"/>
           </a:xfrm>
           <a:prstGeom prst="rect">
             <a:avLst/>
@@ -27424,7 +30096,21 @@
                 <a:latin typeface="Gill Sans" panose="020B0502020104020203" pitchFamily="34" charset="-79"/>
                 <a:cs typeface="Gill Sans" panose="020B0502020104020203" pitchFamily="34" charset="-79"/>
               </a:rPr>
-              <a:t>pop size at t</a:t>
+              <a:t>vector of </a:t>
+            </a:r>
+          </a:p>
+          <a:p>
+            <a:pPr algn="ctr"/>
+            <a:r>
+              <a:rPr lang="en-US" dirty="0">
+                <a:solidFill>
+                  <a:srgbClr val="000000"/>
+                </a:solidFill>
+                <a:effectLst/>
+                <a:latin typeface="Gill Sans" panose="020B0502020104020203" pitchFamily="34" charset="-79"/>
+                <a:cs typeface="Gill Sans" panose="020B0502020104020203" pitchFamily="34" charset="-79"/>
+              </a:rPr>
+              <a:t>population sizes</a:t>
             </a:r>
           </a:p>
         </p:txBody>
@@ -27490,7 +30176,7 @@
         </p:nvCxnSpPr>
         <p:spPr>
           <a:xfrm flipH="1" flipV="1">
-            <a:off x="2332718" y="841678"/>
+            <a:off x="6874549" y="4472485"/>
             <a:ext cx="355685" cy="439954"/>
           </a:xfrm>
           <a:prstGeom prst="straightConnector1">
@@ -27571,7 +30257,7 @@
         <p:spPr>
           <a:xfrm>
             <a:off x="4390746" y="3297782"/>
-            <a:ext cx="3595856" cy="369332"/>
+            <a:ext cx="3724096" cy="369332"/>
           </a:xfrm>
           <a:prstGeom prst="rect">
             <a:avLst/>
@@ -27611,7 +30297,7 @@
                 <a:effectLst/>
                 <a:latin typeface="Helvetica" pitchFamily="2" charset="0"/>
               </a:rPr>
-              <a:t>structuré</a:t>
+              <a:t>structurée</a:t>
             </a:r>
             <a:endParaRPr lang="en-US" dirty="0">
               <a:solidFill>
@@ -27623,250 +30309,1086 @@
           </a:p>
         </p:txBody>
       </p:sp>
-    </p:spTree>
-    <p:extLst>
-      <p:ext uri="{BB962C8B-B14F-4D97-AF65-F5344CB8AC3E}">
-        <p14:creationId xmlns:p14="http://schemas.microsoft.com/office/powerpoint/2010/main" val="3711835938"/>
-      </p:ext>
-    </p:extLst>
-  </p:cSld>
-  <p:clrMapOvr>
-    <a:masterClrMapping/>
-  </p:clrMapOvr>
-</p:sld>
-</file>
-
-<file path=ppt/slides/slide36.xml><?xml version="1.0" encoding="utf-8"?>
-<p:sld xmlns:a="http://schemas.openxmlformats.org/drawingml/2006/main" xmlns:r="http://schemas.openxmlformats.org/officeDocument/2006/relationships" xmlns:p="http://schemas.openxmlformats.org/presentationml/2006/main">
-  <p:cSld>
-    <p:spTree>
-      <p:nvGrpSpPr>
-        <p:cNvPr id="1" name=""/>
-        <p:cNvGrpSpPr/>
-        <p:nvPr/>
-      </p:nvGrpSpPr>
-      <p:grpSpPr>
-        <a:xfrm>
-          <a:off x="0" y="0"/>
-          <a:ext cx="0" cy="0"/>
-          <a:chOff x="0" y="0"/>
-          <a:chExt cx="0" cy="0"/>
-        </a:xfrm>
-      </p:grpSpPr>
-      <p:sp>
-        <p:nvSpPr>
-          <p:cNvPr id="2" name="Title 1">
+      <p:grpSp>
+        <p:nvGrpSpPr>
+          <p:cNvPr id="2" name="Group 1">
             <a:extLst>
               <a:ext uri="{FF2B5EF4-FFF2-40B4-BE49-F238E27FC236}">
-                <a16:creationId xmlns:a16="http://schemas.microsoft.com/office/drawing/2014/main" id="{9D1D36E5-5F41-4F40-A318-6B3A75058669}"/>
+                <a16:creationId xmlns:a16="http://schemas.microsoft.com/office/drawing/2014/main" id="{528FB4FE-34EA-B347-8C1B-EA9C4DDB67CF}"/>
               </a:ext>
             </a:extLst>
           </p:cNvPr>
-          <p:cNvSpPr>
-            <a:spLocks noGrp="1"/>
-          </p:cNvSpPr>
-          <p:nvPr>
-            <p:ph type="title"/>
-          </p:nvPr>
+          <p:cNvGrpSpPr/>
+          <p:nvPr/>
+        </p:nvGrpSpPr>
+        <p:grpSpPr>
+          <a:xfrm>
+            <a:off x="698270" y="2928450"/>
+            <a:ext cx="2761202" cy="2061765"/>
+            <a:chOff x="698270" y="2928450"/>
+            <a:chExt cx="2761202" cy="2061765"/>
+          </a:xfrm>
+        </p:grpSpPr>
+        <p:sp>
+          <p:nvSpPr>
+            <p:cNvPr id="15" name="Rectangle 14">
+              <a:extLst>
+                <a:ext uri="{FF2B5EF4-FFF2-40B4-BE49-F238E27FC236}">
+                  <a16:creationId xmlns:a16="http://schemas.microsoft.com/office/drawing/2014/main" id="{472D8D14-FFB5-904F-ADA7-037FB7B6A0C0}"/>
+                </a:ext>
+              </a:extLst>
+            </p:cNvPr>
+            <p:cNvSpPr/>
+            <p:nvPr/>
+          </p:nvSpPr>
+          <p:spPr>
+            <a:xfrm>
+              <a:off x="698270" y="3667114"/>
+              <a:ext cx="798021" cy="771882"/>
+            </a:xfrm>
+            <a:prstGeom prst="rect">
+              <a:avLst/>
+            </a:prstGeom>
+            <a:noFill/>
+            <a:ln>
+              <a:solidFill>
+                <a:schemeClr val="tx1"/>
+              </a:solidFill>
+            </a:ln>
+          </p:spPr>
+          <p:style>
+            <a:lnRef idx="2">
+              <a:schemeClr val="accent1">
+                <a:shade val="50000"/>
+              </a:schemeClr>
+            </a:lnRef>
+            <a:fillRef idx="1">
+              <a:schemeClr val="accent1"/>
+            </a:fillRef>
+            <a:effectRef idx="0">
+              <a:schemeClr val="accent1"/>
+            </a:effectRef>
+            <a:fontRef idx="minor">
+              <a:schemeClr val="lt1"/>
+            </a:fontRef>
+          </p:style>
+          <p:txBody>
+            <a:bodyPr rtlCol="0" anchor="ctr"/>
+            <a:lstStyle/>
+            <a:p>
+              <a:pPr algn="ctr"/>
+              <a:r>
+                <a:rPr lang="en-US" dirty="0">
+                  <a:solidFill>
+                    <a:schemeClr val="tx1"/>
+                  </a:solidFill>
+                </a:rPr>
+                <a:t>Babies</a:t>
+              </a:r>
+            </a:p>
+          </p:txBody>
+        </p:sp>
+        <p:sp>
+          <p:nvSpPr>
+            <p:cNvPr id="16" name="Rectangle 15">
+              <a:extLst>
+                <a:ext uri="{FF2B5EF4-FFF2-40B4-BE49-F238E27FC236}">
+                  <a16:creationId xmlns:a16="http://schemas.microsoft.com/office/drawing/2014/main" id="{5E1A1D77-59DF-5449-B12D-98F8928BC47C}"/>
+                </a:ext>
+              </a:extLst>
+            </p:cNvPr>
+            <p:cNvSpPr/>
+            <p:nvPr/>
+          </p:nvSpPr>
+          <p:spPr>
+            <a:xfrm>
+              <a:off x="2255844" y="3698571"/>
+              <a:ext cx="798021" cy="771882"/>
+            </a:xfrm>
+            <a:prstGeom prst="rect">
+              <a:avLst/>
+            </a:prstGeom>
+            <a:noFill/>
+            <a:ln>
+              <a:solidFill>
+                <a:schemeClr val="tx1"/>
+              </a:solidFill>
+            </a:ln>
+          </p:spPr>
+          <p:style>
+            <a:lnRef idx="2">
+              <a:schemeClr val="accent1">
+                <a:shade val="50000"/>
+              </a:schemeClr>
+            </a:lnRef>
+            <a:fillRef idx="1">
+              <a:schemeClr val="accent1"/>
+            </a:fillRef>
+            <a:effectRef idx="0">
+              <a:schemeClr val="accent1"/>
+            </a:effectRef>
+            <a:fontRef idx="minor">
+              <a:schemeClr val="lt1"/>
+            </a:fontRef>
+          </p:style>
+          <p:txBody>
+            <a:bodyPr rtlCol="0" anchor="ctr"/>
+            <a:lstStyle/>
+            <a:p>
+              <a:pPr algn="ctr"/>
+              <a:r>
+                <a:rPr lang="en-US" dirty="0">
+                  <a:solidFill>
+                    <a:schemeClr val="tx1"/>
+                  </a:solidFill>
+                </a:rPr>
+                <a:t>Adults</a:t>
+              </a:r>
+            </a:p>
+          </p:txBody>
+        </p:sp>
+        <p:cxnSp>
+          <p:nvCxnSpPr>
+            <p:cNvPr id="17" name="Straight Arrow Connector 16">
+              <a:extLst>
+                <a:ext uri="{FF2B5EF4-FFF2-40B4-BE49-F238E27FC236}">
+                  <a16:creationId xmlns:a16="http://schemas.microsoft.com/office/drawing/2014/main" id="{64F7D2E3-3540-CE40-8E63-D00B86CE581A}"/>
+                </a:ext>
+              </a:extLst>
+            </p:cNvPr>
+            <p:cNvCxnSpPr>
+              <a:cxnSpLocks/>
+            </p:cNvCxnSpPr>
+            <p:nvPr/>
+          </p:nvCxnSpPr>
+          <p:spPr>
+            <a:xfrm>
+              <a:off x="1579662" y="4084512"/>
+              <a:ext cx="592811" cy="0"/>
+            </a:xfrm>
+            <a:prstGeom prst="straightConnector1">
+              <a:avLst/>
+            </a:prstGeom>
+            <a:ln w="38100">
+              <a:solidFill>
+                <a:schemeClr val="tx1"/>
+              </a:solidFill>
+              <a:tailEnd type="triangle"/>
+            </a:ln>
+          </p:spPr>
+          <p:style>
+            <a:lnRef idx="1">
+              <a:schemeClr val="accent1"/>
+            </a:lnRef>
+            <a:fillRef idx="0">
+              <a:schemeClr val="accent1"/>
+            </a:fillRef>
+            <a:effectRef idx="0">
+              <a:schemeClr val="accent1"/>
+            </a:effectRef>
+            <a:fontRef idx="minor">
+              <a:schemeClr val="tx1"/>
+            </a:fontRef>
+          </p:style>
+        </p:cxnSp>
+        <p:cxnSp>
+          <p:nvCxnSpPr>
+            <p:cNvPr id="20" name="Straight Arrow Connector 19">
+              <a:extLst>
+                <a:ext uri="{FF2B5EF4-FFF2-40B4-BE49-F238E27FC236}">
+                  <a16:creationId xmlns:a16="http://schemas.microsoft.com/office/drawing/2014/main" id="{0B772852-B7B8-C048-A468-024BA72C9C45}"/>
+                </a:ext>
+              </a:extLst>
+            </p:cNvPr>
+            <p:cNvCxnSpPr>
+              <a:cxnSpLocks/>
+            </p:cNvCxnSpPr>
+            <p:nvPr/>
+          </p:nvCxnSpPr>
+          <p:spPr>
+            <a:xfrm>
+              <a:off x="1097280" y="4470453"/>
+              <a:ext cx="0" cy="519762"/>
+            </a:xfrm>
+            <a:prstGeom prst="straightConnector1">
+              <a:avLst/>
+            </a:prstGeom>
+            <a:ln w="38100">
+              <a:solidFill>
+                <a:schemeClr val="tx1"/>
+              </a:solidFill>
+              <a:tailEnd type="triangle"/>
+            </a:ln>
+          </p:spPr>
+          <p:style>
+            <a:lnRef idx="1">
+              <a:schemeClr val="accent1"/>
+            </a:lnRef>
+            <a:fillRef idx="0">
+              <a:schemeClr val="accent1"/>
+            </a:fillRef>
+            <a:effectRef idx="0">
+              <a:schemeClr val="accent1"/>
+            </a:effectRef>
+            <a:fontRef idx="minor">
+              <a:schemeClr val="tx1"/>
+            </a:fontRef>
+          </p:style>
+        </p:cxnSp>
+        <p:cxnSp>
+          <p:nvCxnSpPr>
+            <p:cNvPr id="22" name="Straight Arrow Connector 21">
+              <a:extLst>
+                <a:ext uri="{FF2B5EF4-FFF2-40B4-BE49-F238E27FC236}">
+                  <a16:creationId xmlns:a16="http://schemas.microsoft.com/office/drawing/2014/main" id="{30322833-E2D4-0943-987D-6CBCB6EB55B9}"/>
+                </a:ext>
+              </a:extLst>
+            </p:cNvPr>
+            <p:cNvCxnSpPr>
+              <a:cxnSpLocks/>
+            </p:cNvCxnSpPr>
+            <p:nvPr/>
+          </p:nvCxnSpPr>
+          <p:spPr>
+            <a:xfrm>
+              <a:off x="2691174" y="4470453"/>
+              <a:ext cx="0" cy="519762"/>
+            </a:xfrm>
+            <a:prstGeom prst="straightConnector1">
+              <a:avLst/>
+            </a:prstGeom>
+            <a:ln w="38100">
+              <a:solidFill>
+                <a:schemeClr val="tx1"/>
+              </a:solidFill>
+              <a:tailEnd type="triangle"/>
+            </a:ln>
+          </p:spPr>
+          <p:style>
+            <a:lnRef idx="1">
+              <a:schemeClr val="accent1"/>
+            </a:lnRef>
+            <a:fillRef idx="0">
+              <a:schemeClr val="accent1"/>
+            </a:fillRef>
+            <a:effectRef idx="0">
+              <a:schemeClr val="accent1"/>
+            </a:effectRef>
+            <a:fontRef idx="minor">
+              <a:schemeClr val="tx1"/>
+            </a:fontRef>
+          </p:style>
+        </p:cxnSp>
+        <p:cxnSp>
+          <p:nvCxnSpPr>
+            <p:cNvPr id="24" name="Curved Connector 23">
+              <a:extLst>
+                <a:ext uri="{FF2B5EF4-FFF2-40B4-BE49-F238E27FC236}">
+                  <a16:creationId xmlns:a16="http://schemas.microsoft.com/office/drawing/2014/main" id="{C9575D3B-5D28-244F-93FA-D0AA4F5081DD}"/>
+                </a:ext>
+              </a:extLst>
+            </p:cNvPr>
+            <p:cNvCxnSpPr>
+              <a:cxnSpLocks/>
+              <a:stCxn id="16" idx="0"/>
+              <a:endCxn id="15" idx="0"/>
+            </p:cNvCxnSpPr>
+            <p:nvPr/>
+          </p:nvCxnSpPr>
+          <p:spPr>
+            <a:xfrm rot="16200000" flipV="1">
+              <a:off x="1860340" y="2904056"/>
+              <a:ext cx="31457" cy="1557574"/>
+            </a:xfrm>
+            <a:prstGeom prst="curvedConnector3">
+              <a:avLst>
+                <a:gd name="adj1" fmla="val 1196662"/>
+              </a:avLst>
+            </a:prstGeom>
+            <a:ln w="38100">
+              <a:solidFill>
+                <a:schemeClr val="tx1"/>
+              </a:solidFill>
+              <a:tailEnd type="triangle"/>
+            </a:ln>
+          </p:spPr>
+          <p:style>
+            <a:lnRef idx="1">
+              <a:schemeClr val="accent1"/>
+            </a:lnRef>
+            <a:fillRef idx="0">
+              <a:schemeClr val="accent1"/>
+            </a:fillRef>
+            <a:effectRef idx="0">
+              <a:schemeClr val="accent1"/>
+            </a:effectRef>
+            <a:fontRef idx="minor">
+              <a:schemeClr val="tx1"/>
+            </a:fontRef>
+          </p:style>
+        </p:cxnSp>
+        <p:sp>
+          <p:nvSpPr>
+            <p:cNvPr id="27" name="Rectangle 26">
+              <a:extLst>
+                <a:ext uri="{FF2B5EF4-FFF2-40B4-BE49-F238E27FC236}">
+                  <a16:creationId xmlns:a16="http://schemas.microsoft.com/office/drawing/2014/main" id="{FFD080C1-3521-5346-A4FE-DF892E3320D8}"/>
+                </a:ext>
+              </a:extLst>
+            </p:cNvPr>
+            <p:cNvSpPr/>
+            <p:nvPr/>
+          </p:nvSpPr>
+          <p:spPr>
+            <a:xfrm>
+              <a:off x="1388656" y="2928450"/>
+              <a:ext cx="1086965" cy="369332"/>
+            </a:xfrm>
+            <a:prstGeom prst="rect">
+              <a:avLst/>
+            </a:prstGeom>
+          </p:spPr>
+          <p:txBody>
+            <a:bodyPr wrap="none">
+              <a:spAutoFit/>
+            </a:bodyPr>
+            <a:lstStyle/>
+            <a:p>
+              <a:pPr algn="ctr"/>
+              <a:r>
+                <a:rPr lang="en-US" dirty="0">
+                  <a:solidFill>
+                    <a:srgbClr val="000000"/>
+                  </a:solidFill>
+                  <a:effectLst/>
+                  <a:latin typeface="Gill Sans" panose="020B0502020104020203" pitchFamily="34" charset="-79"/>
+                  <a:cs typeface="Gill Sans" panose="020B0502020104020203" pitchFamily="34" charset="-79"/>
+                </a:rPr>
+                <a:t>Births (</a:t>
+              </a:r>
+              <a:r>
+                <a:rPr lang="en-US" i="1" dirty="0">
+                  <a:solidFill>
+                    <a:srgbClr val="000000"/>
+                  </a:solidFill>
+                  <a:effectLst/>
+                  <a:latin typeface="Gill Sans" panose="020B0502020104020203" pitchFamily="34" charset="-79"/>
+                  <a:cs typeface="Gill Sans" panose="020B0502020104020203" pitchFamily="34" charset="-79"/>
+                </a:rPr>
+                <a:t>B</a:t>
+              </a:r>
+              <a:r>
+                <a:rPr lang="en-US" dirty="0">
+                  <a:solidFill>
+                    <a:srgbClr val="000000"/>
+                  </a:solidFill>
+                  <a:effectLst/>
+                  <a:latin typeface="Gill Sans" panose="020B0502020104020203" pitchFamily="34" charset="-79"/>
+                  <a:cs typeface="Gill Sans" panose="020B0502020104020203" pitchFamily="34" charset="-79"/>
+                </a:rPr>
+                <a:t>)</a:t>
+              </a:r>
+            </a:p>
+          </p:txBody>
+        </p:sp>
+        <p:sp>
+          <p:nvSpPr>
+            <p:cNvPr id="28" name="Rectangle 27">
+              <a:extLst>
+                <a:ext uri="{FF2B5EF4-FFF2-40B4-BE49-F238E27FC236}">
+                  <a16:creationId xmlns:a16="http://schemas.microsoft.com/office/drawing/2014/main" id="{D936FEE4-7791-C44D-9378-634A6A4EA2D1}"/>
+                </a:ext>
+              </a:extLst>
+            </p:cNvPr>
+            <p:cNvSpPr/>
+            <p:nvPr/>
+          </p:nvSpPr>
+          <p:spPr>
+            <a:xfrm>
+              <a:off x="1553703" y="3744738"/>
+              <a:ext cx="644728" cy="646331"/>
+            </a:xfrm>
+            <a:prstGeom prst="rect">
+              <a:avLst/>
+            </a:prstGeom>
+          </p:spPr>
+          <p:txBody>
+            <a:bodyPr wrap="none">
+              <a:spAutoFit/>
+            </a:bodyPr>
+            <a:lstStyle/>
+            <a:p>
+              <a:pPr algn="ctr"/>
+              <a:r>
+                <a:rPr lang="en-US" dirty="0">
+                  <a:solidFill>
+                    <a:srgbClr val="000000"/>
+                  </a:solidFill>
+                  <a:latin typeface="Gill Sans" panose="020B0502020104020203" pitchFamily="34" charset="-79"/>
+                  <a:cs typeface="Gill Sans" panose="020B0502020104020203" pitchFamily="34" charset="-79"/>
+                </a:rPr>
+                <a:t>a</a:t>
+              </a:r>
+              <a:r>
+                <a:rPr lang="en-US" dirty="0">
+                  <a:solidFill>
+                    <a:srgbClr val="000000"/>
+                  </a:solidFill>
+                  <a:effectLst/>
+                  <a:latin typeface="Gill Sans" panose="020B0502020104020203" pitchFamily="34" charset="-79"/>
+                  <a:cs typeface="Gill Sans" panose="020B0502020104020203" pitchFamily="34" charset="-79"/>
+                </a:rPr>
+                <a:t>ging</a:t>
+              </a:r>
+            </a:p>
+            <a:p>
+              <a:pPr algn="ctr"/>
+              <a:r>
+                <a:rPr lang="en-US" dirty="0">
+                  <a:solidFill>
+                    <a:srgbClr val="000000"/>
+                  </a:solidFill>
+                  <a:effectLst/>
+                  <a:latin typeface="Gill Sans" panose="020B0502020104020203" pitchFamily="34" charset="-79"/>
+                  <a:cs typeface="Gill Sans" panose="020B0502020104020203" pitchFamily="34" charset="-79"/>
+                </a:rPr>
+                <a:t>(</a:t>
+              </a:r>
+              <a:r>
+                <a:rPr lang="en-US" i="1" dirty="0">
+                  <a:solidFill>
+                    <a:srgbClr val="000000"/>
+                  </a:solidFill>
+                  <a:effectLst/>
+                  <a:latin typeface="Gill Sans" panose="020B0502020104020203" pitchFamily="34" charset="-79"/>
+                  <a:cs typeface="Gill Sans" panose="020B0502020104020203" pitchFamily="34" charset="-79"/>
+                </a:rPr>
+                <a:t>a</a:t>
+              </a:r>
+              <a:r>
+                <a:rPr lang="en-US" dirty="0">
+                  <a:solidFill>
+                    <a:srgbClr val="000000"/>
+                  </a:solidFill>
+                  <a:effectLst/>
+                  <a:latin typeface="Gill Sans" panose="020B0502020104020203" pitchFamily="34" charset="-79"/>
+                  <a:cs typeface="Gill Sans" panose="020B0502020104020203" pitchFamily="34" charset="-79"/>
+                </a:rPr>
+                <a:t>)</a:t>
+              </a:r>
+            </a:p>
+          </p:txBody>
+        </p:sp>
+        <p:sp>
+          <p:nvSpPr>
+            <p:cNvPr id="29" name="Rectangle 28">
+              <a:extLst>
+                <a:ext uri="{FF2B5EF4-FFF2-40B4-BE49-F238E27FC236}">
+                  <a16:creationId xmlns:a16="http://schemas.microsoft.com/office/drawing/2014/main" id="{AD9FCC38-6C43-1446-A154-6FAD146F9F46}"/>
+                </a:ext>
+              </a:extLst>
+            </p:cNvPr>
+            <p:cNvSpPr/>
+            <p:nvPr/>
+          </p:nvSpPr>
+          <p:spPr>
+            <a:xfrm>
+              <a:off x="1104816" y="4543108"/>
+              <a:ext cx="790602" cy="369332"/>
+            </a:xfrm>
+            <a:prstGeom prst="rect">
+              <a:avLst/>
+            </a:prstGeom>
+          </p:spPr>
+          <p:txBody>
+            <a:bodyPr wrap="none">
+              <a:spAutoFit/>
+            </a:bodyPr>
+            <a:lstStyle/>
+            <a:p>
+              <a:pPr algn="ctr"/>
+              <a:r>
+                <a:rPr lang="en-US" dirty="0">
+                  <a:solidFill>
+                    <a:srgbClr val="000000"/>
+                  </a:solidFill>
+                  <a:effectLst/>
+                  <a:latin typeface="Gill Sans" panose="020B0502020104020203" pitchFamily="34" charset="-79"/>
+                  <a:cs typeface="Gill Sans" panose="020B0502020104020203" pitchFamily="34" charset="-79"/>
+                </a:rPr>
+                <a:t>deaths</a:t>
+              </a:r>
+            </a:p>
+          </p:txBody>
+        </p:sp>
+        <p:sp>
+          <p:nvSpPr>
+            <p:cNvPr id="30" name="Rectangle 29">
+              <a:extLst>
+                <a:ext uri="{FF2B5EF4-FFF2-40B4-BE49-F238E27FC236}">
+                  <a16:creationId xmlns:a16="http://schemas.microsoft.com/office/drawing/2014/main" id="{E22745F1-915E-164C-8C11-4D7EAFB1D027}"/>
+                </a:ext>
+              </a:extLst>
+            </p:cNvPr>
+            <p:cNvSpPr/>
+            <p:nvPr/>
+          </p:nvSpPr>
+          <p:spPr>
+            <a:xfrm>
+              <a:off x="2668870" y="4543108"/>
+              <a:ext cx="790602" cy="369332"/>
+            </a:xfrm>
+            <a:prstGeom prst="rect">
+              <a:avLst/>
+            </a:prstGeom>
+          </p:spPr>
+          <p:txBody>
+            <a:bodyPr wrap="none">
+              <a:spAutoFit/>
+            </a:bodyPr>
+            <a:lstStyle/>
+            <a:p>
+              <a:pPr algn="ctr"/>
+              <a:r>
+                <a:rPr lang="en-US" dirty="0">
+                  <a:solidFill>
+                    <a:srgbClr val="000000"/>
+                  </a:solidFill>
+                  <a:effectLst/>
+                  <a:latin typeface="Gill Sans" panose="020B0502020104020203" pitchFamily="34" charset="-79"/>
+                  <a:cs typeface="Gill Sans" panose="020B0502020104020203" pitchFamily="34" charset="-79"/>
+                </a:rPr>
+                <a:t>deaths</a:t>
+              </a:r>
+            </a:p>
+          </p:txBody>
+        </p:sp>
+      </p:grpSp>
+      <p:pic>
+        <p:nvPicPr>
+          <p:cNvPr id="31" name="Picture 30">
+            <a:extLst>
+              <a:ext uri="{FF2B5EF4-FFF2-40B4-BE49-F238E27FC236}">
+                <a16:creationId xmlns:a16="http://schemas.microsoft.com/office/drawing/2014/main" id="{76EF44E6-7986-594D-83FC-739FC5137B5D}"/>
+              </a:ext>
+            </a:extLst>
+          </p:cNvPr>
+          <p:cNvPicPr>
+            <a:picLocks noChangeAspect="1"/>
+          </p:cNvPicPr>
+          <p:nvPr/>
+        </p:nvPicPr>
+        <p:blipFill>
+          <a:blip r:embed="rId3"/>
+          <a:stretch>
+            <a:fillRect/>
+          </a:stretch>
+        </p:blipFill>
+        <p:spPr>
+          <a:xfrm>
+            <a:off x="4572000" y="3994496"/>
+            <a:ext cx="2463800" cy="444500"/>
+          </a:xfrm>
+          <a:prstGeom prst="rect">
+            <a:avLst/>
+          </a:prstGeom>
+        </p:spPr>
+      </p:pic>
+      <p:grpSp>
+        <p:nvGrpSpPr>
+          <p:cNvPr id="3" name="Group 2">
+            <a:extLst>
+              <a:ext uri="{FF2B5EF4-FFF2-40B4-BE49-F238E27FC236}">
+                <a16:creationId xmlns:a16="http://schemas.microsoft.com/office/drawing/2014/main" id="{E4381905-F847-EC46-BAD2-C3B2DFBDF5BA}"/>
+              </a:ext>
+            </a:extLst>
+          </p:cNvPr>
+          <p:cNvGrpSpPr/>
+          <p:nvPr/>
+        </p:nvGrpSpPr>
+        <p:grpSpPr>
+          <a:xfrm>
+            <a:off x="4317811" y="5198636"/>
+            <a:ext cx="1767111" cy="1546539"/>
+            <a:chOff x="4317811" y="5198636"/>
+            <a:chExt cx="1767111" cy="1546539"/>
+          </a:xfrm>
+        </p:grpSpPr>
+        <p:sp>
+          <p:nvSpPr>
+            <p:cNvPr id="32" name="Rectangle 31">
+              <a:extLst>
+                <a:ext uri="{FF2B5EF4-FFF2-40B4-BE49-F238E27FC236}">
+                  <a16:creationId xmlns:a16="http://schemas.microsoft.com/office/drawing/2014/main" id="{373BA81E-C893-9540-A691-17F1C6CCC2B2}"/>
+                </a:ext>
+              </a:extLst>
+            </p:cNvPr>
+            <p:cNvSpPr/>
+            <p:nvPr/>
+          </p:nvSpPr>
+          <p:spPr>
+            <a:xfrm>
+              <a:off x="4317811" y="5198636"/>
+              <a:ext cx="875243" cy="771882"/>
+            </a:xfrm>
+            <a:prstGeom prst="rect">
+              <a:avLst/>
+            </a:prstGeom>
+            <a:noFill/>
+            <a:ln>
+              <a:solidFill>
+                <a:schemeClr val="tx1"/>
+              </a:solidFill>
+            </a:ln>
+          </p:spPr>
+          <p:style>
+            <a:lnRef idx="2">
+              <a:schemeClr val="accent1">
+                <a:shade val="50000"/>
+              </a:schemeClr>
+            </a:lnRef>
+            <a:fillRef idx="1">
+              <a:schemeClr val="accent1"/>
+            </a:fillRef>
+            <a:effectRef idx="0">
+              <a:schemeClr val="accent1"/>
+            </a:effectRef>
+            <a:fontRef idx="minor">
+              <a:schemeClr val="lt1"/>
+            </a:fontRef>
+          </p:style>
+          <p:txBody>
+            <a:bodyPr rtlCol="0" anchor="ctr"/>
+            <a:lstStyle/>
+            <a:p>
+              <a:pPr algn="ctr"/>
+              <a:r>
+                <a:rPr lang="en-US" dirty="0">
+                  <a:solidFill>
+                    <a:schemeClr val="tx1"/>
+                  </a:solidFill>
+                </a:rPr>
+                <a:t>s</a:t>
+              </a:r>
+              <a:r>
+                <a:rPr lang="en-US" baseline="-25000" dirty="0">
+                  <a:solidFill>
+                    <a:schemeClr val="tx1"/>
+                  </a:solidFill>
+                </a:rPr>
+                <a:t>b</a:t>
+              </a:r>
+              <a:r>
+                <a:rPr lang="en-US" dirty="0">
+                  <a:solidFill>
+                    <a:schemeClr val="tx1"/>
+                  </a:solidFill>
+                </a:rPr>
+                <a:t>(1-</a:t>
+              </a:r>
+              <a:r>
+                <a:rPr lang="en-US" i="1" dirty="0">
+                  <a:solidFill>
+                    <a:schemeClr val="tx1"/>
+                  </a:solidFill>
+                </a:rPr>
+                <a:t>a</a:t>
+              </a:r>
+              <a:r>
+                <a:rPr lang="en-US" dirty="0">
+                  <a:solidFill>
+                    <a:schemeClr val="tx1"/>
+                  </a:solidFill>
+                </a:rPr>
+                <a:t>)</a:t>
+              </a:r>
+            </a:p>
+          </p:txBody>
+        </p:sp>
+        <p:sp>
+          <p:nvSpPr>
+            <p:cNvPr id="33" name="Rectangle 32">
+              <a:extLst>
+                <a:ext uri="{FF2B5EF4-FFF2-40B4-BE49-F238E27FC236}">
+                  <a16:creationId xmlns:a16="http://schemas.microsoft.com/office/drawing/2014/main" id="{F3BC504B-4F09-4C47-9325-6BDA92F2F837}"/>
+                </a:ext>
+              </a:extLst>
+            </p:cNvPr>
+            <p:cNvSpPr/>
+            <p:nvPr/>
+          </p:nvSpPr>
+          <p:spPr>
+            <a:xfrm>
+              <a:off x="5209679" y="5201214"/>
+              <a:ext cx="875243" cy="771882"/>
+            </a:xfrm>
+            <a:prstGeom prst="rect">
+              <a:avLst/>
+            </a:prstGeom>
+            <a:noFill/>
+            <a:ln>
+              <a:solidFill>
+                <a:schemeClr val="tx1"/>
+              </a:solidFill>
+            </a:ln>
+          </p:spPr>
+          <p:style>
+            <a:lnRef idx="2">
+              <a:schemeClr val="accent1">
+                <a:shade val="50000"/>
+              </a:schemeClr>
+            </a:lnRef>
+            <a:fillRef idx="1">
+              <a:schemeClr val="accent1"/>
+            </a:fillRef>
+            <a:effectRef idx="0">
+              <a:schemeClr val="accent1"/>
+            </a:effectRef>
+            <a:fontRef idx="minor">
+              <a:schemeClr val="lt1"/>
+            </a:fontRef>
+          </p:style>
+          <p:txBody>
+            <a:bodyPr rtlCol="0" anchor="ctr"/>
+            <a:lstStyle/>
+            <a:p>
+              <a:pPr algn="ctr"/>
+              <a:r>
+                <a:rPr lang="en-US" i="1" dirty="0">
+                  <a:solidFill>
+                    <a:schemeClr val="tx1"/>
+                  </a:solidFill>
+                </a:rPr>
+                <a:t>B</a:t>
+              </a:r>
+            </a:p>
+          </p:txBody>
+        </p:sp>
+        <p:sp>
+          <p:nvSpPr>
+            <p:cNvPr id="34" name="Rectangle 33">
+              <a:extLst>
+                <a:ext uri="{FF2B5EF4-FFF2-40B4-BE49-F238E27FC236}">
+                  <a16:creationId xmlns:a16="http://schemas.microsoft.com/office/drawing/2014/main" id="{81234921-2B34-814F-A0F9-52CDA11B8BCB}"/>
+                </a:ext>
+              </a:extLst>
+            </p:cNvPr>
+            <p:cNvSpPr/>
+            <p:nvPr/>
+          </p:nvSpPr>
+          <p:spPr>
+            <a:xfrm>
+              <a:off x="4317811" y="5970518"/>
+              <a:ext cx="875243" cy="771882"/>
+            </a:xfrm>
+            <a:prstGeom prst="rect">
+              <a:avLst/>
+            </a:prstGeom>
+            <a:noFill/>
+            <a:ln>
+              <a:solidFill>
+                <a:schemeClr val="tx1"/>
+              </a:solidFill>
+            </a:ln>
+          </p:spPr>
+          <p:style>
+            <a:lnRef idx="2">
+              <a:schemeClr val="accent1">
+                <a:shade val="50000"/>
+              </a:schemeClr>
+            </a:lnRef>
+            <a:fillRef idx="1">
+              <a:schemeClr val="accent1"/>
+            </a:fillRef>
+            <a:effectRef idx="0">
+              <a:schemeClr val="accent1"/>
+            </a:effectRef>
+            <a:fontRef idx="minor">
+              <a:schemeClr val="lt1"/>
+            </a:fontRef>
+          </p:style>
+          <p:txBody>
+            <a:bodyPr rtlCol="0" anchor="ctr"/>
+            <a:lstStyle/>
+            <a:p>
+              <a:pPr algn="ctr"/>
+              <a:r>
+                <a:rPr lang="en-US" dirty="0" err="1">
+                  <a:solidFill>
+                    <a:schemeClr val="tx1"/>
+                  </a:solidFill>
+                </a:rPr>
+                <a:t>s</a:t>
+              </a:r>
+              <a:r>
+                <a:rPr lang="en-US" baseline="-25000" dirty="0" err="1">
+                  <a:solidFill>
+                    <a:schemeClr val="tx1"/>
+                  </a:solidFill>
+                </a:rPr>
+                <a:t>b</a:t>
+              </a:r>
+              <a:r>
+                <a:rPr lang="en-US" dirty="0" err="1">
+                  <a:solidFill>
+                    <a:schemeClr val="tx1"/>
+                  </a:solidFill>
+                </a:rPr>
+                <a:t>a</a:t>
+              </a:r>
+              <a:endParaRPr lang="en-US" dirty="0">
+                <a:solidFill>
+                  <a:schemeClr val="tx1"/>
+                </a:solidFill>
+              </a:endParaRPr>
+            </a:p>
+          </p:txBody>
+        </p:sp>
+        <p:sp>
+          <p:nvSpPr>
+            <p:cNvPr id="35" name="Rectangle 34">
+              <a:extLst>
+                <a:ext uri="{FF2B5EF4-FFF2-40B4-BE49-F238E27FC236}">
+                  <a16:creationId xmlns:a16="http://schemas.microsoft.com/office/drawing/2014/main" id="{E4DC8EA3-4459-6445-BCCA-EC8DBE10D2DD}"/>
+                </a:ext>
+              </a:extLst>
+            </p:cNvPr>
+            <p:cNvSpPr/>
+            <p:nvPr/>
+          </p:nvSpPr>
+          <p:spPr>
+            <a:xfrm>
+              <a:off x="5201731" y="5973293"/>
+              <a:ext cx="875243" cy="771882"/>
+            </a:xfrm>
+            <a:prstGeom prst="rect">
+              <a:avLst/>
+            </a:prstGeom>
+            <a:noFill/>
+            <a:ln>
+              <a:solidFill>
+                <a:schemeClr val="tx1"/>
+              </a:solidFill>
+            </a:ln>
+          </p:spPr>
+          <p:style>
+            <a:lnRef idx="2">
+              <a:schemeClr val="accent1">
+                <a:shade val="50000"/>
+              </a:schemeClr>
+            </a:lnRef>
+            <a:fillRef idx="1">
+              <a:schemeClr val="accent1"/>
+            </a:fillRef>
+            <a:effectRef idx="0">
+              <a:schemeClr val="accent1"/>
+            </a:effectRef>
+            <a:fontRef idx="minor">
+              <a:schemeClr val="lt1"/>
+            </a:fontRef>
+          </p:style>
+          <p:txBody>
+            <a:bodyPr rtlCol="0" anchor="ctr"/>
+            <a:lstStyle/>
+            <a:p>
+              <a:pPr algn="ctr"/>
+              <a:r>
+                <a:rPr lang="en-US" dirty="0" err="1">
+                  <a:solidFill>
+                    <a:schemeClr val="tx1"/>
+                  </a:solidFill>
+                </a:rPr>
+                <a:t>s</a:t>
+              </a:r>
+              <a:r>
+                <a:rPr lang="en-US" baseline="-25000" dirty="0" err="1">
+                  <a:solidFill>
+                    <a:schemeClr val="tx1"/>
+                  </a:solidFill>
+                </a:rPr>
+                <a:t>a</a:t>
+              </a:r>
+              <a:endParaRPr lang="en-US" baseline="-25000" dirty="0">
+                <a:solidFill>
+                  <a:schemeClr val="tx1"/>
+                </a:solidFill>
+              </a:endParaRPr>
+            </a:p>
+          </p:txBody>
+        </p:sp>
+      </p:grpSp>
+      <p:cxnSp>
+        <p:nvCxnSpPr>
+          <p:cNvPr id="36" name="Straight Arrow Connector 35">
+            <a:extLst>
+              <a:ext uri="{FF2B5EF4-FFF2-40B4-BE49-F238E27FC236}">
+                <a16:creationId xmlns:a16="http://schemas.microsoft.com/office/drawing/2014/main" id="{ACCD0C9C-8856-0640-9D4F-8109E9E9CED2}"/>
+              </a:ext>
+            </a:extLst>
+          </p:cNvPr>
+          <p:cNvCxnSpPr>
+            <a:cxnSpLocks/>
+          </p:cNvCxnSpPr>
+          <p:nvPr/>
+        </p:nvCxnSpPr>
+        <p:spPr>
+          <a:xfrm flipV="1">
+            <a:off x="5803900" y="4470453"/>
+            <a:ext cx="530117" cy="514327"/>
+          </a:xfrm>
+          <a:prstGeom prst="straightConnector1">
+            <a:avLst/>
+          </a:prstGeom>
+          <a:ln w="38100">
+            <a:solidFill>
+              <a:schemeClr val="tx1"/>
+            </a:solidFill>
+            <a:tailEnd type="triangle"/>
+          </a:ln>
+        </p:spPr>
+        <p:style>
+          <a:lnRef idx="1">
+            <a:schemeClr val="accent1"/>
+          </a:lnRef>
+          <a:fillRef idx="0">
+            <a:schemeClr val="accent1"/>
+          </a:fillRef>
+          <a:effectRef idx="0">
+            <a:schemeClr val="accent1"/>
+          </a:effectRef>
+          <a:fontRef idx="minor">
+            <a:schemeClr val="tx1"/>
+          </a:fontRef>
+        </p:style>
+      </p:cxnSp>
+      <p:sp>
+        <p:nvSpPr>
+          <p:cNvPr id="38" name="Rectangle 37">
+            <a:extLst>
+              <a:ext uri="{FF2B5EF4-FFF2-40B4-BE49-F238E27FC236}">
+                <a16:creationId xmlns:a16="http://schemas.microsoft.com/office/drawing/2014/main" id="{FC594D54-8873-8344-9845-DDC01E1A299E}"/>
+              </a:ext>
+            </a:extLst>
+          </p:cNvPr>
+          <p:cNvSpPr/>
+          <p:nvPr/>
         </p:nvSpPr>
-        <p:spPr/>
+        <p:spPr>
+          <a:xfrm>
+            <a:off x="7597102" y="6373068"/>
+            <a:ext cx="1546898" cy="369332"/>
+          </a:xfrm>
+          <a:prstGeom prst="rect">
+            <a:avLst/>
+          </a:prstGeom>
+        </p:spPr>
         <p:txBody>
-          <a:bodyPr/>
+          <a:bodyPr wrap="none">
+            <a:spAutoFit/>
+          </a:bodyPr>
           <a:lstStyle/>
           <a:p>
-            <a:endParaRPr lang="en-US"/>
+            <a:r>
+              <a:rPr lang="en-US" dirty="0">
+                <a:solidFill>
+                  <a:srgbClr val="FF0000"/>
+                </a:solidFill>
+              </a:rPr>
+              <a:t>*Discrete time</a:t>
+            </a:r>
           </a:p>
         </p:txBody>
       </p:sp>
       <p:sp>
         <p:nvSpPr>
-          <p:cNvPr id="3" name="Content Placeholder 2">
+          <p:cNvPr id="37" name="Rectangle 36">
             <a:extLst>
               <a:ext uri="{FF2B5EF4-FFF2-40B4-BE49-F238E27FC236}">
-                <a16:creationId xmlns:a16="http://schemas.microsoft.com/office/drawing/2014/main" id="{DB85E4E5-666B-A54E-AF21-8F4AEF2B79C3}"/>
+                <a16:creationId xmlns:a16="http://schemas.microsoft.com/office/drawing/2014/main" id="{A1B79DC1-E6A3-9641-B1C9-AB9AE8F73B9F}"/>
               </a:ext>
             </a:extLst>
           </p:cNvPr>
-          <p:cNvSpPr>
-            <a:spLocks noGrp="1"/>
-          </p:cNvSpPr>
-          <p:nvPr>
-            <p:ph idx="1"/>
-          </p:nvPr>
+          <p:cNvSpPr/>
+          <p:nvPr/>
         </p:nvSpPr>
-        <p:spPr/>
+        <p:spPr>
+          <a:xfrm>
+            <a:off x="2053588" y="1394016"/>
+            <a:ext cx="1332416" cy="369332"/>
+          </a:xfrm>
+          <a:prstGeom prst="rect">
+            <a:avLst/>
+          </a:prstGeom>
+        </p:spPr>
         <p:txBody>
-          <a:bodyPr/>
+          <a:bodyPr wrap="none">
+            <a:spAutoFit/>
+          </a:bodyPr>
           <a:lstStyle/>
           <a:p>
-            <a:endParaRPr lang="en-US"/>
+            <a:pPr algn="ctr"/>
+            <a:r>
+              <a:rPr lang="en-US" dirty="0">
+                <a:solidFill>
+                  <a:srgbClr val="000000"/>
+                </a:solidFill>
+                <a:effectLst/>
+                <a:latin typeface="Gill Sans" panose="020B0502020104020203" pitchFamily="34" charset="-79"/>
+                <a:cs typeface="Gill Sans" panose="020B0502020104020203" pitchFamily="34" charset="-79"/>
+              </a:rPr>
+              <a:t>pop size at t</a:t>
+            </a:r>
           </a:p>
         </p:txBody>
       </p:sp>
+      <p:cxnSp>
+        <p:nvCxnSpPr>
+          <p:cNvPr id="39" name="Straight Arrow Connector 38">
+            <a:extLst>
+              <a:ext uri="{FF2B5EF4-FFF2-40B4-BE49-F238E27FC236}">
+                <a16:creationId xmlns:a16="http://schemas.microsoft.com/office/drawing/2014/main" id="{B2E92328-4F06-D241-8EF2-96C80D29F0F3}"/>
+              </a:ext>
+            </a:extLst>
+          </p:cNvPr>
+          <p:cNvCxnSpPr>
+            <a:cxnSpLocks/>
+          </p:cNvCxnSpPr>
+          <p:nvPr/>
+        </p:nvCxnSpPr>
+        <p:spPr>
+          <a:xfrm flipH="1" flipV="1">
+            <a:off x="2213833" y="954061"/>
+            <a:ext cx="355685" cy="439954"/>
+          </a:xfrm>
+          <a:prstGeom prst="straightConnector1">
+            <a:avLst/>
+          </a:prstGeom>
+          <a:ln w="38100">
+            <a:solidFill>
+              <a:schemeClr val="tx1"/>
+            </a:solidFill>
+            <a:tailEnd type="triangle"/>
+          </a:ln>
+        </p:spPr>
+        <p:style>
+          <a:lnRef idx="1">
+            <a:schemeClr val="accent1"/>
+          </a:lnRef>
+          <a:fillRef idx="0">
+            <a:schemeClr val="accent1"/>
+          </a:fillRef>
+          <a:effectRef idx="0">
+            <a:schemeClr val="accent1"/>
+          </a:effectRef>
+          <a:fontRef idx="minor">
+            <a:schemeClr val="tx1"/>
+          </a:fontRef>
+        </p:style>
+      </p:cxnSp>
     </p:spTree>
     <p:extLst>
       <p:ext uri="{BB962C8B-B14F-4D97-AF65-F5344CB8AC3E}">
-        <p14:creationId xmlns:p14="http://schemas.microsoft.com/office/powerpoint/2010/main" val="4047508335"/>
-      </p:ext>
-    </p:extLst>
-  </p:cSld>
-  <p:clrMapOvr>
-    <a:masterClrMapping/>
-  </p:clrMapOvr>
-</p:sld>
-</file>
-
-<file path=ppt/slides/slide37.xml><?xml version="1.0" encoding="utf-8"?>
-<p:sld xmlns:a="http://schemas.openxmlformats.org/drawingml/2006/main" xmlns:r="http://schemas.openxmlformats.org/officeDocument/2006/relationships" xmlns:p="http://schemas.openxmlformats.org/presentationml/2006/main">
-  <p:cSld>
-    <p:spTree>
-      <p:nvGrpSpPr>
-        <p:cNvPr id="1" name=""/>
-        <p:cNvGrpSpPr/>
-        <p:nvPr/>
-      </p:nvGrpSpPr>
-      <p:grpSpPr>
-        <a:xfrm>
-          <a:off x="0" y="0"/>
-          <a:ext cx="0" cy="0"/>
-          <a:chOff x="0" y="0"/>
-          <a:chExt cx="0" cy="0"/>
-        </a:xfrm>
-      </p:grpSpPr>
-      <p:sp>
-        <p:nvSpPr>
-          <p:cNvPr id="2" name="Title 1">
-            <a:extLst>
-              <a:ext uri="{FF2B5EF4-FFF2-40B4-BE49-F238E27FC236}">
-                <a16:creationId xmlns:a16="http://schemas.microsoft.com/office/drawing/2014/main" id="{C1BA4287-CE58-5443-9F47-8D9CFF8D68F9}"/>
-              </a:ext>
-            </a:extLst>
-          </p:cNvPr>
-          <p:cNvSpPr>
-            <a:spLocks noGrp="1"/>
-          </p:cNvSpPr>
-          <p:nvPr>
-            <p:ph type="title"/>
-          </p:nvPr>
-        </p:nvSpPr>
-        <p:spPr/>
-        <p:txBody>
-          <a:bodyPr/>
-          <a:lstStyle/>
-          <a:p>
-            <a:endParaRPr lang="en-US"/>
-          </a:p>
-        </p:txBody>
-      </p:sp>
-      <p:sp>
-        <p:nvSpPr>
-          <p:cNvPr id="3" name="Content Placeholder 2">
-            <a:extLst>
-              <a:ext uri="{FF2B5EF4-FFF2-40B4-BE49-F238E27FC236}">
-                <a16:creationId xmlns:a16="http://schemas.microsoft.com/office/drawing/2014/main" id="{C598E396-28A1-5A49-94C0-A404EE4AE7B5}"/>
-              </a:ext>
-            </a:extLst>
-          </p:cNvPr>
-          <p:cNvSpPr>
-            <a:spLocks noGrp="1"/>
-          </p:cNvSpPr>
-          <p:nvPr>
-            <p:ph idx="1"/>
-          </p:nvPr>
-        </p:nvSpPr>
-        <p:spPr/>
-        <p:txBody>
-          <a:bodyPr/>
-          <a:lstStyle/>
-          <a:p>
-            <a:endParaRPr lang="en-US"/>
-          </a:p>
-        </p:txBody>
-      </p:sp>
-    </p:spTree>
-    <p:extLst>
-      <p:ext uri="{BB962C8B-B14F-4D97-AF65-F5344CB8AC3E}">
-        <p14:creationId xmlns:p14="http://schemas.microsoft.com/office/powerpoint/2010/main" val="2684862078"/>
-      </p:ext>
-    </p:extLst>
-  </p:cSld>
-  <p:clrMapOvr>
-    <a:masterClrMapping/>
-  </p:clrMapOvr>
-</p:sld>
-</file>
-
-<file path=ppt/slides/slide38.xml><?xml version="1.0" encoding="utf-8"?>
-<p:sld xmlns:a="http://schemas.openxmlformats.org/drawingml/2006/main" xmlns:r="http://schemas.openxmlformats.org/officeDocument/2006/relationships" xmlns:p="http://schemas.openxmlformats.org/presentationml/2006/main">
-  <p:cSld>
-    <p:spTree>
-      <p:nvGrpSpPr>
-        <p:cNvPr id="1" name=""/>
-        <p:cNvGrpSpPr/>
-        <p:nvPr/>
-      </p:nvGrpSpPr>
-      <p:grpSpPr>
-        <a:xfrm>
-          <a:off x="0" y="0"/>
-          <a:ext cx="0" cy="0"/>
-          <a:chOff x="0" y="0"/>
-          <a:chExt cx="0" cy="0"/>
-        </a:xfrm>
-      </p:grpSpPr>
-      <p:sp>
-        <p:nvSpPr>
-          <p:cNvPr id="2" name="Title 1">
-            <a:extLst>
-              <a:ext uri="{FF2B5EF4-FFF2-40B4-BE49-F238E27FC236}">
-                <a16:creationId xmlns:a16="http://schemas.microsoft.com/office/drawing/2014/main" id="{C393FF19-AC75-D544-88C4-08386AFDB8DF}"/>
-              </a:ext>
-            </a:extLst>
-          </p:cNvPr>
-          <p:cNvSpPr>
-            <a:spLocks noGrp="1"/>
-          </p:cNvSpPr>
-          <p:nvPr>
-            <p:ph type="title"/>
-          </p:nvPr>
-        </p:nvSpPr>
-        <p:spPr/>
-        <p:txBody>
-          <a:bodyPr/>
-          <a:lstStyle/>
-          <a:p>
-            <a:endParaRPr lang="en-US"/>
-          </a:p>
-        </p:txBody>
-      </p:sp>
-      <p:sp>
-        <p:nvSpPr>
-          <p:cNvPr id="3" name="Content Placeholder 2">
-            <a:extLst>
-              <a:ext uri="{FF2B5EF4-FFF2-40B4-BE49-F238E27FC236}">
-                <a16:creationId xmlns:a16="http://schemas.microsoft.com/office/drawing/2014/main" id="{7944830C-39D2-0F46-BD6A-7B9118E4A791}"/>
-              </a:ext>
-            </a:extLst>
-          </p:cNvPr>
-          <p:cNvSpPr>
-            <a:spLocks noGrp="1"/>
-          </p:cNvSpPr>
-          <p:nvPr>
-            <p:ph idx="1"/>
-          </p:nvPr>
-        </p:nvSpPr>
-        <p:spPr/>
-        <p:txBody>
-          <a:bodyPr/>
-          <a:lstStyle/>
-          <a:p>
-            <a:endParaRPr lang="en-US"/>
-          </a:p>
-        </p:txBody>
-      </p:sp>
-    </p:spTree>
-    <p:extLst>
-      <p:ext uri="{BB962C8B-B14F-4D97-AF65-F5344CB8AC3E}">
-        <p14:creationId xmlns:p14="http://schemas.microsoft.com/office/powerpoint/2010/main" val="2496155175"/>
+        <p14:creationId xmlns:p14="http://schemas.microsoft.com/office/powerpoint/2010/main" val="1708384094"/>
       </p:ext>
     </p:extLst>
   </p:cSld>
@@ -27893,60 +31415,1032 @@
           <a:chExt cx="0" cy="0"/>
         </a:xfrm>
       </p:grpSpPr>
-      <p:sp>
-        <p:nvSpPr>
-          <p:cNvPr id="2" name="Title 1">
+      <p:grpSp>
+        <p:nvGrpSpPr>
+          <p:cNvPr id="4" name="Group 3">
             <a:extLst>
               <a:ext uri="{FF2B5EF4-FFF2-40B4-BE49-F238E27FC236}">
-                <a16:creationId xmlns:a16="http://schemas.microsoft.com/office/drawing/2014/main" id="{7908D859-CCFA-F248-8808-099FCC608150}"/>
+                <a16:creationId xmlns:a16="http://schemas.microsoft.com/office/drawing/2014/main" id="{FA83A96E-5A52-3C49-A21D-2DCB4576C696}"/>
               </a:ext>
             </a:extLst>
           </p:cNvPr>
-          <p:cNvSpPr>
-            <a:spLocks noGrp="1"/>
-          </p:cNvSpPr>
-          <p:nvPr>
-            <p:ph type="title"/>
-          </p:nvPr>
+          <p:cNvGrpSpPr/>
+          <p:nvPr/>
+        </p:nvGrpSpPr>
+        <p:grpSpPr>
+          <a:xfrm>
+            <a:off x="498765" y="151999"/>
+            <a:ext cx="2761202" cy="2061765"/>
+            <a:chOff x="698270" y="2928450"/>
+            <a:chExt cx="2761202" cy="2061765"/>
+          </a:xfrm>
+        </p:grpSpPr>
+        <p:sp>
+          <p:nvSpPr>
+            <p:cNvPr id="5" name="Rectangle 4">
+              <a:extLst>
+                <a:ext uri="{FF2B5EF4-FFF2-40B4-BE49-F238E27FC236}">
+                  <a16:creationId xmlns:a16="http://schemas.microsoft.com/office/drawing/2014/main" id="{506F933C-5299-904A-9B60-D3F975132BD2}"/>
+                </a:ext>
+              </a:extLst>
+            </p:cNvPr>
+            <p:cNvSpPr/>
+            <p:nvPr/>
+          </p:nvSpPr>
+          <p:spPr>
+            <a:xfrm>
+              <a:off x="698270" y="3667114"/>
+              <a:ext cx="798021" cy="771882"/>
+            </a:xfrm>
+            <a:prstGeom prst="rect">
+              <a:avLst/>
+            </a:prstGeom>
+            <a:noFill/>
+            <a:ln>
+              <a:solidFill>
+                <a:schemeClr val="tx1"/>
+              </a:solidFill>
+            </a:ln>
+          </p:spPr>
+          <p:style>
+            <a:lnRef idx="2">
+              <a:schemeClr val="accent1">
+                <a:shade val="50000"/>
+              </a:schemeClr>
+            </a:lnRef>
+            <a:fillRef idx="1">
+              <a:schemeClr val="accent1"/>
+            </a:fillRef>
+            <a:effectRef idx="0">
+              <a:schemeClr val="accent1"/>
+            </a:effectRef>
+            <a:fontRef idx="minor">
+              <a:schemeClr val="lt1"/>
+            </a:fontRef>
+          </p:style>
+          <p:txBody>
+            <a:bodyPr rtlCol="0" anchor="ctr"/>
+            <a:lstStyle/>
+            <a:p>
+              <a:pPr algn="ctr"/>
+              <a:r>
+                <a:rPr lang="en-US" dirty="0">
+                  <a:solidFill>
+                    <a:schemeClr val="tx1"/>
+                  </a:solidFill>
+                </a:rPr>
+                <a:t>Babies</a:t>
+              </a:r>
+            </a:p>
+          </p:txBody>
+        </p:sp>
+        <p:sp>
+          <p:nvSpPr>
+            <p:cNvPr id="6" name="Rectangle 5">
+              <a:extLst>
+                <a:ext uri="{FF2B5EF4-FFF2-40B4-BE49-F238E27FC236}">
+                  <a16:creationId xmlns:a16="http://schemas.microsoft.com/office/drawing/2014/main" id="{8EE96ABE-C263-2548-8AEF-8DAB1F255C13}"/>
+                </a:ext>
+              </a:extLst>
+            </p:cNvPr>
+            <p:cNvSpPr/>
+            <p:nvPr/>
+          </p:nvSpPr>
+          <p:spPr>
+            <a:xfrm>
+              <a:off x="2255844" y="3698571"/>
+              <a:ext cx="798021" cy="771882"/>
+            </a:xfrm>
+            <a:prstGeom prst="rect">
+              <a:avLst/>
+            </a:prstGeom>
+            <a:noFill/>
+            <a:ln>
+              <a:solidFill>
+                <a:schemeClr val="tx1"/>
+              </a:solidFill>
+            </a:ln>
+          </p:spPr>
+          <p:style>
+            <a:lnRef idx="2">
+              <a:schemeClr val="accent1">
+                <a:shade val="50000"/>
+              </a:schemeClr>
+            </a:lnRef>
+            <a:fillRef idx="1">
+              <a:schemeClr val="accent1"/>
+            </a:fillRef>
+            <a:effectRef idx="0">
+              <a:schemeClr val="accent1"/>
+            </a:effectRef>
+            <a:fontRef idx="minor">
+              <a:schemeClr val="lt1"/>
+            </a:fontRef>
+          </p:style>
+          <p:txBody>
+            <a:bodyPr rtlCol="0" anchor="ctr"/>
+            <a:lstStyle/>
+            <a:p>
+              <a:pPr algn="ctr"/>
+              <a:r>
+                <a:rPr lang="en-US" dirty="0">
+                  <a:solidFill>
+                    <a:schemeClr val="tx1"/>
+                  </a:solidFill>
+                </a:rPr>
+                <a:t>Adults</a:t>
+              </a:r>
+            </a:p>
+          </p:txBody>
+        </p:sp>
+        <p:cxnSp>
+          <p:nvCxnSpPr>
+            <p:cNvPr id="7" name="Straight Arrow Connector 6">
+              <a:extLst>
+                <a:ext uri="{FF2B5EF4-FFF2-40B4-BE49-F238E27FC236}">
+                  <a16:creationId xmlns:a16="http://schemas.microsoft.com/office/drawing/2014/main" id="{8BF5B1C1-3F7C-1140-85B8-549E0AEF37CD}"/>
+                </a:ext>
+              </a:extLst>
+            </p:cNvPr>
+            <p:cNvCxnSpPr>
+              <a:cxnSpLocks/>
+            </p:cNvCxnSpPr>
+            <p:nvPr/>
+          </p:nvCxnSpPr>
+          <p:spPr>
+            <a:xfrm>
+              <a:off x="1579662" y="4084512"/>
+              <a:ext cx="592811" cy="0"/>
+            </a:xfrm>
+            <a:prstGeom prst="straightConnector1">
+              <a:avLst/>
+            </a:prstGeom>
+            <a:ln w="38100">
+              <a:solidFill>
+                <a:schemeClr val="tx1"/>
+              </a:solidFill>
+              <a:tailEnd type="triangle"/>
+            </a:ln>
+          </p:spPr>
+          <p:style>
+            <a:lnRef idx="1">
+              <a:schemeClr val="accent1"/>
+            </a:lnRef>
+            <a:fillRef idx="0">
+              <a:schemeClr val="accent1"/>
+            </a:fillRef>
+            <a:effectRef idx="0">
+              <a:schemeClr val="accent1"/>
+            </a:effectRef>
+            <a:fontRef idx="minor">
+              <a:schemeClr val="tx1"/>
+            </a:fontRef>
+          </p:style>
+        </p:cxnSp>
+        <p:cxnSp>
+          <p:nvCxnSpPr>
+            <p:cNvPr id="8" name="Straight Arrow Connector 7">
+              <a:extLst>
+                <a:ext uri="{FF2B5EF4-FFF2-40B4-BE49-F238E27FC236}">
+                  <a16:creationId xmlns:a16="http://schemas.microsoft.com/office/drawing/2014/main" id="{DBCE6E04-82F6-304A-B827-93C6A51E3D39}"/>
+                </a:ext>
+              </a:extLst>
+            </p:cNvPr>
+            <p:cNvCxnSpPr>
+              <a:cxnSpLocks/>
+            </p:cNvCxnSpPr>
+            <p:nvPr/>
+          </p:nvCxnSpPr>
+          <p:spPr>
+            <a:xfrm>
+              <a:off x="1097280" y="4470453"/>
+              <a:ext cx="0" cy="519762"/>
+            </a:xfrm>
+            <a:prstGeom prst="straightConnector1">
+              <a:avLst/>
+            </a:prstGeom>
+            <a:ln w="38100">
+              <a:solidFill>
+                <a:schemeClr val="tx1"/>
+              </a:solidFill>
+              <a:tailEnd type="triangle"/>
+            </a:ln>
+          </p:spPr>
+          <p:style>
+            <a:lnRef idx="1">
+              <a:schemeClr val="accent1"/>
+            </a:lnRef>
+            <a:fillRef idx="0">
+              <a:schemeClr val="accent1"/>
+            </a:fillRef>
+            <a:effectRef idx="0">
+              <a:schemeClr val="accent1"/>
+            </a:effectRef>
+            <a:fontRef idx="minor">
+              <a:schemeClr val="tx1"/>
+            </a:fontRef>
+          </p:style>
+        </p:cxnSp>
+        <p:cxnSp>
+          <p:nvCxnSpPr>
+            <p:cNvPr id="9" name="Straight Arrow Connector 8">
+              <a:extLst>
+                <a:ext uri="{FF2B5EF4-FFF2-40B4-BE49-F238E27FC236}">
+                  <a16:creationId xmlns:a16="http://schemas.microsoft.com/office/drawing/2014/main" id="{B21480BB-CF1E-5340-8646-21A7911A83A2}"/>
+                </a:ext>
+              </a:extLst>
+            </p:cNvPr>
+            <p:cNvCxnSpPr>
+              <a:cxnSpLocks/>
+            </p:cNvCxnSpPr>
+            <p:nvPr/>
+          </p:nvCxnSpPr>
+          <p:spPr>
+            <a:xfrm>
+              <a:off x="2691174" y="4470453"/>
+              <a:ext cx="0" cy="519762"/>
+            </a:xfrm>
+            <a:prstGeom prst="straightConnector1">
+              <a:avLst/>
+            </a:prstGeom>
+            <a:ln w="38100">
+              <a:solidFill>
+                <a:schemeClr val="tx1"/>
+              </a:solidFill>
+              <a:tailEnd type="triangle"/>
+            </a:ln>
+          </p:spPr>
+          <p:style>
+            <a:lnRef idx="1">
+              <a:schemeClr val="accent1"/>
+            </a:lnRef>
+            <a:fillRef idx="0">
+              <a:schemeClr val="accent1"/>
+            </a:fillRef>
+            <a:effectRef idx="0">
+              <a:schemeClr val="accent1"/>
+            </a:effectRef>
+            <a:fontRef idx="minor">
+              <a:schemeClr val="tx1"/>
+            </a:fontRef>
+          </p:style>
+        </p:cxnSp>
+        <p:cxnSp>
+          <p:nvCxnSpPr>
+            <p:cNvPr id="10" name="Curved Connector 9">
+              <a:extLst>
+                <a:ext uri="{FF2B5EF4-FFF2-40B4-BE49-F238E27FC236}">
+                  <a16:creationId xmlns:a16="http://schemas.microsoft.com/office/drawing/2014/main" id="{80F14AB4-0F9E-4D46-BFA6-43550628799A}"/>
+                </a:ext>
+              </a:extLst>
+            </p:cNvPr>
+            <p:cNvCxnSpPr>
+              <a:cxnSpLocks/>
+              <a:stCxn id="6" idx="0"/>
+              <a:endCxn id="5" idx="0"/>
+            </p:cNvCxnSpPr>
+            <p:nvPr/>
+          </p:nvCxnSpPr>
+          <p:spPr>
+            <a:xfrm rot="16200000" flipV="1">
+              <a:off x="1860340" y="2904056"/>
+              <a:ext cx="31457" cy="1557574"/>
+            </a:xfrm>
+            <a:prstGeom prst="curvedConnector3">
+              <a:avLst>
+                <a:gd name="adj1" fmla="val 1196662"/>
+              </a:avLst>
+            </a:prstGeom>
+            <a:ln w="38100">
+              <a:solidFill>
+                <a:schemeClr val="tx1"/>
+              </a:solidFill>
+              <a:tailEnd type="triangle"/>
+            </a:ln>
+          </p:spPr>
+          <p:style>
+            <a:lnRef idx="1">
+              <a:schemeClr val="accent1"/>
+            </a:lnRef>
+            <a:fillRef idx="0">
+              <a:schemeClr val="accent1"/>
+            </a:fillRef>
+            <a:effectRef idx="0">
+              <a:schemeClr val="accent1"/>
+            </a:effectRef>
+            <a:fontRef idx="minor">
+              <a:schemeClr val="tx1"/>
+            </a:fontRef>
+          </p:style>
+        </p:cxnSp>
+        <p:sp>
+          <p:nvSpPr>
+            <p:cNvPr id="11" name="Rectangle 10">
+              <a:extLst>
+                <a:ext uri="{FF2B5EF4-FFF2-40B4-BE49-F238E27FC236}">
+                  <a16:creationId xmlns:a16="http://schemas.microsoft.com/office/drawing/2014/main" id="{64B396C4-1F15-CF4A-8C8C-731F1FD869DE}"/>
+                </a:ext>
+              </a:extLst>
+            </p:cNvPr>
+            <p:cNvSpPr/>
+            <p:nvPr/>
+          </p:nvSpPr>
+          <p:spPr>
+            <a:xfrm>
+              <a:off x="1388656" y="2928450"/>
+              <a:ext cx="1086965" cy="369332"/>
+            </a:xfrm>
+            <a:prstGeom prst="rect">
+              <a:avLst/>
+            </a:prstGeom>
+          </p:spPr>
+          <p:txBody>
+            <a:bodyPr wrap="none">
+              <a:spAutoFit/>
+            </a:bodyPr>
+            <a:lstStyle/>
+            <a:p>
+              <a:pPr algn="ctr"/>
+              <a:r>
+                <a:rPr lang="en-US" dirty="0">
+                  <a:solidFill>
+                    <a:srgbClr val="000000"/>
+                  </a:solidFill>
+                  <a:effectLst/>
+                  <a:latin typeface="Gill Sans" panose="020B0502020104020203" pitchFamily="34" charset="-79"/>
+                  <a:cs typeface="Gill Sans" panose="020B0502020104020203" pitchFamily="34" charset="-79"/>
+                </a:rPr>
+                <a:t>Births (</a:t>
+              </a:r>
+              <a:r>
+                <a:rPr lang="en-US" i="1" dirty="0">
+                  <a:solidFill>
+                    <a:srgbClr val="000000"/>
+                  </a:solidFill>
+                  <a:effectLst/>
+                  <a:latin typeface="Gill Sans" panose="020B0502020104020203" pitchFamily="34" charset="-79"/>
+                  <a:cs typeface="Gill Sans" panose="020B0502020104020203" pitchFamily="34" charset="-79"/>
+                </a:rPr>
+                <a:t>B</a:t>
+              </a:r>
+              <a:r>
+                <a:rPr lang="en-US" dirty="0">
+                  <a:solidFill>
+                    <a:srgbClr val="000000"/>
+                  </a:solidFill>
+                  <a:effectLst/>
+                  <a:latin typeface="Gill Sans" panose="020B0502020104020203" pitchFamily="34" charset="-79"/>
+                  <a:cs typeface="Gill Sans" panose="020B0502020104020203" pitchFamily="34" charset="-79"/>
+                </a:rPr>
+                <a:t>)</a:t>
+              </a:r>
+            </a:p>
+          </p:txBody>
+        </p:sp>
+        <p:sp>
+          <p:nvSpPr>
+            <p:cNvPr id="12" name="Rectangle 11">
+              <a:extLst>
+                <a:ext uri="{FF2B5EF4-FFF2-40B4-BE49-F238E27FC236}">
+                  <a16:creationId xmlns:a16="http://schemas.microsoft.com/office/drawing/2014/main" id="{540F897F-15A4-1B4F-99EA-A86C1187260C}"/>
+                </a:ext>
+              </a:extLst>
+            </p:cNvPr>
+            <p:cNvSpPr/>
+            <p:nvPr/>
+          </p:nvSpPr>
+          <p:spPr>
+            <a:xfrm>
+              <a:off x="1553703" y="3744738"/>
+              <a:ext cx="644728" cy="646331"/>
+            </a:xfrm>
+            <a:prstGeom prst="rect">
+              <a:avLst/>
+            </a:prstGeom>
+          </p:spPr>
+          <p:txBody>
+            <a:bodyPr wrap="none">
+              <a:spAutoFit/>
+            </a:bodyPr>
+            <a:lstStyle/>
+            <a:p>
+              <a:pPr algn="ctr"/>
+              <a:r>
+                <a:rPr lang="en-US" dirty="0">
+                  <a:solidFill>
+                    <a:srgbClr val="000000"/>
+                  </a:solidFill>
+                  <a:latin typeface="Gill Sans" panose="020B0502020104020203" pitchFamily="34" charset="-79"/>
+                  <a:cs typeface="Gill Sans" panose="020B0502020104020203" pitchFamily="34" charset="-79"/>
+                </a:rPr>
+                <a:t>a</a:t>
+              </a:r>
+              <a:r>
+                <a:rPr lang="en-US" dirty="0">
+                  <a:solidFill>
+                    <a:srgbClr val="000000"/>
+                  </a:solidFill>
+                  <a:effectLst/>
+                  <a:latin typeface="Gill Sans" panose="020B0502020104020203" pitchFamily="34" charset="-79"/>
+                  <a:cs typeface="Gill Sans" panose="020B0502020104020203" pitchFamily="34" charset="-79"/>
+                </a:rPr>
+                <a:t>ging</a:t>
+              </a:r>
+            </a:p>
+            <a:p>
+              <a:pPr algn="ctr"/>
+              <a:r>
+                <a:rPr lang="en-US" dirty="0">
+                  <a:solidFill>
+                    <a:srgbClr val="000000"/>
+                  </a:solidFill>
+                  <a:effectLst/>
+                  <a:latin typeface="Gill Sans" panose="020B0502020104020203" pitchFamily="34" charset="-79"/>
+                  <a:cs typeface="Gill Sans" panose="020B0502020104020203" pitchFamily="34" charset="-79"/>
+                </a:rPr>
+                <a:t>(</a:t>
+              </a:r>
+              <a:r>
+                <a:rPr lang="en-US" i="1" dirty="0">
+                  <a:solidFill>
+                    <a:srgbClr val="000000"/>
+                  </a:solidFill>
+                  <a:effectLst/>
+                  <a:latin typeface="Gill Sans" panose="020B0502020104020203" pitchFamily="34" charset="-79"/>
+                  <a:cs typeface="Gill Sans" panose="020B0502020104020203" pitchFamily="34" charset="-79"/>
+                </a:rPr>
+                <a:t>a</a:t>
+              </a:r>
+              <a:r>
+                <a:rPr lang="en-US" dirty="0">
+                  <a:solidFill>
+                    <a:srgbClr val="000000"/>
+                  </a:solidFill>
+                  <a:effectLst/>
+                  <a:latin typeface="Gill Sans" panose="020B0502020104020203" pitchFamily="34" charset="-79"/>
+                  <a:cs typeface="Gill Sans" panose="020B0502020104020203" pitchFamily="34" charset="-79"/>
+                </a:rPr>
+                <a:t>)</a:t>
+              </a:r>
+            </a:p>
+          </p:txBody>
+        </p:sp>
+        <p:sp>
+          <p:nvSpPr>
+            <p:cNvPr id="13" name="Rectangle 12">
+              <a:extLst>
+                <a:ext uri="{FF2B5EF4-FFF2-40B4-BE49-F238E27FC236}">
+                  <a16:creationId xmlns:a16="http://schemas.microsoft.com/office/drawing/2014/main" id="{0B6F24B3-90CA-994C-9674-B760BEEE4056}"/>
+                </a:ext>
+              </a:extLst>
+            </p:cNvPr>
+            <p:cNvSpPr/>
+            <p:nvPr/>
+          </p:nvSpPr>
+          <p:spPr>
+            <a:xfrm>
+              <a:off x="1104816" y="4543108"/>
+              <a:ext cx="790602" cy="369332"/>
+            </a:xfrm>
+            <a:prstGeom prst="rect">
+              <a:avLst/>
+            </a:prstGeom>
+          </p:spPr>
+          <p:txBody>
+            <a:bodyPr wrap="none">
+              <a:spAutoFit/>
+            </a:bodyPr>
+            <a:lstStyle/>
+            <a:p>
+              <a:pPr algn="ctr"/>
+              <a:r>
+                <a:rPr lang="en-US" dirty="0">
+                  <a:solidFill>
+                    <a:srgbClr val="000000"/>
+                  </a:solidFill>
+                  <a:effectLst/>
+                  <a:latin typeface="Gill Sans" panose="020B0502020104020203" pitchFamily="34" charset="-79"/>
+                  <a:cs typeface="Gill Sans" panose="020B0502020104020203" pitchFamily="34" charset="-79"/>
+                </a:rPr>
+                <a:t>deaths</a:t>
+              </a:r>
+            </a:p>
+          </p:txBody>
+        </p:sp>
+        <p:sp>
+          <p:nvSpPr>
+            <p:cNvPr id="14" name="Rectangle 13">
+              <a:extLst>
+                <a:ext uri="{FF2B5EF4-FFF2-40B4-BE49-F238E27FC236}">
+                  <a16:creationId xmlns:a16="http://schemas.microsoft.com/office/drawing/2014/main" id="{DA9C372E-AE8C-8744-B95C-F3D2B4DA94DC}"/>
+                </a:ext>
+              </a:extLst>
+            </p:cNvPr>
+            <p:cNvSpPr/>
+            <p:nvPr/>
+          </p:nvSpPr>
+          <p:spPr>
+            <a:xfrm>
+              <a:off x="2668870" y="4543108"/>
+              <a:ext cx="790602" cy="369332"/>
+            </a:xfrm>
+            <a:prstGeom prst="rect">
+              <a:avLst/>
+            </a:prstGeom>
+          </p:spPr>
+          <p:txBody>
+            <a:bodyPr wrap="none">
+              <a:spAutoFit/>
+            </a:bodyPr>
+            <a:lstStyle/>
+            <a:p>
+              <a:pPr algn="ctr"/>
+              <a:r>
+                <a:rPr lang="en-US" dirty="0">
+                  <a:solidFill>
+                    <a:srgbClr val="000000"/>
+                  </a:solidFill>
+                  <a:effectLst/>
+                  <a:latin typeface="Gill Sans" panose="020B0502020104020203" pitchFamily="34" charset="-79"/>
+                  <a:cs typeface="Gill Sans" panose="020B0502020104020203" pitchFamily="34" charset="-79"/>
+                </a:rPr>
+                <a:t>deaths</a:t>
+              </a:r>
+            </a:p>
+          </p:txBody>
+        </p:sp>
+      </p:grpSp>
+      <p:grpSp>
+        <p:nvGrpSpPr>
+          <p:cNvPr id="15" name="Group 14">
+            <a:extLst>
+              <a:ext uri="{FF2B5EF4-FFF2-40B4-BE49-F238E27FC236}">
+                <a16:creationId xmlns:a16="http://schemas.microsoft.com/office/drawing/2014/main" id="{D8D4F4F3-3892-4D4D-922F-3FEB9CEB72FE}"/>
+              </a:ext>
+            </a:extLst>
+          </p:cNvPr>
+          <p:cNvGrpSpPr/>
+          <p:nvPr/>
+        </p:nvGrpSpPr>
+        <p:grpSpPr>
+          <a:xfrm>
+            <a:off x="470642" y="4630190"/>
+            <a:ext cx="1759163" cy="1560586"/>
+            <a:chOff x="4317811" y="5184589"/>
+            <a:chExt cx="1759163" cy="1560586"/>
+          </a:xfrm>
+        </p:grpSpPr>
+        <p:sp>
+          <p:nvSpPr>
+            <p:cNvPr id="16" name="Rectangle 15">
+              <a:extLst>
+                <a:ext uri="{FF2B5EF4-FFF2-40B4-BE49-F238E27FC236}">
+                  <a16:creationId xmlns:a16="http://schemas.microsoft.com/office/drawing/2014/main" id="{0FD75740-4A76-624A-880E-A089426BA1B0}"/>
+                </a:ext>
+              </a:extLst>
+            </p:cNvPr>
+            <p:cNvSpPr/>
+            <p:nvPr/>
+          </p:nvSpPr>
+          <p:spPr>
+            <a:xfrm>
+              <a:off x="4317811" y="5198636"/>
+              <a:ext cx="875243" cy="771882"/>
+            </a:xfrm>
+            <a:prstGeom prst="rect">
+              <a:avLst/>
+            </a:prstGeom>
+            <a:noFill/>
+            <a:ln>
+              <a:solidFill>
+                <a:schemeClr val="tx1"/>
+              </a:solidFill>
+            </a:ln>
+          </p:spPr>
+          <p:style>
+            <a:lnRef idx="2">
+              <a:schemeClr val="accent1">
+                <a:shade val="50000"/>
+              </a:schemeClr>
+            </a:lnRef>
+            <a:fillRef idx="1">
+              <a:schemeClr val="accent1"/>
+            </a:fillRef>
+            <a:effectRef idx="0">
+              <a:schemeClr val="accent1"/>
+            </a:effectRef>
+            <a:fontRef idx="minor">
+              <a:schemeClr val="lt1"/>
+            </a:fontRef>
+          </p:style>
+          <p:txBody>
+            <a:bodyPr rtlCol="0" anchor="ctr"/>
+            <a:lstStyle/>
+            <a:p>
+              <a:pPr algn="ctr"/>
+              <a:r>
+                <a:rPr lang="en-US" dirty="0">
+                  <a:solidFill>
+                    <a:schemeClr val="tx1"/>
+                  </a:solidFill>
+                </a:rPr>
+                <a:t>s</a:t>
+              </a:r>
+              <a:r>
+                <a:rPr lang="en-US" baseline="-25000" dirty="0">
+                  <a:solidFill>
+                    <a:schemeClr val="tx1"/>
+                  </a:solidFill>
+                </a:rPr>
+                <a:t>b</a:t>
+              </a:r>
+              <a:r>
+                <a:rPr lang="en-US" dirty="0">
+                  <a:solidFill>
+                    <a:schemeClr val="tx1"/>
+                  </a:solidFill>
+                </a:rPr>
+                <a:t>(1-</a:t>
+              </a:r>
+              <a:r>
+                <a:rPr lang="en-US" i="1" dirty="0">
+                  <a:solidFill>
+                    <a:schemeClr val="tx1"/>
+                  </a:solidFill>
+                </a:rPr>
+                <a:t>a</a:t>
+              </a:r>
+              <a:r>
+                <a:rPr lang="en-US" dirty="0">
+                  <a:solidFill>
+                    <a:schemeClr val="tx1"/>
+                  </a:solidFill>
+                </a:rPr>
+                <a:t>)</a:t>
+              </a:r>
+            </a:p>
+          </p:txBody>
+        </p:sp>
+        <p:sp>
+          <p:nvSpPr>
+            <p:cNvPr id="17" name="Rectangle 16">
+              <a:extLst>
+                <a:ext uri="{FF2B5EF4-FFF2-40B4-BE49-F238E27FC236}">
+                  <a16:creationId xmlns:a16="http://schemas.microsoft.com/office/drawing/2014/main" id="{070B8CAF-A3C9-8A45-992E-71E1F17519E2}"/>
+                </a:ext>
+              </a:extLst>
+            </p:cNvPr>
+            <p:cNvSpPr/>
+            <p:nvPr/>
+          </p:nvSpPr>
+          <p:spPr>
+            <a:xfrm>
+              <a:off x="5193054" y="5184589"/>
+              <a:ext cx="875243" cy="771882"/>
+            </a:xfrm>
+            <a:prstGeom prst="rect">
+              <a:avLst/>
+            </a:prstGeom>
+            <a:noFill/>
+            <a:ln>
+              <a:solidFill>
+                <a:schemeClr val="tx1"/>
+              </a:solidFill>
+            </a:ln>
+          </p:spPr>
+          <p:style>
+            <a:lnRef idx="2">
+              <a:schemeClr val="accent1">
+                <a:shade val="50000"/>
+              </a:schemeClr>
+            </a:lnRef>
+            <a:fillRef idx="1">
+              <a:schemeClr val="accent1"/>
+            </a:fillRef>
+            <a:effectRef idx="0">
+              <a:schemeClr val="accent1"/>
+            </a:effectRef>
+            <a:fontRef idx="minor">
+              <a:schemeClr val="lt1"/>
+            </a:fontRef>
+          </p:style>
+          <p:txBody>
+            <a:bodyPr rtlCol="0" anchor="ctr"/>
+            <a:lstStyle/>
+            <a:p>
+              <a:pPr algn="ctr"/>
+              <a:r>
+                <a:rPr lang="en-US" i="1" dirty="0">
+                  <a:solidFill>
+                    <a:schemeClr val="tx1"/>
+                  </a:solidFill>
+                </a:rPr>
+                <a:t>B</a:t>
+              </a:r>
+            </a:p>
+          </p:txBody>
+        </p:sp>
+        <p:sp>
+          <p:nvSpPr>
+            <p:cNvPr id="18" name="Rectangle 17">
+              <a:extLst>
+                <a:ext uri="{FF2B5EF4-FFF2-40B4-BE49-F238E27FC236}">
+                  <a16:creationId xmlns:a16="http://schemas.microsoft.com/office/drawing/2014/main" id="{5FC79F68-1C40-B04C-BE03-DE58D7410CD5}"/>
+                </a:ext>
+              </a:extLst>
+            </p:cNvPr>
+            <p:cNvSpPr/>
+            <p:nvPr/>
+          </p:nvSpPr>
+          <p:spPr>
+            <a:xfrm>
+              <a:off x="4317811" y="5970518"/>
+              <a:ext cx="875243" cy="771882"/>
+            </a:xfrm>
+            <a:prstGeom prst="rect">
+              <a:avLst/>
+            </a:prstGeom>
+            <a:noFill/>
+            <a:ln>
+              <a:solidFill>
+                <a:schemeClr val="tx1"/>
+              </a:solidFill>
+            </a:ln>
+          </p:spPr>
+          <p:style>
+            <a:lnRef idx="2">
+              <a:schemeClr val="accent1">
+                <a:shade val="50000"/>
+              </a:schemeClr>
+            </a:lnRef>
+            <a:fillRef idx="1">
+              <a:schemeClr val="accent1"/>
+            </a:fillRef>
+            <a:effectRef idx="0">
+              <a:schemeClr val="accent1"/>
+            </a:effectRef>
+            <a:fontRef idx="minor">
+              <a:schemeClr val="lt1"/>
+            </a:fontRef>
+          </p:style>
+          <p:txBody>
+            <a:bodyPr rtlCol="0" anchor="ctr"/>
+            <a:lstStyle/>
+            <a:p>
+              <a:pPr algn="ctr"/>
+              <a:r>
+                <a:rPr lang="en-US" dirty="0" err="1">
+                  <a:solidFill>
+                    <a:schemeClr val="tx1"/>
+                  </a:solidFill>
+                </a:rPr>
+                <a:t>s</a:t>
+              </a:r>
+              <a:r>
+                <a:rPr lang="en-US" baseline="-25000" dirty="0" err="1">
+                  <a:solidFill>
+                    <a:schemeClr val="tx1"/>
+                  </a:solidFill>
+                </a:rPr>
+                <a:t>b</a:t>
+              </a:r>
+              <a:r>
+                <a:rPr lang="en-US" dirty="0" err="1">
+                  <a:solidFill>
+                    <a:schemeClr val="tx1"/>
+                  </a:solidFill>
+                </a:rPr>
+                <a:t>a</a:t>
+              </a:r>
+              <a:endParaRPr lang="en-US" dirty="0">
+                <a:solidFill>
+                  <a:schemeClr val="tx1"/>
+                </a:solidFill>
+              </a:endParaRPr>
+            </a:p>
+          </p:txBody>
+        </p:sp>
+        <p:sp>
+          <p:nvSpPr>
+            <p:cNvPr id="19" name="Rectangle 18">
+              <a:extLst>
+                <a:ext uri="{FF2B5EF4-FFF2-40B4-BE49-F238E27FC236}">
+                  <a16:creationId xmlns:a16="http://schemas.microsoft.com/office/drawing/2014/main" id="{38A3FE57-D38E-DA43-9F60-4F0885E807E7}"/>
+                </a:ext>
+              </a:extLst>
+            </p:cNvPr>
+            <p:cNvSpPr/>
+            <p:nvPr/>
+          </p:nvSpPr>
+          <p:spPr>
+            <a:xfrm>
+              <a:off x="5201731" y="5970518"/>
+              <a:ext cx="875243" cy="774657"/>
+            </a:xfrm>
+            <a:prstGeom prst="rect">
+              <a:avLst/>
+            </a:prstGeom>
+            <a:noFill/>
+            <a:ln>
+              <a:solidFill>
+                <a:schemeClr val="tx1"/>
+              </a:solidFill>
+            </a:ln>
+          </p:spPr>
+          <p:style>
+            <a:lnRef idx="2">
+              <a:schemeClr val="accent1">
+                <a:shade val="50000"/>
+              </a:schemeClr>
+            </a:lnRef>
+            <a:fillRef idx="1">
+              <a:schemeClr val="accent1"/>
+            </a:fillRef>
+            <a:effectRef idx="0">
+              <a:schemeClr val="accent1"/>
+            </a:effectRef>
+            <a:fontRef idx="minor">
+              <a:schemeClr val="lt1"/>
+            </a:fontRef>
+          </p:style>
+          <p:txBody>
+            <a:bodyPr rtlCol="0" anchor="ctr"/>
+            <a:lstStyle/>
+            <a:p>
+              <a:pPr algn="ctr"/>
+              <a:r>
+                <a:rPr lang="en-US" dirty="0" err="1">
+                  <a:solidFill>
+                    <a:schemeClr val="tx1"/>
+                  </a:solidFill>
+                </a:rPr>
+                <a:t>s</a:t>
+              </a:r>
+              <a:r>
+                <a:rPr lang="en-US" baseline="-25000" dirty="0" err="1">
+                  <a:solidFill>
+                    <a:schemeClr val="tx1"/>
+                  </a:solidFill>
+                </a:rPr>
+                <a:t>a</a:t>
+              </a:r>
+              <a:endParaRPr lang="en-US" baseline="-25000" dirty="0">
+                <a:solidFill>
+                  <a:schemeClr val="tx1"/>
+                </a:solidFill>
+              </a:endParaRPr>
+            </a:p>
+          </p:txBody>
+        </p:sp>
+      </p:grpSp>
+      <p:sp>
+        <p:nvSpPr>
+          <p:cNvPr id="20" name="Rectangle 19">
+            <a:extLst>
+              <a:ext uri="{FF2B5EF4-FFF2-40B4-BE49-F238E27FC236}">
+                <a16:creationId xmlns:a16="http://schemas.microsoft.com/office/drawing/2014/main" id="{A64FF1F5-3936-3743-9EEB-F3065AC6F8A3}"/>
+              </a:ext>
+            </a:extLst>
+          </p:cNvPr>
+          <p:cNvSpPr/>
+          <p:nvPr/>
         </p:nvSpPr>
-        <p:spPr/>
+        <p:spPr>
+          <a:xfrm>
+            <a:off x="3259967" y="4630190"/>
+            <a:ext cx="867295" cy="771882"/>
+          </a:xfrm>
+          <a:prstGeom prst="rect">
+            <a:avLst/>
+          </a:prstGeom>
+          <a:noFill/>
+          <a:ln>
+            <a:solidFill>
+              <a:schemeClr val="tx1"/>
+            </a:solidFill>
+          </a:ln>
+        </p:spPr>
+        <p:style>
+          <a:lnRef idx="2">
+            <a:schemeClr val="accent1">
+              <a:shade val="50000"/>
+            </a:schemeClr>
+          </a:lnRef>
+          <a:fillRef idx="1">
+            <a:schemeClr val="accent1"/>
+          </a:fillRef>
+          <a:effectRef idx="0">
+            <a:schemeClr val="accent1"/>
+          </a:effectRef>
+          <a:fontRef idx="minor">
+            <a:schemeClr val="lt1"/>
+          </a:fontRef>
+        </p:style>
         <p:txBody>
-          <a:bodyPr/>
+          <a:bodyPr rtlCol="0" anchor="ctr"/>
           <a:lstStyle/>
           <a:p>
-            <a:endParaRPr lang="en-US"/>
+            <a:pPr algn="ctr"/>
+            <a:r>
+              <a:rPr lang="en-US" dirty="0" err="1">
+                <a:solidFill>
+                  <a:schemeClr val="tx1"/>
+                </a:solidFill>
+              </a:rPr>
+              <a:t>n</a:t>
+            </a:r>
+            <a:r>
+              <a:rPr lang="en-US" baseline="-25000" dirty="0" err="1">
+                <a:solidFill>
+                  <a:schemeClr val="tx1"/>
+                </a:solidFill>
+              </a:rPr>
+              <a:t>b</a:t>
+            </a:r>
+            <a:endParaRPr lang="en-US" baseline="-25000" dirty="0">
+              <a:solidFill>
+                <a:schemeClr val="tx1"/>
+              </a:solidFill>
+            </a:endParaRPr>
           </a:p>
         </p:txBody>
       </p:sp>
       <p:sp>
         <p:nvSpPr>
-          <p:cNvPr id="3" name="Content Placeholder 2">
+          <p:cNvPr id="21" name="Rectangle 20">
             <a:extLst>
               <a:ext uri="{FF2B5EF4-FFF2-40B4-BE49-F238E27FC236}">
-                <a16:creationId xmlns:a16="http://schemas.microsoft.com/office/drawing/2014/main" id="{1B1227D1-B621-4942-ACB5-1E182CFA822A}"/>
+                <a16:creationId xmlns:a16="http://schemas.microsoft.com/office/drawing/2014/main" id="{8904A5E7-B109-5842-A427-10A8C022BA63}"/>
               </a:ext>
             </a:extLst>
           </p:cNvPr>
-          <p:cNvSpPr>
-            <a:spLocks noGrp="1"/>
-          </p:cNvSpPr>
-          <p:nvPr>
-            <p:ph idx="1"/>
-          </p:nvPr>
+          <p:cNvSpPr/>
+          <p:nvPr/>
         </p:nvSpPr>
-        <p:spPr/>
+        <p:spPr>
+          <a:xfrm>
+            <a:off x="3252019" y="5416119"/>
+            <a:ext cx="875243" cy="774657"/>
+          </a:xfrm>
+          <a:prstGeom prst="rect">
+            <a:avLst/>
+          </a:prstGeom>
+          <a:noFill/>
+          <a:ln>
+            <a:solidFill>
+              <a:schemeClr val="tx1"/>
+            </a:solidFill>
+          </a:ln>
+        </p:spPr>
+        <p:style>
+          <a:lnRef idx="2">
+            <a:schemeClr val="accent1">
+              <a:shade val="50000"/>
+            </a:schemeClr>
+          </a:lnRef>
+          <a:fillRef idx="1">
+            <a:schemeClr val="accent1"/>
+          </a:fillRef>
+          <a:effectRef idx="0">
+            <a:schemeClr val="accent1"/>
+          </a:effectRef>
+          <a:fontRef idx="minor">
+            <a:schemeClr val="lt1"/>
+          </a:fontRef>
+        </p:style>
         <p:txBody>
-          <a:bodyPr/>
+          <a:bodyPr rtlCol="0" anchor="ctr"/>
           <a:lstStyle/>
           <a:p>
-            <a:endParaRPr lang="en-US"/>
+            <a:pPr algn="ctr"/>
+            <a:r>
+              <a:rPr lang="en-US" dirty="0" err="1">
+                <a:solidFill>
+                  <a:schemeClr val="tx1"/>
+                </a:solidFill>
+              </a:rPr>
+              <a:t>n</a:t>
+            </a:r>
+            <a:r>
+              <a:rPr lang="en-US" baseline="-25000" dirty="0" err="1">
+                <a:solidFill>
+                  <a:schemeClr val="tx1"/>
+                </a:solidFill>
+              </a:rPr>
+              <a:t>a</a:t>
+            </a:r>
+            <a:endParaRPr lang="en-US" baseline="-25000" dirty="0">
+              <a:solidFill>
+                <a:schemeClr val="tx1"/>
+              </a:solidFill>
+            </a:endParaRPr>
           </a:p>
         </p:txBody>
       </p:sp>
     </p:spTree>
     <p:extLst>
       <p:ext uri="{BB962C8B-B14F-4D97-AF65-F5344CB8AC3E}">
-        <p14:creationId xmlns:p14="http://schemas.microsoft.com/office/powerpoint/2010/main" val="1909883876"/>
+        <p14:creationId xmlns:p14="http://schemas.microsoft.com/office/powerpoint/2010/main" val="4047508335"/>
       </p:ext>
     </p:extLst>
   </p:cSld>
@@ -28369,6 +32863,246 @@
           <p:cNvPr id="2" name="Title 1">
             <a:extLst>
               <a:ext uri="{FF2B5EF4-FFF2-40B4-BE49-F238E27FC236}">
+                <a16:creationId xmlns:a16="http://schemas.microsoft.com/office/drawing/2014/main" id="{C1BA4287-CE58-5443-9F47-8D9CFF8D68F9}"/>
+              </a:ext>
+            </a:extLst>
+          </p:cNvPr>
+          <p:cNvSpPr>
+            <a:spLocks noGrp="1"/>
+          </p:cNvSpPr>
+          <p:nvPr>
+            <p:ph type="title"/>
+          </p:nvPr>
+        </p:nvSpPr>
+        <p:spPr/>
+        <p:txBody>
+          <a:bodyPr/>
+          <a:lstStyle/>
+          <a:p>
+            <a:endParaRPr lang="en-US"/>
+          </a:p>
+        </p:txBody>
+      </p:sp>
+      <p:sp>
+        <p:nvSpPr>
+          <p:cNvPr id="3" name="Content Placeholder 2">
+            <a:extLst>
+              <a:ext uri="{FF2B5EF4-FFF2-40B4-BE49-F238E27FC236}">
+                <a16:creationId xmlns:a16="http://schemas.microsoft.com/office/drawing/2014/main" id="{C598E396-28A1-5A49-94C0-A404EE4AE7B5}"/>
+              </a:ext>
+            </a:extLst>
+          </p:cNvPr>
+          <p:cNvSpPr>
+            <a:spLocks noGrp="1"/>
+          </p:cNvSpPr>
+          <p:nvPr>
+            <p:ph idx="1"/>
+          </p:nvPr>
+        </p:nvSpPr>
+        <p:spPr/>
+        <p:txBody>
+          <a:bodyPr/>
+          <a:lstStyle/>
+          <a:p>
+            <a:endParaRPr lang="en-US"/>
+          </a:p>
+        </p:txBody>
+      </p:sp>
+    </p:spTree>
+    <p:extLst>
+      <p:ext uri="{BB962C8B-B14F-4D97-AF65-F5344CB8AC3E}">
+        <p14:creationId xmlns:p14="http://schemas.microsoft.com/office/powerpoint/2010/main" val="2684862078"/>
+      </p:ext>
+    </p:extLst>
+  </p:cSld>
+  <p:clrMapOvr>
+    <a:masterClrMapping/>
+  </p:clrMapOvr>
+</p:sld>
+</file>
+
+<file path=ppt/slides/slide41.xml><?xml version="1.0" encoding="utf-8"?>
+<p:sld xmlns:a="http://schemas.openxmlformats.org/drawingml/2006/main" xmlns:r="http://schemas.openxmlformats.org/officeDocument/2006/relationships" xmlns:p="http://schemas.openxmlformats.org/presentationml/2006/main">
+  <p:cSld>
+    <p:spTree>
+      <p:nvGrpSpPr>
+        <p:cNvPr id="1" name=""/>
+        <p:cNvGrpSpPr/>
+        <p:nvPr/>
+      </p:nvGrpSpPr>
+      <p:grpSpPr>
+        <a:xfrm>
+          <a:off x="0" y="0"/>
+          <a:ext cx="0" cy="0"/>
+          <a:chOff x="0" y="0"/>
+          <a:chExt cx="0" cy="0"/>
+        </a:xfrm>
+      </p:grpSpPr>
+      <p:sp>
+        <p:nvSpPr>
+          <p:cNvPr id="2" name="Title 1">
+            <a:extLst>
+              <a:ext uri="{FF2B5EF4-FFF2-40B4-BE49-F238E27FC236}">
+                <a16:creationId xmlns:a16="http://schemas.microsoft.com/office/drawing/2014/main" id="{C393FF19-AC75-D544-88C4-08386AFDB8DF}"/>
+              </a:ext>
+            </a:extLst>
+          </p:cNvPr>
+          <p:cNvSpPr>
+            <a:spLocks noGrp="1"/>
+          </p:cNvSpPr>
+          <p:nvPr>
+            <p:ph type="title"/>
+          </p:nvPr>
+        </p:nvSpPr>
+        <p:spPr/>
+        <p:txBody>
+          <a:bodyPr/>
+          <a:lstStyle/>
+          <a:p>
+            <a:endParaRPr lang="en-US"/>
+          </a:p>
+        </p:txBody>
+      </p:sp>
+      <p:sp>
+        <p:nvSpPr>
+          <p:cNvPr id="3" name="Content Placeholder 2">
+            <a:extLst>
+              <a:ext uri="{FF2B5EF4-FFF2-40B4-BE49-F238E27FC236}">
+                <a16:creationId xmlns:a16="http://schemas.microsoft.com/office/drawing/2014/main" id="{7944830C-39D2-0F46-BD6A-7B9118E4A791}"/>
+              </a:ext>
+            </a:extLst>
+          </p:cNvPr>
+          <p:cNvSpPr>
+            <a:spLocks noGrp="1"/>
+          </p:cNvSpPr>
+          <p:nvPr>
+            <p:ph idx="1"/>
+          </p:nvPr>
+        </p:nvSpPr>
+        <p:spPr/>
+        <p:txBody>
+          <a:bodyPr/>
+          <a:lstStyle/>
+          <a:p>
+            <a:endParaRPr lang="en-US"/>
+          </a:p>
+        </p:txBody>
+      </p:sp>
+    </p:spTree>
+    <p:extLst>
+      <p:ext uri="{BB962C8B-B14F-4D97-AF65-F5344CB8AC3E}">
+        <p14:creationId xmlns:p14="http://schemas.microsoft.com/office/powerpoint/2010/main" val="2496155175"/>
+      </p:ext>
+    </p:extLst>
+  </p:cSld>
+  <p:clrMapOvr>
+    <a:masterClrMapping/>
+  </p:clrMapOvr>
+</p:sld>
+</file>
+
+<file path=ppt/slides/slide42.xml><?xml version="1.0" encoding="utf-8"?>
+<p:sld xmlns:a="http://schemas.openxmlformats.org/drawingml/2006/main" xmlns:r="http://schemas.openxmlformats.org/officeDocument/2006/relationships" xmlns:p="http://schemas.openxmlformats.org/presentationml/2006/main">
+  <p:cSld>
+    <p:spTree>
+      <p:nvGrpSpPr>
+        <p:cNvPr id="1" name=""/>
+        <p:cNvGrpSpPr/>
+        <p:nvPr/>
+      </p:nvGrpSpPr>
+      <p:grpSpPr>
+        <a:xfrm>
+          <a:off x="0" y="0"/>
+          <a:ext cx="0" cy="0"/>
+          <a:chOff x="0" y="0"/>
+          <a:chExt cx="0" cy="0"/>
+        </a:xfrm>
+      </p:grpSpPr>
+      <p:sp>
+        <p:nvSpPr>
+          <p:cNvPr id="2" name="Title 1">
+            <a:extLst>
+              <a:ext uri="{FF2B5EF4-FFF2-40B4-BE49-F238E27FC236}">
+                <a16:creationId xmlns:a16="http://schemas.microsoft.com/office/drawing/2014/main" id="{7908D859-CCFA-F248-8808-099FCC608150}"/>
+              </a:ext>
+            </a:extLst>
+          </p:cNvPr>
+          <p:cNvSpPr>
+            <a:spLocks noGrp="1"/>
+          </p:cNvSpPr>
+          <p:nvPr>
+            <p:ph type="title"/>
+          </p:nvPr>
+        </p:nvSpPr>
+        <p:spPr/>
+        <p:txBody>
+          <a:bodyPr/>
+          <a:lstStyle/>
+          <a:p>
+            <a:endParaRPr lang="en-US"/>
+          </a:p>
+        </p:txBody>
+      </p:sp>
+      <p:sp>
+        <p:nvSpPr>
+          <p:cNvPr id="3" name="Content Placeholder 2">
+            <a:extLst>
+              <a:ext uri="{FF2B5EF4-FFF2-40B4-BE49-F238E27FC236}">
+                <a16:creationId xmlns:a16="http://schemas.microsoft.com/office/drawing/2014/main" id="{1B1227D1-B621-4942-ACB5-1E182CFA822A}"/>
+              </a:ext>
+            </a:extLst>
+          </p:cNvPr>
+          <p:cNvSpPr>
+            <a:spLocks noGrp="1"/>
+          </p:cNvSpPr>
+          <p:nvPr>
+            <p:ph idx="1"/>
+          </p:nvPr>
+        </p:nvSpPr>
+        <p:spPr/>
+        <p:txBody>
+          <a:bodyPr/>
+          <a:lstStyle/>
+          <a:p>
+            <a:endParaRPr lang="en-US"/>
+          </a:p>
+        </p:txBody>
+      </p:sp>
+    </p:spTree>
+    <p:extLst>
+      <p:ext uri="{BB962C8B-B14F-4D97-AF65-F5344CB8AC3E}">
+        <p14:creationId xmlns:p14="http://schemas.microsoft.com/office/powerpoint/2010/main" val="1909883876"/>
+      </p:ext>
+    </p:extLst>
+  </p:cSld>
+  <p:clrMapOvr>
+    <a:masterClrMapping/>
+  </p:clrMapOvr>
+</p:sld>
+</file>
+
+<file path=ppt/slides/slide43.xml><?xml version="1.0" encoding="utf-8"?>
+<p:sld xmlns:a="http://schemas.openxmlformats.org/drawingml/2006/main" xmlns:r="http://schemas.openxmlformats.org/officeDocument/2006/relationships" xmlns:p="http://schemas.openxmlformats.org/presentationml/2006/main">
+  <p:cSld>
+    <p:spTree>
+      <p:nvGrpSpPr>
+        <p:cNvPr id="1" name=""/>
+        <p:cNvGrpSpPr/>
+        <p:nvPr/>
+      </p:nvGrpSpPr>
+      <p:grpSpPr>
+        <a:xfrm>
+          <a:off x="0" y="0"/>
+          <a:ext cx="0" cy="0"/>
+          <a:chOff x="0" y="0"/>
+          <a:chExt cx="0" cy="0"/>
+        </a:xfrm>
+      </p:grpSpPr>
+      <p:sp>
+        <p:nvSpPr>
+          <p:cNvPr id="2" name="Title 1">
+            <a:extLst>
+              <a:ext uri="{FF2B5EF4-FFF2-40B4-BE49-F238E27FC236}">
                 <a16:creationId xmlns:a16="http://schemas.microsoft.com/office/drawing/2014/main" id="{9D1D36E5-5F41-4F40-A318-6B3A75058669}"/>
               </a:ext>
             </a:extLst>
@@ -28427,7 +33161,7 @@
 </p:sld>
 </file>
 
-<file path=ppt/slides/slide41.xml><?xml version="1.0" encoding="utf-8"?>
+<file path=ppt/slides/slide44.xml><?xml version="1.0" encoding="utf-8"?>
 <p:sld xmlns:a="http://schemas.openxmlformats.org/drawingml/2006/main" xmlns:r="http://schemas.openxmlformats.org/officeDocument/2006/relationships" xmlns:p="http://schemas.openxmlformats.org/presentationml/2006/main">
   <p:cSld>
     <p:spTree>
@@ -28507,7 +33241,7 @@
 </p:sld>
 </file>
 
-<file path=ppt/slides/slide42.xml><?xml version="1.0" encoding="utf-8"?>
+<file path=ppt/slides/slide45.xml><?xml version="1.0" encoding="utf-8"?>
 <p:sld xmlns:a="http://schemas.openxmlformats.org/drawingml/2006/main" xmlns:r="http://schemas.openxmlformats.org/officeDocument/2006/relationships" xmlns:p="http://schemas.openxmlformats.org/presentationml/2006/main">
   <p:cSld>
     <p:spTree>
@@ -28587,7 +33321,7 @@
 </p:sld>
 </file>
 
-<file path=ppt/slides/slide43.xml><?xml version="1.0" encoding="utf-8"?>
+<file path=ppt/slides/slide46.xml><?xml version="1.0" encoding="utf-8"?>
 <p:sld xmlns:a="http://schemas.openxmlformats.org/drawingml/2006/main" xmlns:r="http://schemas.openxmlformats.org/officeDocument/2006/relationships" xmlns:p="http://schemas.openxmlformats.org/presentationml/2006/main">
   <p:cSld>
     <p:spTree>
@@ -28667,7 +33401,7 @@
 </p:sld>
 </file>
 
-<file path=ppt/slides/slide44.xml><?xml version="1.0" encoding="utf-8"?>
+<file path=ppt/slides/slide47.xml><?xml version="1.0" encoding="utf-8"?>
 <p:sld xmlns:a="http://schemas.openxmlformats.org/drawingml/2006/main" xmlns:r="http://schemas.openxmlformats.org/officeDocument/2006/relationships" xmlns:p="http://schemas.openxmlformats.org/presentationml/2006/main">
   <p:cSld>
     <p:spTree>
@@ -28747,7 +33481,7 @@
 </p:sld>
 </file>
 
-<file path=ppt/slides/slide45.xml><?xml version="1.0" encoding="utf-8"?>
+<file path=ppt/slides/slide48.xml><?xml version="1.0" encoding="utf-8"?>
 <p:sld xmlns:a="http://schemas.openxmlformats.org/drawingml/2006/main" xmlns:r="http://schemas.openxmlformats.org/officeDocument/2006/relationships" xmlns:p="http://schemas.openxmlformats.org/presentationml/2006/main">
   <p:cSld>
     <p:spTree>
@@ -28827,7 +33561,7 @@
 </p:sld>
 </file>
 
-<file path=ppt/slides/slide46.xml><?xml version="1.0" encoding="utf-8"?>
+<file path=ppt/slides/slide49.xml><?xml version="1.0" encoding="utf-8"?>
 <p:sld xmlns:a="http://schemas.openxmlformats.org/drawingml/2006/main" xmlns:r="http://schemas.openxmlformats.org/officeDocument/2006/relationships" xmlns:p="http://schemas.openxmlformats.org/presentationml/2006/main">
   <p:cSld>
     <p:spTree>
@@ -28898,246 +33632,6 @@
     <p:extLst>
       <p:ext uri="{BB962C8B-B14F-4D97-AF65-F5344CB8AC3E}">
         <p14:creationId xmlns:p14="http://schemas.microsoft.com/office/powerpoint/2010/main" val="3368680856"/>
-      </p:ext>
-    </p:extLst>
-  </p:cSld>
-  <p:clrMapOvr>
-    <a:masterClrMapping/>
-  </p:clrMapOvr>
-</p:sld>
-</file>
-
-<file path=ppt/slides/slide47.xml><?xml version="1.0" encoding="utf-8"?>
-<p:sld xmlns:a="http://schemas.openxmlformats.org/drawingml/2006/main" xmlns:r="http://schemas.openxmlformats.org/officeDocument/2006/relationships" xmlns:p="http://schemas.openxmlformats.org/presentationml/2006/main">
-  <p:cSld>
-    <p:spTree>
-      <p:nvGrpSpPr>
-        <p:cNvPr id="1" name=""/>
-        <p:cNvGrpSpPr/>
-        <p:nvPr/>
-      </p:nvGrpSpPr>
-      <p:grpSpPr>
-        <a:xfrm>
-          <a:off x="0" y="0"/>
-          <a:ext cx="0" cy="0"/>
-          <a:chOff x="0" y="0"/>
-          <a:chExt cx="0" cy="0"/>
-        </a:xfrm>
-      </p:grpSpPr>
-      <p:sp>
-        <p:nvSpPr>
-          <p:cNvPr id="2" name="Title 1">
-            <a:extLst>
-              <a:ext uri="{FF2B5EF4-FFF2-40B4-BE49-F238E27FC236}">
-                <a16:creationId xmlns:a16="http://schemas.microsoft.com/office/drawing/2014/main" id="{7908D859-CCFA-F248-8808-099FCC608150}"/>
-              </a:ext>
-            </a:extLst>
-          </p:cNvPr>
-          <p:cNvSpPr>
-            <a:spLocks noGrp="1"/>
-          </p:cNvSpPr>
-          <p:nvPr>
-            <p:ph type="title"/>
-          </p:nvPr>
-        </p:nvSpPr>
-        <p:spPr/>
-        <p:txBody>
-          <a:bodyPr/>
-          <a:lstStyle/>
-          <a:p>
-            <a:endParaRPr lang="en-US"/>
-          </a:p>
-        </p:txBody>
-      </p:sp>
-      <p:sp>
-        <p:nvSpPr>
-          <p:cNvPr id="3" name="Content Placeholder 2">
-            <a:extLst>
-              <a:ext uri="{FF2B5EF4-FFF2-40B4-BE49-F238E27FC236}">
-                <a16:creationId xmlns:a16="http://schemas.microsoft.com/office/drawing/2014/main" id="{1B1227D1-B621-4942-ACB5-1E182CFA822A}"/>
-              </a:ext>
-            </a:extLst>
-          </p:cNvPr>
-          <p:cNvSpPr>
-            <a:spLocks noGrp="1"/>
-          </p:cNvSpPr>
-          <p:nvPr>
-            <p:ph idx="1"/>
-          </p:nvPr>
-        </p:nvSpPr>
-        <p:spPr/>
-        <p:txBody>
-          <a:bodyPr/>
-          <a:lstStyle/>
-          <a:p>
-            <a:endParaRPr lang="en-US"/>
-          </a:p>
-        </p:txBody>
-      </p:sp>
-    </p:spTree>
-    <p:extLst>
-      <p:ext uri="{BB962C8B-B14F-4D97-AF65-F5344CB8AC3E}">
-        <p14:creationId xmlns:p14="http://schemas.microsoft.com/office/powerpoint/2010/main" val="367304367"/>
-      </p:ext>
-    </p:extLst>
-  </p:cSld>
-  <p:clrMapOvr>
-    <a:masterClrMapping/>
-  </p:clrMapOvr>
-</p:sld>
-</file>
-
-<file path=ppt/slides/slide48.xml><?xml version="1.0" encoding="utf-8"?>
-<p:sld xmlns:a="http://schemas.openxmlformats.org/drawingml/2006/main" xmlns:r="http://schemas.openxmlformats.org/officeDocument/2006/relationships" xmlns:p="http://schemas.openxmlformats.org/presentationml/2006/main">
-  <p:cSld>
-    <p:spTree>
-      <p:nvGrpSpPr>
-        <p:cNvPr id="1" name=""/>
-        <p:cNvGrpSpPr/>
-        <p:nvPr/>
-      </p:nvGrpSpPr>
-      <p:grpSpPr>
-        <a:xfrm>
-          <a:off x="0" y="0"/>
-          <a:ext cx="0" cy="0"/>
-          <a:chOff x="0" y="0"/>
-          <a:chExt cx="0" cy="0"/>
-        </a:xfrm>
-      </p:grpSpPr>
-      <p:sp>
-        <p:nvSpPr>
-          <p:cNvPr id="2" name="Title 1">
-            <a:extLst>
-              <a:ext uri="{FF2B5EF4-FFF2-40B4-BE49-F238E27FC236}">
-                <a16:creationId xmlns:a16="http://schemas.microsoft.com/office/drawing/2014/main" id="{9D1D36E5-5F41-4F40-A318-6B3A75058669}"/>
-              </a:ext>
-            </a:extLst>
-          </p:cNvPr>
-          <p:cNvSpPr>
-            <a:spLocks noGrp="1"/>
-          </p:cNvSpPr>
-          <p:nvPr>
-            <p:ph type="title"/>
-          </p:nvPr>
-        </p:nvSpPr>
-        <p:spPr/>
-        <p:txBody>
-          <a:bodyPr/>
-          <a:lstStyle/>
-          <a:p>
-            <a:endParaRPr lang="en-US"/>
-          </a:p>
-        </p:txBody>
-      </p:sp>
-      <p:sp>
-        <p:nvSpPr>
-          <p:cNvPr id="3" name="Content Placeholder 2">
-            <a:extLst>
-              <a:ext uri="{FF2B5EF4-FFF2-40B4-BE49-F238E27FC236}">
-                <a16:creationId xmlns:a16="http://schemas.microsoft.com/office/drawing/2014/main" id="{DB85E4E5-666B-A54E-AF21-8F4AEF2B79C3}"/>
-              </a:ext>
-            </a:extLst>
-          </p:cNvPr>
-          <p:cNvSpPr>
-            <a:spLocks noGrp="1"/>
-          </p:cNvSpPr>
-          <p:nvPr>
-            <p:ph idx="1"/>
-          </p:nvPr>
-        </p:nvSpPr>
-        <p:spPr/>
-        <p:txBody>
-          <a:bodyPr/>
-          <a:lstStyle/>
-          <a:p>
-            <a:endParaRPr lang="en-US"/>
-          </a:p>
-        </p:txBody>
-      </p:sp>
-    </p:spTree>
-    <p:extLst>
-      <p:ext uri="{BB962C8B-B14F-4D97-AF65-F5344CB8AC3E}">
-        <p14:creationId xmlns:p14="http://schemas.microsoft.com/office/powerpoint/2010/main" val="2265927823"/>
-      </p:ext>
-    </p:extLst>
-  </p:cSld>
-  <p:clrMapOvr>
-    <a:masterClrMapping/>
-  </p:clrMapOvr>
-</p:sld>
-</file>
-
-<file path=ppt/slides/slide49.xml><?xml version="1.0" encoding="utf-8"?>
-<p:sld xmlns:a="http://schemas.openxmlformats.org/drawingml/2006/main" xmlns:r="http://schemas.openxmlformats.org/officeDocument/2006/relationships" xmlns:p="http://schemas.openxmlformats.org/presentationml/2006/main">
-  <p:cSld>
-    <p:spTree>
-      <p:nvGrpSpPr>
-        <p:cNvPr id="1" name=""/>
-        <p:cNvGrpSpPr/>
-        <p:nvPr/>
-      </p:nvGrpSpPr>
-      <p:grpSpPr>
-        <a:xfrm>
-          <a:off x="0" y="0"/>
-          <a:ext cx="0" cy="0"/>
-          <a:chOff x="0" y="0"/>
-          <a:chExt cx="0" cy="0"/>
-        </a:xfrm>
-      </p:grpSpPr>
-      <p:sp>
-        <p:nvSpPr>
-          <p:cNvPr id="2" name="Title 1">
-            <a:extLst>
-              <a:ext uri="{FF2B5EF4-FFF2-40B4-BE49-F238E27FC236}">
-                <a16:creationId xmlns:a16="http://schemas.microsoft.com/office/drawing/2014/main" id="{C1BA4287-CE58-5443-9F47-8D9CFF8D68F9}"/>
-              </a:ext>
-            </a:extLst>
-          </p:cNvPr>
-          <p:cNvSpPr>
-            <a:spLocks noGrp="1"/>
-          </p:cNvSpPr>
-          <p:nvPr>
-            <p:ph type="title"/>
-          </p:nvPr>
-        </p:nvSpPr>
-        <p:spPr/>
-        <p:txBody>
-          <a:bodyPr/>
-          <a:lstStyle/>
-          <a:p>
-            <a:endParaRPr lang="en-US"/>
-          </a:p>
-        </p:txBody>
-      </p:sp>
-      <p:sp>
-        <p:nvSpPr>
-          <p:cNvPr id="3" name="Content Placeholder 2">
-            <a:extLst>
-              <a:ext uri="{FF2B5EF4-FFF2-40B4-BE49-F238E27FC236}">
-                <a16:creationId xmlns:a16="http://schemas.microsoft.com/office/drawing/2014/main" id="{C598E396-28A1-5A49-94C0-A404EE4AE7B5}"/>
-              </a:ext>
-            </a:extLst>
-          </p:cNvPr>
-          <p:cNvSpPr>
-            <a:spLocks noGrp="1"/>
-          </p:cNvSpPr>
-          <p:nvPr>
-            <p:ph idx="1"/>
-          </p:nvPr>
-        </p:nvSpPr>
-        <p:spPr/>
-        <p:txBody>
-          <a:bodyPr/>
-          <a:lstStyle/>
-          <a:p>
-            <a:endParaRPr lang="en-US"/>
-          </a:p>
-        </p:txBody>
-      </p:sp>
-    </p:spTree>
-    <p:extLst>
-      <p:ext uri="{BB962C8B-B14F-4D97-AF65-F5344CB8AC3E}">
-        <p14:creationId xmlns:p14="http://schemas.microsoft.com/office/powerpoint/2010/main" val="3531396460"/>
       </p:ext>
     </p:extLst>
   </p:cSld>
@@ -29503,6 +33997,246 @@
           <p:cNvPr id="2" name="Title 1">
             <a:extLst>
               <a:ext uri="{FF2B5EF4-FFF2-40B4-BE49-F238E27FC236}">
+                <a16:creationId xmlns:a16="http://schemas.microsoft.com/office/drawing/2014/main" id="{7908D859-CCFA-F248-8808-099FCC608150}"/>
+              </a:ext>
+            </a:extLst>
+          </p:cNvPr>
+          <p:cNvSpPr>
+            <a:spLocks noGrp="1"/>
+          </p:cNvSpPr>
+          <p:nvPr>
+            <p:ph type="title"/>
+          </p:nvPr>
+        </p:nvSpPr>
+        <p:spPr/>
+        <p:txBody>
+          <a:bodyPr/>
+          <a:lstStyle/>
+          <a:p>
+            <a:endParaRPr lang="en-US"/>
+          </a:p>
+        </p:txBody>
+      </p:sp>
+      <p:sp>
+        <p:nvSpPr>
+          <p:cNvPr id="3" name="Content Placeholder 2">
+            <a:extLst>
+              <a:ext uri="{FF2B5EF4-FFF2-40B4-BE49-F238E27FC236}">
+                <a16:creationId xmlns:a16="http://schemas.microsoft.com/office/drawing/2014/main" id="{1B1227D1-B621-4942-ACB5-1E182CFA822A}"/>
+              </a:ext>
+            </a:extLst>
+          </p:cNvPr>
+          <p:cNvSpPr>
+            <a:spLocks noGrp="1"/>
+          </p:cNvSpPr>
+          <p:nvPr>
+            <p:ph idx="1"/>
+          </p:nvPr>
+        </p:nvSpPr>
+        <p:spPr/>
+        <p:txBody>
+          <a:bodyPr/>
+          <a:lstStyle/>
+          <a:p>
+            <a:endParaRPr lang="en-US"/>
+          </a:p>
+        </p:txBody>
+      </p:sp>
+    </p:spTree>
+    <p:extLst>
+      <p:ext uri="{BB962C8B-B14F-4D97-AF65-F5344CB8AC3E}">
+        <p14:creationId xmlns:p14="http://schemas.microsoft.com/office/powerpoint/2010/main" val="367304367"/>
+      </p:ext>
+    </p:extLst>
+  </p:cSld>
+  <p:clrMapOvr>
+    <a:masterClrMapping/>
+  </p:clrMapOvr>
+</p:sld>
+</file>
+
+<file path=ppt/slides/slide51.xml><?xml version="1.0" encoding="utf-8"?>
+<p:sld xmlns:a="http://schemas.openxmlformats.org/drawingml/2006/main" xmlns:r="http://schemas.openxmlformats.org/officeDocument/2006/relationships" xmlns:p="http://schemas.openxmlformats.org/presentationml/2006/main">
+  <p:cSld>
+    <p:spTree>
+      <p:nvGrpSpPr>
+        <p:cNvPr id="1" name=""/>
+        <p:cNvGrpSpPr/>
+        <p:nvPr/>
+      </p:nvGrpSpPr>
+      <p:grpSpPr>
+        <a:xfrm>
+          <a:off x="0" y="0"/>
+          <a:ext cx="0" cy="0"/>
+          <a:chOff x="0" y="0"/>
+          <a:chExt cx="0" cy="0"/>
+        </a:xfrm>
+      </p:grpSpPr>
+      <p:sp>
+        <p:nvSpPr>
+          <p:cNvPr id="2" name="Title 1">
+            <a:extLst>
+              <a:ext uri="{FF2B5EF4-FFF2-40B4-BE49-F238E27FC236}">
+                <a16:creationId xmlns:a16="http://schemas.microsoft.com/office/drawing/2014/main" id="{9D1D36E5-5F41-4F40-A318-6B3A75058669}"/>
+              </a:ext>
+            </a:extLst>
+          </p:cNvPr>
+          <p:cNvSpPr>
+            <a:spLocks noGrp="1"/>
+          </p:cNvSpPr>
+          <p:nvPr>
+            <p:ph type="title"/>
+          </p:nvPr>
+        </p:nvSpPr>
+        <p:spPr/>
+        <p:txBody>
+          <a:bodyPr/>
+          <a:lstStyle/>
+          <a:p>
+            <a:endParaRPr lang="en-US"/>
+          </a:p>
+        </p:txBody>
+      </p:sp>
+      <p:sp>
+        <p:nvSpPr>
+          <p:cNvPr id="3" name="Content Placeholder 2">
+            <a:extLst>
+              <a:ext uri="{FF2B5EF4-FFF2-40B4-BE49-F238E27FC236}">
+                <a16:creationId xmlns:a16="http://schemas.microsoft.com/office/drawing/2014/main" id="{DB85E4E5-666B-A54E-AF21-8F4AEF2B79C3}"/>
+              </a:ext>
+            </a:extLst>
+          </p:cNvPr>
+          <p:cNvSpPr>
+            <a:spLocks noGrp="1"/>
+          </p:cNvSpPr>
+          <p:nvPr>
+            <p:ph idx="1"/>
+          </p:nvPr>
+        </p:nvSpPr>
+        <p:spPr/>
+        <p:txBody>
+          <a:bodyPr/>
+          <a:lstStyle/>
+          <a:p>
+            <a:endParaRPr lang="en-US"/>
+          </a:p>
+        </p:txBody>
+      </p:sp>
+    </p:spTree>
+    <p:extLst>
+      <p:ext uri="{BB962C8B-B14F-4D97-AF65-F5344CB8AC3E}">
+        <p14:creationId xmlns:p14="http://schemas.microsoft.com/office/powerpoint/2010/main" val="2265927823"/>
+      </p:ext>
+    </p:extLst>
+  </p:cSld>
+  <p:clrMapOvr>
+    <a:masterClrMapping/>
+  </p:clrMapOvr>
+</p:sld>
+</file>
+
+<file path=ppt/slides/slide52.xml><?xml version="1.0" encoding="utf-8"?>
+<p:sld xmlns:a="http://schemas.openxmlformats.org/drawingml/2006/main" xmlns:r="http://schemas.openxmlformats.org/officeDocument/2006/relationships" xmlns:p="http://schemas.openxmlformats.org/presentationml/2006/main">
+  <p:cSld>
+    <p:spTree>
+      <p:nvGrpSpPr>
+        <p:cNvPr id="1" name=""/>
+        <p:cNvGrpSpPr/>
+        <p:nvPr/>
+      </p:nvGrpSpPr>
+      <p:grpSpPr>
+        <a:xfrm>
+          <a:off x="0" y="0"/>
+          <a:ext cx="0" cy="0"/>
+          <a:chOff x="0" y="0"/>
+          <a:chExt cx="0" cy="0"/>
+        </a:xfrm>
+      </p:grpSpPr>
+      <p:sp>
+        <p:nvSpPr>
+          <p:cNvPr id="2" name="Title 1">
+            <a:extLst>
+              <a:ext uri="{FF2B5EF4-FFF2-40B4-BE49-F238E27FC236}">
+                <a16:creationId xmlns:a16="http://schemas.microsoft.com/office/drawing/2014/main" id="{C1BA4287-CE58-5443-9F47-8D9CFF8D68F9}"/>
+              </a:ext>
+            </a:extLst>
+          </p:cNvPr>
+          <p:cNvSpPr>
+            <a:spLocks noGrp="1"/>
+          </p:cNvSpPr>
+          <p:nvPr>
+            <p:ph type="title"/>
+          </p:nvPr>
+        </p:nvSpPr>
+        <p:spPr/>
+        <p:txBody>
+          <a:bodyPr/>
+          <a:lstStyle/>
+          <a:p>
+            <a:endParaRPr lang="en-US"/>
+          </a:p>
+        </p:txBody>
+      </p:sp>
+      <p:sp>
+        <p:nvSpPr>
+          <p:cNvPr id="3" name="Content Placeholder 2">
+            <a:extLst>
+              <a:ext uri="{FF2B5EF4-FFF2-40B4-BE49-F238E27FC236}">
+                <a16:creationId xmlns:a16="http://schemas.microsoft.com/office/drawing/2014/main" id="{C598E396-28A1-5A49-94C0-A404EE4AE7B5}"/>
+              </a:ext>
+            </a:extLst>
+          </p:cNvPr>
+          <p:cNvSpPr>
+            <a:spLocks noGrp="1"/>
+          </p:cNvSpPr>
+          <p:nvPr>
+            <p:ph idx="1"/>
+          </p:nvPr>
+        </p:nvSpPr>
+        <p:spPr/>
+        <p:txBody>
+          <a:bodyPr/>
+          <a:lstStyle/>
+          <a:p>
+            <a:endParaRPr lang="en-US"/>
+          </a:p>
+        </p:txBody>
+      </p:sp>
+    </p:spTree>
+    <p:extLst>
+      <p:ext uri="{BB962C8B-B14F-4D97-AF65-F5344CB8AC3E}">
+        <p14:creationId xmlns:p14="http://schemas.microsoft.com/office/powerpoint/2010/main" val="3531396460"/>
+      </p:ext>
+    </p:extLst>
+  </p:cSld>
+  <p:clrMapOvr>
+    <a:masterClrMapping/>
+  </p:clrMapOvr>
+</p:sld>
+</file>
+
+<file path=ppt/slides/slide53.xml><?xml version="1.0" encoding="utf-8"?>
+<p:sld xmlns:a="http://schemas.openxmlformats.org/drawingml/2006/main" xmlns:r="http://schemas.openxmlformats.org/officeDocument/2006/relationships" xmlns:p="http://schemas.openxmlformats.org/presentationml/2006/main">
+  <p:cSld>
+    <p:spTree>
+      <p:nvGrpSpPr>
+        <p:cNvPr id="1" name=""/>
+        <p:cNvGrpSpPr/>
+        <p:nvPr/>
+      </p:nvGrpSpPr>
+      <p:grpSpPr>
+        <a:xfrm>
+          <a:off x="0" y="0"/>
+          <a:ext cx="0" cy="0"/>
+          <a:chOff x="0" y="0"/>
+          <a:chExt cx="0" cy="0"/>
+        </a:xfrm>
+      </p:grpSpPr>
+      <p:sp>
+        <p:nvSpPr>
+          <p:cNvPr id="2" name="Title 1">
+            <a:extLst>
+              <a:ext uri="{FF2B5EF4-FFF2-40B4-BE49-F238E27FC236}">
                 <a16:creationId xmlns:a16="http://schemas.microsoft.com/office/drawing/2014/main" id="{C393FF19-AC75-D544-88C4-08386AFDB8DF}"/>
               </a:ext>
             </a:extLst>
@@ -29561,7 +34295,7 @@
 </p:sld>
 </file>
 
-<file path=ppt/slides/slide51.xml><?xml version="1.0" encoding="utf-8"?>
+<file path=ppt/slides/slide54.xml><?xml version="1.0" encoding="utf-8"?>
 <p:sld xmlns:a="http://schemas.openxmlformats.org/drawingml/2006/main" xmlns:r="http://schemas.openxmlformats.org/officeDocument/2006/relationships" xmlns:p="http://schemas.openxmlformats.org/presentationml/2006/main">
   <p:cSld>
     <p:spTree>
@@ -29641,7 +34375,7 @@
 </p:sld>
 </file>
 
-<file path=ppt/slides/slide52.xml><?xml version="1.0" encoding="utf-8"?>
+<file path=ppt/slides/slide55.xml><?xml version="1.0" encoding="utf-8"?>
 <p:sld xmlns:a="http://schemas.openxmlformats.org/drawingml/2006/main" xmlns:r="http://schemas.openxmlformats.org/officeDocument/2006/relationships" xmlns:p="http://schemas.openxmlformats.org/presentationml/2006/main">
   <p:cSld>
     <p:spTree>
@@ -29721,7 +34455,7 @@
 </p:sld>
 </file>
 
-<file path=ppt/slides/slide53.xml><?xml version="1.0" encoding="utf-8"?>
+<file path=ppt/slides/slide56.xml><?xml version="1.0" encoding="utf-8"?>
 <p:sld xmlns:a="http://schemas.openxmlformats.org/drawingml/2006/main" xmlns:r="http://schemas.openxmlformats.org/officeDocument/2006/relationships" xmlns:p="http://schemas.openxmlformats.org/presentationml/2006/main">
   <p:cSld>
     <p:spTree>
@@ -29801,7 +34535,7 @@
 </p:sld>
 </file>
 
-<file path=ppt/slides/slide54.xml><?xml version="1.0" encoding="utf-8"?>
+<file path=ppt/slides/slide57.xml><?xml version="1.0" encoding="utf-8"?>
 <p:sld xmlns:a="http://schemas.openxmlformats.org/drawingml/2006/main" xmlns:r="http://schemas.openxmlformats.org/officeDocument/2006/relationships" xmlns:p="http://schemas.openxmlformats.org/presentationml/2006/main">
   <p:cSld>
     <p:spTree>
@@ -29881,7 +34615,7 @@
 </p:sld>
 </file>
 
-<file path=ppt/slides/slide55.xml><?xml version="1.0" encoding="utf-8"?>
+<file path=ppt/slides/slide58.xml><?xml version="1.0" encoding="utf-8"?>
 <p:sld xmlns:a="http://schemas.openxmlformats.org/drawingml/2006/main" xmlns:r="http://schemas.openxmlformats.org/officeDocument/2006/relationships" xmlns:p="http://schemas.openxmlformats.org/presentationml/2006/main">
   <p:cSld>
     <p:spTree>
@@ -29961,7 +34695,7 @@
 </p:sld>
 </file>
 
-<file path=ppt/slides/slide56.xml><?xml version="1.0" encoding="utf-8"?>
+<file path=ppt/slides/slide59.xml><?xml version="1.0" encoding="utf-8"?>
 <p:sld xmlns:a="http://schemas.openxmlformats.org/drawingml/2006/main" xmlns:r="http://schemas.openxmlformats.org/officeDocument/2006/relationships" xmlns:p="http://schemas.openxmlformats.org/presentationml/2006/main">
   <p:cSld>
     <p:spTree>

--- a/E2M2-2020/Lectures-ppt/IntroCompartmentalModels.pptx
+++ b/E2M2-2020/Lectures-ppt/IntroCompartmentalModels.pptx
@@ -5,7 +5,7 @@
     <p:sldMasterId id="2147483911" r:id="rId1"/>
   </p:sldMasterIdLst>
   <p:notesMasterIdLst>
-    <p:notesMasterId r:id="rId61"/>
+    <p:notesMasterId r:id="rId62"/>
   </p:notesMasterIdLst>
   <p:sldIdLst>
     <p:sldId id="256" r:id="rId2"/>
@@ -47,26 +47,27 @@
     <p:sldId id="272" r:id="rId38"/>
     <p:sldId id="322" r:id="rId39"/>
     <p:sldId id="274" r:id="rId40"/>
-    <p:sldId id="275" r:id="rId41"/>
-    <p:sldId id="276" r:id="rId42"/>
-    <p:sldId id="277" r:id="rId43"/>
-    <p:sldId id="278" r:id="rId44"/>
-    <p:sldId id="279" r:id="rId45"/>
-    <p:sldId id="280" r:id="rId46"/>
-    <p:sldId id="281" r:id="rId47"/>
-    <p:sldId id="282" r:id="rId48"/>
-    <p:sldId id="283" r:id="rId49"/>
-    <p:sldId id="284" r:id="rId50"/>
-    <p:sldId id="285" r:id="rId51"/>
-    <p:sldId id="286" r:id="rId52"/>
-    <p:sldId id="287" r:id="rId53"/>
-    <p:sldId id="288" r:id="rId54"/>
-    <p:sldId id="289" r:id="rId55"/>
-    <p:sldId id="290" r:id="rId56"/>
-    <p:sldId id="291" r:id="rId57"/>
-    <p:sldId id="292" r:id="rId58"/>
-    <p:sldId id="293" r:id="rId59"/>
-    <p:sldId id="294" r:id="rId60"/>
+    <p:sldId id="326" r:id="rId41"/>
+    <p:sldId id="275" r:id="rId42"/>
+    <p:sldId id="276" r:id="rId43"/>
+    <p:sldId id="277" r:id="rId44"/>
+    <p:sldId id="278" r:id="rId45"/>
+    <p:sldId id="279" r:id="rId46"/>
+    <p:sldId id="280" r:id="rId47"/>
+    <p:sldId id="281" r:id="rId48"/>
+    <p:sldId id="282" r:id="rId49"/>
+    <p:sldId id="283" r:id="rId50"/>
+    <p:sldId id="284" r:id="rId51"/>
+    <p:sldId id="285" r:id="rId52"/>
+    <p:sldId id="286" r:id="rId53"/>
+    <p:sldId id="287" r:id="rId54"/>
+    <p:sldId id="288" r:id="rId55"/>
+    <p:sldId id="289" r:id="rId56"/>
+    <p:sldId id="290" r:id="rId57"/>
+    <p:sldId id="291" r:id="rId58"/>
+    <p:sldId id="292" r:id="rId59"/>
+    <p:sldId id="293" r:id="rId60"/>
+    <p:sldId id="294" r:id="rId61"/>
   </p:sldIdLst>
   <p:sldSz cx="9144000" cy="6858000" type="screen4x3"/>
   <p:notesSz cx="6858000" cy="9144000"/>
@@ -2003,6 +2004,230 @@
     <p:extLst>
       <p:ext uri="{BB962C8B-B14F-4D97-AF65-F5344CB8AC3E}">
         <p14:creationId xmlns:p14="http://schemas.microsoft.com/office/powerpoint/2010/main" val="357799342"/>
+      </p:ext>
+    </p:extLst>
+  </p:cSld>
+  <p:clrMapOvr>
+    <a:masterClrMapping/>
+  </p:clrMapOvr>
+</p:notes>
+</file>
+
+<file path=ppt/notesSlides/notesSlide20.xml><?xml version="1.0" encoding="utf-8"?>
+<p:notes xmlns:a="http://schemas.openxmlformats.org/drawingml/2006/main" xmlns:r="http://schemas.openxmlformats.org/officeDocument/2006/relationships" xmlns:p="http://schemas.openxmlformats.org/presentationml/2006/main">
+  <p:cSld>
+    <p:spTree>
+      <p:nvGrpSpPr>
+        <p:cNvPr id="1" name=""/>
+        <p:cNvGrpSpPr/>
+        <p:nvPr/>
+      </p:nvGrpSpPr>
+      <p:grpSpPr>
+        <a:xfrm>
+          <a:off x="0" y="0"/>
+          <a:ext cx="0" cy="0"/>
+          <a:chOff x="0" y="0"/>
+          <a:chExt cx="0" cy="0"/>
+        </a:xfrm>
+      </p:grpSpPr>
+      <p:sp>
+        <p:nvSpPr>
+          <p:cNvPr id="2" name="Slide Image Placeholder 1"/>
+          <p:cNvSpPr>
+            <a:spLocks noGrp="1" noRot="1" noChangeAspect="1"/>
+          </p:cNvSpPr>
+          <p:nvPr>
+            <p:ph type="sldImg"/>
+          </p:nvPr>
+        </p:nvSpPr>
+        <p:spPr/>
+      </p:sp>
+      <p:sp>
+        <p:nvSpPr>
+          <p:cNvPr id="3" name="Notes Placeholder 2"/>
+          <p:cNvSpPr>
+            <a:spLocks noGrp="1"/>
+          </p:cNvSpPr>
+          <p:nvPr>
+            <p:ph type="body" idx="1"/>
+          </p:nvPr>
+        </p:nvSpPr>
+        <p:spPr/>
+        <p:txBody>
+          <a:bodyPr/>
+          <a:lstStyle/>
+          <a:p>
+            <a:r>
+              <a:rPr lang="en-US" sz="1200" kern="1200" dirty="0">
+                <a:solidFill>
+                  <a:schemeClr val="tx1"/>
+                </a:solidFill>
+                <a:effectLst/>
+                <a:latin typeface="+mn-lt"/>
+                <a:ea typeface="+mn-ea"/>
+                <a:cs typeface="+mn-cs"/>
+              </a:rPr>
+              <a:t>so what is population growth rate here? </a:t>
+            </a:r>
+          </a:p>
+          <a:p>
+            <a:r>
+              <a:rPr lang="en-US" sz="1200" kern="1200" dirty="0">
+                <a:solidFill>
+                  <a:schemeClr val="tx1"/>
+                </a:solidFill>
+                <a:effectLst/>
+                <a:latin typeface="+mn-lt"/>
+                <a:ea typeface="+mn-ea"/>
+                <a:cs typeface="+mn-cs"/>
+              </a:rPr>
+              <a:t>DEPENDS on population structure! but you can extract the dominant eigenvalue of the matrix, and tells you want is is at equilibrium. </a:t>
+            </a:r>
+          </a:p>
+          <a:p>
+            <a:endParaRPr lang="en-US" dirty="0"/>
+          </a:p>
+        </p:txBody>
+      </p:sp>
+      <p:sp>
+        <p:nvSpPr>
+          <p:cNvPr id="4" name="Slide Number Placeholder 3"/>
+          <p:cNvSpPr>
+            <a:spLocks noGrp="1"/>
+          </p:cNvSpPr>
+          <p:nvPr>
+            <p:ph type="sldNum" sz="quarter" idx="5"/>
+          </p:nvPr>
+        </p:nvSpPr>
+        <p:spPr/>
+        <p:txBody>
+          <a:bodyPr/>
+          <a:lstStyle/>
+          <a:p>
+            <a:fld id="{A8C508D1-CDDD-6445-AC0B-42415DA4AB68}" type="slidenum">
+              <a:rPr lang="en-US" smtClean="0"/>
+              <a:t>39</a:t>
+            </a:fld>
+            <a:endParaRPr lang="en-US"/>
+          </a:p>
+        </p:txBody>
+      </p:sp>
+    </p:spTree>
+    <p:extLst>
+      <p:ext uri="{BB962C8B-B14F-4D97-AF65-F5344CB8AC3E}">
+        <p14:creationId xmlns:p14="http://schemas.microsoft.com/office/powerpoint/2010/main" val="182638132"/>
+      </p:ext>
+    </p:extLst>
+  </p:cSld>
+  <p:clrMapOvr>
+    <a:masterClrMapping/>
+  </p:clrMapOvr>
+</p:notes>
+</file>
+
+<file path=ppt/notesSlides/notesSlide21.xml><?xml version="1.0" encoding="utf-8"?>
+<p:notes xmlns:a="http://schemas.openxmlformats.org/drawingml/2006/main" xmlns:r="http://schemas.openxmlformats.org/officeDocument/2006/relationships" xmlns:p="http://schemas.openxmlformats.org/presentationml/2006/main">
+  <p:cSld>
+    <p:spTree>
+      <p:nvGrpSpPr>
+        <p:cNvPr id="1" name=""/>
+        <p:cNvGrpSpPr/>
+        <p:nvPr/>
+      </p:nvGrpSpPr>
+      <p:grpSpPr>
+        <a:xfrm>
+          <a:off x="0" y="0"/>
+          <a:ext cx="0" cy="0"/>
+          <a:chOff x="0" y="0"/>
+          <a:chExt cx="0" cy="0"/>
+        </a:xfrm>
+      </p:grpSpPr>
+      <p:sp>
+        <p:nvSpPr>
+          <p:cNvPr id="2" name="Slide Image Placeholder 1"/>
+          <p:cNvSpPr>
+            <a:spLocks noGrp="1" noRot="1" noChangeAspect="1"/>
+          </p:cNvSpPr>
+          <p:nvPr>
+            <p:ph type="sldImg"/>
+          </p:nvPr>
+        </p:nvSpPr>
+        <p:spPr/>
+      </p:sp>
+      <p:sp>
+        <p:nvSpPr>
+          <p:cNvPr id="3" name="Notes Placeholder 2"/>
+          <p:cNvSpPr>
+            <a:spLocks noGrp="1"/>
+          </p:cNvSpPr>
+          <p:nvPr>
+            <p:ph type="body" idx="1"/>
+          </p:nvPr>
+        </p:nvSpPr>
+        <p:spPr/>
+        <p:txBody>
+          <a:bodyPr/>
+          <a:lstStyle/>
+          <a:p>
+            <a:r>
+              <a:rPr lang="en-US" sz="1200" kern="1200" dirty="0">
+                <a:solidFill>
+                  <a:schemeClr val="tx1"/>
+                </a:solidFill>
+                <a:effectLst/>
+                <a:latin typeface="+mn-lt"/>
+                <a:ea typeface="+mn-ea"/>
+                <a:cs typeface="+mn-cs"/>
+              </a:rPr>
+              <a:t>so what is population growth rate here? </a:t>
+            </a:r>
+          </a:p>
+          <a:p>
+            <a:r>
+              <a:rPr lang="en-US" sz="1200" kern="1200" dirty="0">
+                <a:solidFill>
+                  <a:schemeClr val="tx1"/>
+                </a:solidFill>
+                <a:effectLst/>
+                <a:latin typeface="+mn-lt"/>
+                <a:ea typeface="+mn-ea"/>
+                <a:cs typeface="+mn-cs"/>
+              </a:rPr>
+              <a:t>DEPENDS on population structure! but you can extract the dominant eigenvalue of the matrix, and tells you want is is at equilibrium. </a:t>
+            </a:r>
+          </a:p>
+          <a:p>
+            <a:endParaRPr lang="en-US" dirty="0"/>
+          </a:p>
+        </p:txBody>
+      </p:sp>
+      <p:sp>
+        <p:nvSpPr>
+          <p:cNvPr id="4" name="Slide Number Placeholder 3"/>
+          <p:cNvSpPr>
+            <a:spLocks noGrp="1"/>
+          </p:cNvSpPr>
+          <p:nvPr>
+            <p:ph type="sldNum" sz="quarter" idx="5"/>
+          </p:nvPr>
+        </p:nvSpPr>
+        <p:spPr/>
+        <p:txBody>
+          <a:bodyPr/>
+          <a:lstStyle/>
+          <a:p>
+            <a:fld id="{A8C508D1-CDDD-6445-AC0B-42415DA4AB68}" type="slidenum">
+              <a:rPr lang="en-US" smtClean="0"/>
+              <a:t>40</a:t>
+            </a:fld>
+            <a:endParaRPr lang="en-US"/>
+          </a:p>
+        </p:txBody>
+      </p:sp>
+    </p:spTree>
+    <p:extLst>
+      <p:ext uri="{BB962C8B-B14F-4D97-AF65-F5344CB8AC3E}">
+        <p14:creationId xmlns:p14="http://schemas.microsoft.com/office/powerpoint/2010/main" val="463317159"/>
       </p:ext>
     </p:extLst>
   </p:cSld>
@@ -31970,6 +32195,2100 @@
           </p:txBody>
         </p:sp>
       </p:grpSp>
+      <p:sp>
+        <p:nvSpPr>
+          <p:cNvPr id="29" name="Rectangle 28">
+            <a:extLst>
+              <a:ext uri="{FF2B5EF4-FFF2-40B4-BE49-F238E27FC236}">
+                <a16:creationId xmlns:a16="http://schemas.microsoft.com/office/drawing/2014/main" id="{10B391E2-C8F8-0D41-A7AB-414306BD231C}"/>
+              </a:ext>
+            </a:extLst>
+          </p:cNvPr>
+          <p:cNvSpPr/>
+          <p:nvPr/>
+        </p:nvSpPr>
+        <p:spPr>
+          <a:xfrm>
+            <a:off x="4695847" y="336665"/>
+            <a:ext cx="2904641" cy="369332"/>
+          </a:xfrm>
+          <a:prstGeom prst="rect">
+            <a:avLst/>
+          </a:prstGeom>
+        </p:spPr>
+        <p:txBody>
+          <a:bodyPr wrap="none">
+            <a:spAutoFit/>
+          </a:bodyPr>
+          <a:lstStyle/>
+          <a:p>
+            <a:r>
+              <a:rPr lang="en-US" dirty="0">
+                <a:solidFill>
+                  <a:srgbClr val="FF0000"/>
+                </a:solidFill>
+              </a:rPr>
+              <a:t>Structured population model</a:t>
+            </a:r>
+          </a:p>
+        </p:txBody>
+      </p:sp>
+      <p:sp>
+        <p:nvSpPr>
+          <p:cNvPr id="30" name="Rectangle 29">
+            <a:extLst>
+              <a:ext uri="{FF2B5EF4-FFF2-40B4-BE49-F238E27FC236}">
+                <a16:creationId xmlns:a16="http://schemas.microsoft.com/office/drawing/2014/main" id="{19A8B827-8237-BC47-8814-7B7F63F82B35}"/>
+              </a:ext>
+            </a:extLst>
+          </p:cNvPr>
+          <p:cNvSpPr/>
+          <p:nvPr/>
+        </p:nvSpPr>
+        <p:spPr>
+          <a:xfrm>
+            <a:off x="4514593" y="705997"/>
+            <a:ext cx="3724096" cy="369332"/>
+          </a:xfrm>
+          <a:prstGeom prst="rect">
+            <a:avLst/>
+          </a:prstGeom>
+        </p:spPr>
+        <p:txBody>
+          <a:bodyPr wrap="none">
+            <a:spAutoFit/>
+          </a:bodyPr>
+          <a:lstStyle/>
+          <a:p>
+            <a:r>
+              <a:rPr lang="en-US" dirty="0" err="1">
+                <a:solidFill>
+                  <a:srgbClr val="0365C0"/>
+                </a:solidFill>
+                <a:effectLst/>
+                <a:latin typeface="Helvetica" pitchFamily="2" charset="0"/>
+              </a:rPr>
+              <a:t>Modèle</a:t>
+            </a:r>
+            <a:r>
+              <a:rPr lang="en-US" dirty="0">
+                <a:solidFill>
+                  <a:srgbClr val="0365C0"/>
+                </a:solidFill>
+                <a:effectLst/>
+                <a:latin typeface="Helvetica" pitchFamily="2" charset="0"/>
+              </a:rPr>
+              <a:t> de la population </a:t>
+            </a:r>
+            <a:r>
+              <a:rPr lang="en-US" dirty="0" err="1">
+                <a:solidFill>
+                  <a:srgbClr val="0365C0"/>
+                </a:solidFill>
+                <a:effectLst/>
+                <a:latin typeface="Helvetica" pitchFamily="2" charset="0"/>
+              </a:rPr>
+              <a:t>structurée</a:t>
+            </a:r>
+            <a:endParaRPr lang="en-US" dirty="0">
+              <a:solidFill>
+                <a:srgbClr val="0365C0"/>
+              </a:solidFill>
+              <a:effectLst/>
+              <a:latin typeface="Helvetica" pitchFamily="2" charset="0"/>
+            </a:endParaRPr>
+          </a:p>
+        </p:txBody>
+      </p:sp>
+      <p:pic>
+        <p:nvPicPr>
+          <p:cNvPr id="31" name="Picture 30">
+            <a:extLst>
+              <a:ext uri="{FF2B5EF4-FFF2-40B4-BE49-F238E27FC236}">
+                <a16:creationId xmlns:a16="http://schemas.microsoft.com/office/drawing/2014/main" id="{40F439D4-EEBC-7449-A990-0762C6B96E0E}"/>
+              </a:ext>
+            </a:extLst>
+          </p:cNvPr>
+          <p:cNvPicPr>
+            <a:picLocks noChangeAspect="1"/>
+          </p:cNvPicPr>
+          <p:nvPr/>
+        </p:nvPicPr>
+        <p:blipFill>
+          <a:blip r:embed="rId3"/>
+          <a:stretch>
+            <a:fillRect/>
+          </a:stretch>
+        </p:blipFill>
+        <p:spPr>
+          <a:xfrm>
+            <a:off x="4695847" y="1402711"/>
+            <a:ext cx="2463800" cy="444500"/>
+          </a:xfrm>
+          <a:prstGeom prst="rect">
+            <a:avLst/>
+          </a:prstGeom>
+        </p:spPr>
+      </p:pic>
+      <p:grpSp>
+        <p:nvGrpSpPr>
+          <p:cNvPr id="33" name="Group 32">
+            <a:extLst>
+              <a:ext uri="{FF2B5EF4-FFF2-40B4-BE49-F238E27FC236}">
+                <a16:creationId xmlns:a16="http://schemas.microsoft.com/office/drawing/2014/main" id="{8390094F-A63C-334B-9A6C-F1968C1E93CA}"/>
+              </a:ext>
+            </a:extLst>
+          </p:cNvPr>
+          <p:cNvGrpSpPr/>
+          <p:nvPr/>
+        </p:nvGrpSpPr>
+        <p:grpSpPr>
+          <a:xfrm>
+            <a:off x="470642" y="4048303"/>
+            <a:ext cx="1759163" cy="1560586"/>
+            <a:chOff x="4317811" y="5184589"/>
+            <a:chExt cx="1759163" cy="1560586"/>
+          </a:xfrm>
+        </p:grpSpPr>
+        <p:sp>
+          <p:nvSpPr>
+            <p:cNvPr id="34" name="Rectangle 33">
+              <a:extLst>
+                <a:ext uri="{FF2B5EF4-FFF2-40B4-BE49-F238E27FC236}">
+                  <a16:creationId xmlns:a16="http://schemas.microsoft.com/office/drawing/2014/main" id="{E6D994EF-9A57-C844-93F8-03ECDF0F6461}"/>
+                </a:ext>
+              </a:extLst>
+            </p:cNvPr>
+            <p:cNvSpPr/>
+            <p:nvPr/>
+          </p:nvSpPr>
+          <p:spPr>
+            <a:xfrm>
+              <a:off x="4317811" y="5198636"/>
+              <a:ext cx="875243" cy="771882"/>
+            </a:xfrm>
+            <a:prstGeom prst="rect">
+              <a:avLst/>
+            </a:prstGeom>
+            <a:noFill/>
+            <a:ln>
+              <a:solidFill>
+                <a:schemeClr val="tx1"/>
+              </a:solidFill>
+            </a:ln>
+          </p:spPr>
+          <p:style>
+            <a:lnRef idx="2">
+              <a:schemeClr val="accent1">
+                <a:shade val="50000"/>
+              </a:schemeClr>
+            </a:lnRef>
+            <a:fillRef idx="1">
+              <a:schemeClr val="accent1"/>
+            </a:fillRef>
+            <a:effectRef idx="0">
+              <a:schemeClr val="accent1"/>
+            </a:effectRef>
+            <a:fontRef idx="minor">
+              <a:schemeClr val="lt1"/>
+            </a:fontRef>
+          </p:style>
+          <p:txBody>
+            <a:bodyPr rtlCol="0" anchor="ctr"/>
+            <a:lstStyle/>
+            <a:p>
+              <a:pPr algn="ctr"/>
+              <a:r>
+                <a:rPr lang="en-US" dirty="0">
+                  <a:solidFill>
+                    <a:schemeClr val="tx1"/>
+                  </a:solidFill>
+                </a:rPr>
+                <a:t>s</a:t>
+              </a:r>
+              <a:r>
+                <a:rPr lang="en-US" baseline="-25000" dirty="0">
+                  <a:solidFill>
+                    <a:schemeClr val="tx1"/>
+                  </a:solidFill>
+                </a:rPr>
+                <a:t>b</a:t>
+              </a:r>
+              <a:r>
+                <a:rPr lang="en-US" dirty="0">
+                  <a:solidFill>
+                    <a:schemeClr val="tx1"/>
+                  </a:solidFill>
+                </a:rPr>
+                <a:t>(1-</a:t>
+              </a:r>
+              <a:r>
+                <a:rPr lang="en-US" i="1" dirty="0">
+                  <a:solidFill>
+                    <a:schemeClr val="tx1"/>
+                  </a:solidFill>
+                </a:rPr>
+                <a:t>a</a:t>
+              </a:r>
+              <a:r>
+                <a:rPr lang="en-US" dirty="0">
+                  <a:solidFill>
+                    <a:schemeClr val="tx1"/>
+                  </a:solidFill>
+                </a:rPr>
+                <a:t>)</a:t>
+              </a:r>
+            </a:p>
+          </p:txBody>
+        </p:sp>
+        <p:sp>
+          <p:nvSpPr>
+            <p:cNvPr id="35" name="Rectangle 34">
+              <a:extLst>
+                <a:ext uri="{FF2B5EF4-FFF2-40B4-BE49-F238E27FC236}">
+                  <a16:creationId xmlns:a16="http://schemas.microsoft.com/office/drawing/2014/main" id="{70EE05BF-EA5B-0D4C-8C01-1866D1EBD538}"/>
+                </a:ext>
+              </a:extLst>
+            </p:cNvPr>
+            <p:cNvSpPr/>
+            <p:nvPr/>
+          </p:nvSpPr>
+          <p:spPr>
+            <a:xfrm>
+              <a:off x="5193054" y="5184589"/>
+              <a:ext cx="875243" cy="771882"/>
+            </a:xfrm>
+            <a:prstGeom prst="rect">
+              <a:avLst/>
+            </a:prstGeom>
+            <a:noFill/>
+            <a:ln>
+              <a:solidFill>
+                <a:schemeClr val="tx1"/>
+              </a:solidFill>
+            </a:ln>
+          </p:spPr>
+          <p:style>
+            <a:lnRef idx="2">
+              <a:schemeClr val="accent1">
+                <a:shade val="50000"/>
+              </a:schemeClr>
+            </a:lnRef>
+            <a:fillRef idx="1">
+              <a:schemeClr val="accent1"/>
+            </a:fillRef>
+            <a:effectRef idx="0">
+              <a:schemeClr val="accent1"/>
+            </a:effectRef>
+            <a:fontRef idx="minor">
+              <a:schemeClr val="lt1"/>
+            </a:fontRef>
+          </p:style>
+          <p:txBody>
+            <a:bodyPr rtlCol="0" anchor="ctr"/>
+            <a:lstStyle/>
+            <a:p>
+              <a:pPr algn="ctr"/>
+              <a:r>
+                <a:rPr lang="en-US" i="1" dirty="0">
+                  <a:solidFill>
+                    <a:schemeClr val="tx1"/>
+                  </a:solidFill>
+                </a:rPr>
+                <a:t>B</a:t>
+              </a:r>
+            </a:p>
+          </p:txBody>
+        </p:sp>
+        <p:sp>
+          <p:nvSpPr>
+            <p:cNvPr id="36" name="Rectangle 35">
+              <a:extLst>
+                <a:ext uri="{FF2B5EF4-FFF2-40B4-BE49-F238E27FC236}">
+                  <a16:creationId xmlns:a16="http://schemas.microsoft.com/office/drawing/2014/main" id="{DCB9BB8A-A6C0-5B42-8CE8-9C7B5AD1A3FA}"/>
+                </a:ext>
+              </a:extLst>
+            </p:cNvPr>
+            <p:cNvSpPr/>
+            <p:nvPr/>
+          </p:nvSpPr>
+          <p:spPr>
+            <a:xfrm>
+              <a:off x="4317811" y="5970518"/>
+              <a:ext cx="875243" cy="771882"/>
+            </a:xfrm>
+            <a:prstGeom prst="rect">
+              <a:avLst/>
+            </a:prstGeom>
+            <a:noFill/>
+            <a:ln>
+              <a:solidFill>
+                <a:schemeClr val="tx1"/>
+              </a:solidFill>
+            </a:ln>
+          </p:spPr>
+          <p:style>
+            <a:lnRef idx="2">
+              <a:schemeClr val="accent1">
+                <a:shade val="50000"/>
+              </a:schemeClr>
+            </a:lnRef>
+            <a:fillRef idx="1">
+              <a:schemeClr val="accent1"/>
+            </a:fillRef>
+            <a:effectRef idx="0">
+              <a:schemeClr val="accent1"/>
+            </a:effectRef>
+            <a:fontRef idx="minor">
+              <a:schemeClr val="lt1"/>
+            </a:fontRef>
+          </p:style>
+          <p:txBody>
+            <a:bodyPr rtlCol="0" anchor="ctr"/>
+            <a:lstStyle/>
+            <a:p>
+              <a:pPr algn="ctr"/>
+              <a:r>
+                <a:rPr lang="en-US" dirty="0" err="1">
+                  <a:solidFill>
+                    <a:schemeClr val="tx1"/>
+                  </a:solidFill>
+                </a:rPr>
+                <a:t>s</a:t>
+              </a:r>
+              <a:r>
+                <a:rPr lang="en-US" baseline="-25000" dirty="0" err="1">
+                  <a:solidFill>
+                    <a:schemeClr val="tx1"/>
+                  </a:solidFill>
+                </a:rPr>
+                <a:t>b</a:t>
+              </a:r>
+              <a:r>
+                <a:rPr lang="en-US" dirty="0" err="1">
+                  <a:solidFill>
+                    <a:schemeClr val="tx1"/>
+                  </a:solidFill>
+                </a:rPr>
+                <a:t>a</a:t>
+              </a:r>
+              <a:endParaRPr lang="en-US" dirty="0">
+                <a:solidFill>
+                  <a:schemeClr val="tx1"/>
+                </a:solidFill>
+              </a:endParaRPr>
+            </a:p>
+          </p:txBody>
+        </p:sp>
+        <p:sp>
+          <p:nvSpPr>
+            <p:cNvPr id="37" name="Rectangle 36">
+              <a:extLst>
+                <a:ext uri="{FF2B5EF4-FFF2-40B4-BE49-F238E27FC236}">
+                  <a16:creationId xmlns:a16="http://schemas.microsoft.com/office/drawing/2014/main" id="{0C3567D3-2342-A24E-9885-DC1C9E30F5CC}"/>
+                </a:ext>
+              </a:extLst>
+            </p:cNvPr>
+            <p:cNvSpPr/>
+            <p:nvPr/>
+          </p:nvSpPr>
+          <p:spPr>
+            <a:xfrm>
+              <a:off x="5201731" y="5970518"/>
+              <a:ext cx="875243" cy="774657"/>
+            </a:xfrm>
+            <a:prstGeom prst="rect">
+              <a:avLst/>
+            </a:prstGeom>
+            <a:noFill/>
+            <a:ln>
+              <a:solidFill>
+                <a:schemeClr val="tx1"/>
+              </a:solidFill>
+            </a:ln>
+          </p:spPr>
+          <p:style>
+            <a:lnRef idx="2">
+              <a:schemeClr val="accent1">
+                <a:shade val="50000"/>
+              </a:schemeClr>
+            </a:lnRef>
+            <a:fillRef idx="1">
+              <a:schemeClr val="accent1"/>
+            </a:fillRef>
+            <a:effectRef idx="0">
+              <a:schemeClr val="accent1"/>
+            </a:effectRef>
+            <a:fontRef idx="minor">
+              <a:schemeClr val="lt1"/>
+            </a:fontRef>
+          </p:style>
+          <p:txBody>
+            <a:bodyPr rtlCol="0" anchor="ctr"/>
+            <a:lstStyle/>
+            <a:p>
+              <a:pPr algn="ctr"/>
+              <a:r>
+                <a:rPr lang="en-US" dirty="0" err="1">
+                  <a:solidFill>
+                    <a:schemeClr val="tx1"/>
+                  </a:solidFill>
+                </a:rPr>
+                <a:t>s</a:t>
+              </a:r>
+              <a:r>
+                <a:rPr lang="en-US" baseline="-25000" dirty="0" err="1">
+                  <a:solidFill>
+                    <a:schemeClr val="tx1"/>
+                  </a:solidFill>
+                </a:rPr>
+                <a:t>a</a:t>
+              </a:r>
+              <a:endParaRPr lang="en-US" baseline="-25000" dirty="0">
+                <a:solidFill>
+                  <a:schemeClr val="tx1"/>
+                </a:solidFill>
+              </a:endParaRPr>
+            </a:p>
+          </p:txBody>
+        </p:sp>
+      </p:grpSp>
+      <p:sp>
+        <p:nvSpPr>
+          <p:cNvPr id="38" name="Rectangle 37">
+            <a:extLst>
+              <a:ext uri="{FF2B5EF4-FFF2-40B4-BE49-F238E27FC236}">
+                <a16:creationId xmlns:a16="http://schemas.microsoft.com/office/drawing/2014/main" id="{3821788C-DDEB-6740-A896-56C96F181346}"/>
+              </a:ext>
+            </a:extLst>
+          </p:cNvPr>
+          <p:cNvSpPr/>
+          <p:nvPr/>
+        </p:nvSpPr>
+        <p:spPr>
+          <a:xfrm>
+            <a:off x="3259967" y="4048303"/>
+            <a:ext cx="867295" cy="771882"/>
+          </a:xfrm>
+          <a:prstGeom prst="rect">
+            <a:avLst/>
+          </a:prstGeom>
+          <a:noFill/>
+          <a:ln>
+            <a:solidFill>
+              <a:schemeClr val="tx1"/>
+            </a:solidFill>
+          </a:ln>
+        </p:spPr>
+        <p:style>
+          <a:lnRef idx="2">
+            <a:schemeClr val="accent1">
+              <a:shade val="50000"/>
+            </a:schemeClr>
+          </a:lnRef>
+          <a:fillRef idx="1">
+            <a:schemeClr val="accent1"/>
+          </a:fillRef>
+          <a:effectRef idx="0">
+            <a:schemeClr val="accent1"/>
+          </a:effectRef>
+          <a:fontRef idx="minor">
+            <a:schemeClr val="lt1"/>
+          </a:fontRef>
+        </p:style>
+        <p:txBody>
+          <a:bodyPr rtlCol="0" anchor="ctr"/>
+          <a:lstStyle/>
+          <a:p>
+            <a:pPr algn="ctr"/>
+            <a:r>
+              <a:rPr lang="en-US" dirty="0" err="1">
+                <a:solidFill>
+                  <a:schemeClr val="tx1"/>
+                </a:solidFill>
+              </a:rPr>
+              <a:t>n</a:t>
+            </a:r>
+            <a:r>
+              <a:rPr lang="en-US" baseline="-25000" dirty="0" err="1">
+                <a:solidFill>
+                  <a:schemeClr val="tx1"/>
+                </a:solidFill>
+              </a:rPr>
+              <a:t>b</a:t>
+            </a:r>
+            <a:endParaRPr lang="en-US" baseline="-25000" dirty="0">
+              <a:solidFill>
+                <a:schemeClr val="tx1"/>
+              </a:solidFill>
+            </a:endParaRPr>
+          </a:p>
+        </p:txBody>
+      </p:sp>
+      <p:sp>
+        <p:nvSpPr>
+          <p:cNvPr id="39" name="Rectangle 38">
+            <a:extLst>
+              <a:ext uri="{FF2B5EF4-FFF2-40B4-BE49-F238E27FC236}">
+                <a16:creationId xmlns:a16="http://schemas.microsoft.com/office/drawing/2014/main" id="{FA1A1D01-3543-EB47-9444-95FDB21981F0}"/>
+              </a:ext>
+            </a:extLst>
+          </p:cNvPr>
+          <p:cNvSpPr/>
+          <p:nvPr/>
+        </p:nvSpPr>
+        <p:spPr>
+          <a:xfrm>
+            <a:off x="3252019" y="4834232"/>
+            <a:ext cx="875243" cy="774657"/>
+          </a:xfrm>
+          <a:prstGeom prst="rect">
+            <a:avLst/>
+          </a:prstGeom>
+          <a:noFill/>
+          <a:ln>
+            <a:solidFill>
+              <a:schemeClr val="tx1"/>
+            </a:solidFill>
+          </a:ln>
+        </p:spPr>
+        <p:style>
+          <a:lnRef idx="2">
+            <a:schemeClr val="accent1">
+              <a:shade val="50000"/>
+            </a:schemeClr>
+          </a:lnRef>
+          <a:fillRef idx="1">
+            <a:schemeClr val="accent1"/>
+          </a:fillRef>
+          <a:effectRef idx="0">
+            <a:schemeClr val="accent1"/>
+          </a:effectRef>
+          <a:fontRef idx="minor">
+            <a:schemeClr val="lt1"/>
+          </a:fontRef>
+        </p:style>
+        <p:txBody>
+          <a:bodyPr rtlCol="0" anchor="ctr"/>
+          <a:lstStyle/>
+          <a:p>
+            <a:pPr algn="ctr"/>
+            <a:r>
+              <a:rPr lang="en-US" dirty="0" err="1">
+                <a:solidFill>
+                  <a:schemeClr val="tx1"/>
+                </a:solidFill>
+              </a:rPr>
+              <a:t>n</a:t>
+            </a:r>
+            <a:r>
+              <a:rPr lang="en-US" baseline="-25000" dirty="0" err="1">
+                <a:solidFill>
+                  <a:schemeClr val="tx1"/>
+                </a:solidFill>
+              </a:rPr>
+              <a:t>a</a:t>
+            </a:r>
+            <a:endParaRPr lang="en-US" baseline="-25000" dirty="0">
+              <a:solidFill>
+                <a:schemeClr val="tx1"/>
+              </a:solidFill>
+            </a:endParaRPr>
+          </a:p>
+        </p:txBody>
+      </p:sp>
+      <p:sp>
+        <p:nvSpPr>
+          <p:cNvPr id="40" name="Rectangle 39">
+            <a:extLst>
+              <a:ext uri="{FF2B5EF4-FFF2-40B4-BE49-F238E27FC236}">
+                <a16:creationId xmlns:a16="http://schemas.microsoft.com/office/drawing/2014/main" id="{3F945E1B-F951-AC40-A5EA-A36765F0A972}"/>
+              </a:ext>
+            </a:extLst>
+          </p:cNvPr>
+          <p:cNvSpPr/>
+          <p:nvPr/>
+        </p:nvSpPr>
+        <p:spPr>
+          <a:xfrm>
+            <a:off x="5016740" y="4048303"/>
+            <a:ext cx="2281835" cy="771882"/>
+          </a:xfrm>
+          <a:prstGeom prst="rect">
+            <a:avLst/>
+          </a:prstGeom>
+          <a:noFill/>
+          <a:ln>
+            <a:solidFill>
+              <a:schemeClr val="tx1"/>
+            </a:solidFill>
+          </a:ln>
+        </p:spPr>
+        <p:style>
+          <a:lnRef idx="2">
+            <a:schemeClr val="accent1">
+              <a:shade val="50000"/>
+            </a:schemeClr>
+          </a:lnRef>
+          <a:fillRef idx="1">
+            <a:schemeClr val="accent1"/>
+          </a:fillRef>
+          <a:effectRef idx="0">
+            <a:schemeClr val="accent1"/>
+          </a:effectRef>
+          <a:fontRef idx="minor">
+            <a:schemeClr val="lt1"/>
+          </a:fontRef>
+        </p:style>
+        <p:txBody>
+          <a:bodyPr rtlCol="0" anchor="ctr"/>
+          <a:lstStyle/>
+          <a:p>
+            <a:pPr algn="ctr"/>
+            <a:r>
+              <a:rPr lang="en-US" dirty="0">
+                <a:solidFill>
+                  <a:schemeClr val="tx1"/>
+                </a:solidFill>
+              </a:rPr>
+              <a:t>s</a:t>
+            </a:r>
+            <a:r>
+              <a:rPr lang="en-US" baseline="-25000" dirty="0">
+                <a:solidFill>
+                  <a:schemeClr val="tx1"/>
+                </a:solidFill>
+              </a:rPr>
+              <a:t>b</a:t>
+            </a:r>
+            <a:r>
+              <a:rPr lang="en-US" dirty="0">
+                <a:solidFill>
+                  <a:schemeClr val="tx1"/>
+                </a:solidFill>
+              </a:rPr>
+              <a:t>(1-</a:t>
+            </a:r>
+            <a:r>
+              <a:rPr lang="en-US" i="1" dirty="0">
+                <a:solidFill>
+                  <a:schemeClr val="tx1"/>
+                </a:solidFill>
+              </a:rPr>
+              <a:t>a</a:t>
+            </a:r>
+            <a:r>
+              <a:rPr lang="en-US" dirty="0">
+                <a:solidFill>
+                  <a:schemeClr val="tx1"/>
+                </a:solidFill>
+              </a:rPr>
+              <a:t>) </a:t>
+            </a:r>
+            <a:r>
+              <a:rPr lang="en-US" dirty="0" err="1">
+                <a:solidFill>
+                  <a:schemeClr val="tx1"/>
+                </a:solidFill>
+              </a:rPr>
+              <a:t>n</a:t>
+            </a:r>
+            <a:r>
+              <a:rPr lang="en-US" baseline="-25000" dirty="0" err="1">
+                <a:solidFill>
+                  <a:schemeClr val="tx1"/>
+                </a:solidFill>
+              </a:rPr>
+              <a:t>b</a:t>
+            </a:r>
+            <a:r>
+              <a:rPr lang="en-US" baseline="-25000" dirty="0">
+                <a:solidFill>
+                  <a:schemeClr val="tx1"/>
+                </a:solidFill>
+              </a:rPr>
+              <a:t> </a:t>
+            </a:r>
+            <a:r>
+              <a:rPr lang="en-US" dirty="0">
+                <a:solidFill>
+                  <a:schemeClr val="tx1"/>
+                </a:solidFill>
+              </a:rPr>
+              <a:t>+ </a:t>
+            </a:r>
+            <a:r>
+              <a:rPr lang="en-US" dirty="0" err="1">
+                <a:solidFill>
+                  <a:schemeClr val="tx1"/>
+                </a:solidFill>
+              </a:rPr>
+              <a:t>bn</a:t>
+            </a:r>
+            <a:r>
+              <a:rPr lang="en-US" baseline="-25000" dirty="0" err="1">
+                <a:solidFill>
+                  <a:schemeClr val="tx1"/>
+                </a:solidFill>
+              </a:rPr>
+              <a:t>a</a:t>
+            </a:r>
+            <a:r>
+              <a:rPr lang="en-US" dirty="0">
+                <a:solidFill>
+                  <a:schemeClr val="tx1"/>
+                </a:solidFill>
+              </a:rPr>
+              <a:t> </a:t>
+            </a:r>
+          </a:p>
+        </p:txBody>
+      </p:sp>
+      <p:sp>
+        <p:nvSpPr>
+          <p:cNvPr id="41" name="Rectangle 40">
+            <a:extLst>
+              <a:ext uri="{FF2B5EF4-FFF2-40B4-BE49-F238E27FC236}">
+                <a16:creationId xmlns:a16="http://schemas.microsoft.com/office/drawing/2014/main" id="{FBE88949-D98C-9040-A74B-FCFF89BB8371}"/>
+              </a:ext>
+            </a:extLst>
+          </p:cNvPr>
+          <p:cNvSpPr/>
+          <p:nvPr/>
+        </p:nvSpPr>
+        <p:spPr>
+          <a:xfrm>
+            <a:off x="5008792" y="4834232"/>
+            <a:ext cx="2289783" cy="774657"/>
+          </a:xfrm>
+          <a:prstGeom prst="rect">
+            <a:avLst/>
+          </a:prstGeom>
+          <a:noFill/>
+          <a:ln>
+            <a:solidFill>
+              <a:schemeClr val="tx1"/>
+            </a:solidFill>
+          </a:ln>
+        </p:spPr>
+        <p:style>
+          <a:lnRef idx="2">
+            <a:schemeClr val="accent1">
+              <a:shade val="50000"/>
+            </a:schemeClr>
+          </a:lnRef>
+          <a:fillRef idx="1">
+            <a:schemeClr val="accent1"/>
+          </a:fillRef>
+          <a:effectRef idx="0">
+            <a:schemeClr val="accent1"/>
+          </a:effectRef>
+          <a:fontRef idx="minor">
+            <a:schemeClr val="lt1"/>
+          </a:fontRef>
+        </p:style>
+        <p:txBody>
+          <a:bodyPr rtlCol="0" anchor="ctr"/>
+          <a:lstStyle/>
+          <a:p>
+            <a:pPr algn="ctr"/>
+            <a:r>
+              <a:rPr lang="en-US" dirty="0">
+                <a:solidFill>
+                  <a:schemeClr val="tx1"/>
+                </a:solidFill>
+              </a:rPr>
+              <a:t>s</a:t>
+            </a:r>
+            <a:r>
+              <a:rPr lang="en-US" baseline="-25000" dirty="0">
+                <a:solidFill>
+                  <a:schemeClr val="tx1"/>
+                </a:solidFill>
+              </a:rPr>
+              <a:t>b </a:t>
+            </a:r>
+            <a:r>
+              <a:rPr lang="en-US" i="1" dirty="0">
+                <a:solidFill>
+                  <a:schemeClr val="tx1"/>
+                </a:solidFill>
+              </a:rPr>
+              <a:t>a</a:t>
+            </a:r>
+            <a:r>
+              <a:rPr lang="en-US" dirty="0">
+                <a:solidFill>
+                  <a:schemeClr val="tx1"/>
+                </a:solidFill>
+              </a:rPr>
+              <a:t> </a:t>
+            </a:r>
+            <a:r>
+              <a:rPr lang="en-US" dirty="0" err="1">
+                <a:solidFill>
+                  <a:schemeClr val="tx1"/>
+                </a:solidFill>
+              </a:rPr>
+              <a:t>n</a:t>
+            </a:r>
+            <a:r>
+              <a:rPr lang="en-US" baseline="-25000" dirty="0" err="1">
+                <a:solidFill>
+                  <a:schemeClr val="tx1"/>
+                </a:solidFill>
+              </a:rPr>
+              <a:t>b</a:t>
+            </a:r>
+            <a:r>
+              <a:rPr lang="en-US" baseline="-25000" dirty="0">
+                <a:solidFill>
+                  <a:schemeClr val="tx1"/>
+                </a:solidFill>
+              </a:rPr>
+              <a:t> </a:t>
+            </a:r>
+            <a:r>
+              <a:rPr lang="en-US" dirty="0">
+                <a:solidFill>
+                  <a:schemeClr val="tx1"/>
+                </a:solidFill>
+              </a:rPr>
+              <a:t>+ </a:t>
+            </a:r>
+            <a:r>
+              <a:rPr lang="en-US" dirty="0" err="1">
+                <a:solidFill>
+                  <a:schemeClr val="tx1"/>
+                </a:solidFill>
+              </a:rPr>
+              <a:t>s</a:t>
+            </a:r>
+            <a:r>
+              <a:rPr lang="en-US" baseline="-25000" dirty="0" err="1">
+                <a:solidFill>
+                  <a:schemeClr val="tx1"/>
+                </a:solidFill>
+              </a:rPr>
+              <a:t>a</a:t>
+            </a:r>
+            <a:r>
+              <a:rPr lang="en-US" dirty="0" err="1">
+                <a:solidFill>
+                  <a:schemeClr val="tx1"/>
+                </a:solidFill>
+              </a:rPr>
+              <a:t>n</a:t>
+            </a:r>
+            <a:r>
+              <a:rPr lang="en-US" baseline="-25000" dirty="0" err="1">
+                <a:solidFill>
+                  <a:schemeClr val="tx1"/>
+                </a:solidFill>
+              </a:rPr>
+              <a:t>a</a:t>
+            </a:r>
+            <a:r>
+              <a:rPr lang="en-US" dirty="0">
+                <a:solidFill>
+                  <a:schemeClr val="tx1"/>
+                </a:solidFill>
+              </a:rPr>
+              <a:t> </a:t>
+            </a:r>
+          </a:p>
+        </p:txBody>
+      </p:sp>
+      <p:sp>
+        <p:nvSpPr>
+          <p:cNvPr id="42" name="Rectangle 41">
+            <a:extLst>
+              <a:ext uri="{FF2B5EF4-FFF2-40B4-BE49-F238E27FC236}">
+                <a16:creationId xmlns:a16="http://schemas.microsoft.com/office/drawing/2014/main" id="{33CBB189-8E97-A549-B727-7B7B80FA513D}"/>
+              </a:ext>
+            </a:extLst>
+          </p:cNvPr>
+          <p:cNvSpPr/>
+          <p:nvPr/>
+        </p:nvSpPr>
+        <p:spPr>
+          <a:xfrm>
+            <a:off x="1187027" y="3476895"/>
+            <a:ext cx="407484" cy="461665"/>
+          </a:xfrm>
+          <a:prstGeom prst="rect">
+            <a:avLst/>
+          </a:prstGeom>
+        </p:spPr>
+        <p:txBody>
+          <a:bodyPr wrap="none">
+            <a:spAutoFit/>
+          </a:bodyPr>
+          <a:lstStyle/>
+          <a:p>
+            <a:r>
+              <a:rPr lang="en-US" sz="2400" b="1" dirty="0">
+                <a:latin typeface="Helvetica" pitchFamily="2" charset="0"/>
+              </a:rPr>
+              <a:t>A</a:t>
+            </a:r>
+          </a:p>
+        </p:txBody>
+      </p:sp>
+      <p:sp>
+        <p:nvSpPr>
+          <p:cNvPr id="43" name="Rectangle 42">
+            <a:extLst>
+              <a:ext uri="{FF2B5EF4-FFF2-40B4-BE49-F238E27FC236}">
+                <a16:creationId xmlns:a16="http://schemas.microsoft.com/office/drawing/2014/main" id="{F7621BD9-C813-684C-A13C-0508ACBFA829}"/>
+              </a:ext>
+            </a:extLst>
+          </p:cNvPr>
+          <p:cNvSpPr/>
+          <p:nvPr/>
+        </p:nvSpPr>
+        <p:spPr>
+          <a:xfrm>
+            <a:off x="3498978" y="3487282"/>
+            <a:ext cx="441146" cy="461665"/>
+          </a:xfrm>
+          <a:prstGeom prst="rect">
+            <a:avLst/>
+          </a:prstGeom>
+        </p:spPr>
+        <p:txBody>
+          <a:bodyPr wrap="none">
+            <a:spAutoFit/>
+          </a:bodyPr>
+          <a:lstStyle/>
+          <a:p>
+            <a:r>
+              <a:rPr lang="en-US" sz="2400" b="1" dirty="0" err="1">
+                <a:latin typeface="Helvetica" pitchFamily="2" charset="0"/>
+              </a:rPr>
+              <a:t>n</a:t>
+            </a:r>
+            <a:r>
+              <a:rPr lang="en-US" sz="2400" b="1" baseline="-25000" dirty="0" err="1">
+                <a:latin typeface="Helvetica" pitchFamily="2" charset="0"/>
+              </a:rPr>
+              <a:t>t</a:t>
+            </a:r>
+            <a:endParaRPr lang="en-US" sz="2400" b="1" baseline="-25000" dirty="0">
+              <a:latin typeface="Helvetica" pitchFamily="2" charset="0"/>
+            </a:endParaRPr>
+          </a:p>
+        </p:txBody>
+      </p:sp>
+      <p:sp>
+        <p:nvSpPr>
+          <p:cNvPr id="44" name="Rectangle 43">
+            <a:extLst>
+              <a:ext uri="{FF2B5EF4-FFF2-40B4-BE49-F238E27FC236}">
+                <a16:creationId xmlns:a16="http://schemas.microsoft.com/office/drawing/2014/main" id="{171B69ED-B116-8B47-90C6-4744ED50F0B0}"/>
+              </a:ext>
+            </a:extLst>
+          </p:cNvPr>
+          <p:cNvSpPr/>
+          <p:nvPr/>
+        </p:nvSpPr>
+        <p:spPr>
+          <a:xfrm>
+            <a:off x="5816089" y="3487282"/>
+            <a:ext cx="675186" cy="461665"/>
+          </a:xfrm>
+          <a:prstGeom prst="rect">
+            <a:avLst/>
+          </a:prstGeom>
+        </p:spPr>
+        <p:txBody>
+          <a:bodyPr wrap="none">
+            <a:spAutoFit/>
+          </a:bodyPr>
+          <a:lstStyle/>
+          <a:p>
+            <a:pPr algn="ctr"/>
+            <a:r>
+              <a:rPr lang="en-US" sz="2400" b="1" dirty="0">
+                <a:solidFill>
+                  <a:srgbClr val="000000"/>
+                </a:solidFill>
+                <a:effectLst/>
+                <a:latin typeface="Helvetica" pitchFamily="2" charset="0"/>
+                <a:cs typeface="Gill Sans" panose="020B0502020104020203" pitchFamily="34" charset="-79"/>
+              </a:rPr>
+              <a:t>n</a:t>
+            </a:r>
+            <a:r>
+              <a:rPr lang="en-US" sz="2400" b="1" baseline="-25000" dirty="0">
+                <a:solidFill>
+                  <a:srgbClr val="000000"/>
+                </a:solidFill>
+                <a:effectLst/>
+                <a:latin typeface="Helvetica" pitchFamily="2" charset="0"/>
+                <a:cs typeface="Gill Sans" panose="020B0502020104020203" pitchFamily="34" charset="-79"/>
+              </a:rPr>
+              <a:t>t+1</a:t>
+            </a:r>
+            <a:endParaRPr lang="en-US" sz="2400" dirty="0">
+              <a:solidFill>
+                <a:srgbClr val="000000"/>
+              </a:solidFill>
+              <a:effectLst/>
+              <a:latin typeface="Helvetica" pitchFamily="2" charset="0"/>
+              <a:cs typeface="Gill Sans" panose="020B0502020104020203" pitchFamily="34" charset="-79"/>
+            </a:endParaRPr>
+          </a:p>
+        </p:txBody>
+      </p:sp>
+      <p:sp>
+        <p:nvSpPr>
+          <p:cNvPr id="45" name="Rectangle 44">
+            <a:extLst>
+              <a:ext uri="{FF2B5EF4-FFF2-40B4-BE49-F238E27FC236}">
+                <a16:creationId xmlns:a16="http://schemas.microsoft.com/office/drawing/2014/main" id="{A72115DB-CE8B-D54A-BACF-C6C1A9EA5CB1}"/>
+              </a:ext>
+            </a:extLst>
+          </p:cNvPr>
+          <p:cNvSpPr/>
+          <p:nvPr/>
+        </p:nvSpPr>
+        <p:spPr>
+          <a:xfrm>
+            <a:off x="2586707" y="4589352"/>
+            <a:ext cx="441146" cy="461665"/>
+          </a:xfrm>
+          <a:prstGeom prst="rect">
+            <a:avLst/>
+          </a:prstGeom>
+        </p:spPr>
+        <p:txBody>
+          <a:bodyPr wrap="square">
+            <a:spAutoFit/>
+          </a:bodyPr>
+          <a:lstStyle/>
+          <a:p>
+            <a:r>
+              <a:rPr lang="en-US" sz="2400" b="1" dirty="0">
+                <a:latin typeface="Helvetica" pitchFamily="2" charset="0"/>
+              </a:rPr>
+              <a:t>x</a:t>
+            </a:r>
+          </a:p>
+        </p:txBody>
+      </p:sp>
+      <p:sp>
+        <p:nvSpPr>
+          <p:cNvPr id="46" name="Rectangle 45">
+            <a:extLst>
+              <a:ext uri="{FF2B5EF4-FFF2-40B4-BE49-F238E27FC236}">
+                <a16:creationId xmlns:a16="http://schemas.microsoft.com/office/drawing/2014/main" id="{6D3D4C5B-6E0D-5C45-A8DD-A8D40F14426B}"/>
+              </a:ext>
+            </a:extLst>
+          </p:cNvPr>
+          <p:cNvSpPr/>
+          <p:nvPr/>
+        </p:nvSpPr>
+        <p:spPr>
+          <a:xfrm>
+            <a:off x="4361022" y="4546842"/>
+            <a:ext cx="441146" cy="461665"/>
+          </a:xfrm>
+          <a:prstGeom prst="rect">
+            <a:avLst/>
+          </a:prstGeom>
+        </p:spPr>
+        <p:txBody>
+          <a:bodyPr wrap="square">
+            <a:spAutoFit/>
+          </a:bodyPr>
+          <a:lstStyle/>
+          <a:p>
+            <a:r>
+              <a:rPr lang="en-US" sz="2400" b="1" dirty="0">
+                <a:latin typeface="Helvetica" pitchFamily="2" charset="0"/>
+              </a:rPr>
+              <a:t>=</a:t>
+            </a:r>
+          </a:p>
+        </p:txBody>
+      </p:sp>
+    </p:spTree>
+    <p:extLst>
+      <p:ext uri="{BB962C8B-B14F-4D97-AF65-F5344CB8AC3E}">
+        <p14:creationId xmlns:p14="http://schemas.microsoft.com/office/powerpoint/2010/main" val="4047508335"/>
+      </p:ext>
+    </p:extLst>
+  </p:cSld>
+  <p:clrMapOvr>
+    <a:masterClrMapping/>
+  </p:clrMapOvr>
+</p:sld>
+</file>
+
+<file path=ppt/slides/slide4.xml><?xml version="1.0" encoding="utf-8"?>
+<p:sld xmlns:a="http://schemas.openxmlformats.org/drawingml/2006/main" xmlns:r="http://schemas.openxmlformats.org/officeDocument/2006/relationships" xmlns:p="http://schemas.openxmlformats.org/presentationml/2006/main">
+  <p:cSld>
+    <p:spTree>
+      <p:nvGrpSpPr>
+        <p:cNvPr id="1" name=""/>
+        <p:cNvGrpSpPr/>
+        <p:nvPr/>
+      </p:nvGrpSpPr>
+      <p:grpSpPr>
+        <a:xfrm>
+          <a:off x="0" y="0"/>
+          <a:ext cx="0" cy="0"/>
+          <a:chOff x="0" y="0"/>
+          <a:chExt cx="0" cy="0"/>
+        </a:xfrm>
+      </p:grpSpPr>
+      <p:sp>
+        <p:nvSpPr>
+          <p:cNvPr id="2" name="Title 1">
+            <a:extLst>
+              <a:ext uri="{FF2B5EF4-FFF2-40B4-BE49-F238E27FC236}">
+                <a16:creationId xmlns:a16="http://schemas.microsoft.com/office/drawing/2014/main" id="{BC377DA3-8B7A-E04D-9518-F839046FBEDC}"/>
+              </a:ext>
+            </a:extLst>
+          </p:cNvPr>
+          <p:cNvSpPr>
+            <a:spLocks noGrp="1"/>
+          </p:cNvSpPr>
+          <p:nvPr>
+            <p:ph type="title"/>
+          </p:nvPr>
+        </p:nvSpPr>
+        <p:spPr/>
+        <p:txBody>
+          <a:bodyPr/>
+          <a:lstStyle/>
+          <a:p>
+            <a:r>
+              <a:rPr lang="en-US" dirty="0">
+                <a:latin typeface="Helvetica" pitchFamily="2" charset="0"/>
+              </a:rPr>
+              <a:t>Goals for this lecture</a:t>
+            </a:r>
+          </a:p>
+        </p:txBody>
+      </p:sp>
+      <p:sp>
+        <p:nvSpPr>
+          <p:cNvPr id="3" name="Content Placeholder 2">
+            <a:extLst>
+              <a:ext uri="{FF2B5EF4-FFF2-40B4-BE49-F238E27FC236}">
+                <a16:creationId xmlns:a16="http://schemas.microsoft.com/office/drawing/2014/main" id="{5CA546AA-4E86-3545-8408-AE9D392CED1A}"/>
+              </a:ext>
+            </a:extLst>
+          </p:cNvPr>
+          <p:cNvSpPr>
+            <a:spLocks noGrp="1"/>
+          </p:cNvSpPr>
+          <p:nvPr>
+            <p:ph idx="1"/>
+          </p:nvPr>
+        </p:nvSpPr>
+        <p:spPr/>
+        <p:txBody>
+          <a:bodyPr>
+            <a:normAutofit lnSpcReduction="10000"/>
+          </a:bodyPr>
+          <a:lstStyle/>
+          <a:p>
+            <a:r>
+              <a:rPr lang="en-US" sz="2600" dirty="0">
+                <a:latin typeface="Helvetica" pitchFamily="2" charset="0"/>
+              </a:rPr>
+              <a:t>Understand the difference between statistical and mechanistic models</a:t>
+            </a:r>
+            <a:br>
+              <a:rPr lang="en-US" sz="2600" dirty="0">
+                <a:latin typeface="Helvetica" pitchFamily="2" charset="0"/>
+              </a:rPr>
+            </a:br>
+            <a:r>
+              <a:rPr lang="en-US" sz="2600" dirty="0" err="1">
+                <a:solidFill>
+                  <a:srgbClr val="0070C0"/>
+                </a:solidFill>
+                <a:latin typeface="Helvetica" pitchFamily="2" charset="0"/>
+              </a:rPr>
+              <a:t>Comprendre</a:t>
+            </a:r>
+            <a:r>
+              <a:rPr lang="en-US" sz="2600" dirty="0">
+                <a:solidFill>
+                  <a:srgbClr val="0070C0"/>
+                </a:solidFill>
+                <a:latin typeface="Helvetica" pitchFamily="2" charset="0"/>
+              </a:rPr>
+              <a:t> la </a:t>
+            </a:r>
+            <a:r>
+              <a:rPr lang="en-US" sz="2600" dirty="0" err="1">
+                <a:solidFill>
+                  <a:srgbClr val="0070C0"/>
+                </a:solidFill>
+                <a:latin typeface="Helvetica" pitchFamily="2" charset="0"/>
+              </a:rPr>
+              <a:t>différence</a:t>
+            </a:r>
+            <a:r>
+              <a:rPr lang="en-US" sz="2600" dirty="0">
+                <a:solidFill>
+                  <a:srgbClr val="0070C0"/>
+                </a:solidFill>
+                <a:latin typeface="Helvetica" pitchFamily="2" charset="0"/>
+              </a:rPr>
+              <a:t> entre les </a:t>
+            </a:r>
+            <a:r>
+              <a:rPr lang="en-US" sz="2600" dirty="0" err="1">
+                <a:solidFill>
+                  <a:srgbClr val="0070C0"/>
+                </a:solidFill>
+                <a:latin typeface="Helvetica" pitchFamily="2" charset="0"/>
+              </a:rPr>
+              <a:t>modèles</a:t>
+            </a:r>
+            <a:r>
+              <a:rPr lang="en-US" sz="2600" dirty="0">
+                <a:solidFill>
+                  <a:srgbClr val="0070C0"/>
+                </a:solidFill>
+                <a:latin typeface="Helvetica" pitchFamily="2" charset="0"/>
+              </a:rPr>
+              <a:t> </a:t>
+            </a:r>
+            <a:r>
+              <a:rPr lang="en-US" sz="2600" dirty="0" err="1">
+                <a:solidFill>
+                  <a:srgbClr val="0070C0"/>
+                </a:solidFill>
+                <a:latin typeface="Helvetica" pitchFamily="2" charset="0"/>
+              </a:rPr>
+              <a:t>statistiques</a:t>
+            </a:r>
+            <a:r>
+              <a:rPr lang="en-US" sz="2600" dirty="0">
+                <a:solidFill>
+                  <a:srgbClr val="0070C0"/>
+                </a:solidFill>
+                <a:latin typeface="Helvetica" pitchFamily="2" charset="0"/>
+              </a:rPr>
+              <a:t> et </a:t>
+            </a:r>
+            <a:r>
+              <a:rPr lang="en-US" sz="2600" dirty="0" err="1">
+                <a:solidFill>
+                  <a:srgbClr val="0070C0"/>
+                </a:solidFill>
+                <a:latin typeface="Helvetica" pitchFamily="2" charset="0"/>
+              </a:rPr>
+              <a:t>mécanistes</a:t>
+            </a:r>
+            <a:r>
+              <a:rPr lang="en-US" sz="2600" dirty="0">
+                <a:solidFill>
+                  <a:srgbClr val="0070C0"/>
+                </a:solidFill>
+                <a:latin typeface="Helvetica" pitchFamily="2" charset="0"/>
+              </a:rPr>
+              <a:t>.</a:t>
+            </a:r>
+          </a:p>
+          <a:p>
+            <a:endParaRPr lang="en-US" sz="2600" dirty="0">
+              <a:solidFill>
+                <a:srgbClr val="0070C0"/>
+              </a:solidFill>
+              <a:latin typeface="Helvetica" pitchFamily="2" charset="0"/>
+            </a:endParaRPr>
+          </a:p>
+          <a:p>
+            <a:r>
+              <a:rPr lang="en-US" sz="2600" dirty="0">
+                <a:latin typeface="Helvetica" pitchFamily="2" charset="0"/>
+              </a:rPr>
+              <a:t>Understand how to formalize and conceptualize compartmental models</a:t>
+            </a:r>
+            <a:br>
+              <a:rPr lang="en-US" sz="2600" dirty="0">
+                <a:latin typeface="Helvetica" pitchFamily="2" charset="0"/>
+              </a:rPr>
+            </a:br>
+            <a:r>
+              <a:rPr lang="en-US" sz="2600" dirty="0" err="1">
+                <a:solidFill>
+                  <a:srgbClr val="0070C0"/>
+                </a:solidFill>
+                <a:latin typeface="Helvetica" pitchFamily="2" charset="0"/>
+              </a:rPr>
+              <a:t>Comprendre</a:t>
+            </a:r>
+            <a:r>
+              <a:rPr lang="en-US" sz="2600" dirty="0">
+                <a:solidFill>
+                  <a:srgbClr val="0070C0"/>
+                </a:solidFill>
+                <a:latin typeface="Helvetica" pitchFamily="2" charset="0"/>
+              </a:rPr>
+              <a:t> comment on </a:t>
+            </a:r>
+            <a:r>
+              <a:rPr lang="en-US" sz="2600" dirty="0" err="1">
+                <a:solidFill>
+                  <a:srgbClr val="0070C0"/>
+                </a:solidFill>
+                <a:latin typeface="Helvetica" pitchFamily="2" charset="0"/>
+              </a:rPr>
+              <a:t>peut</a:t>
+            </a:r>
+            <a:r>
+              <a:rPr lang="en-US" sz="2600" dirty="0">
+                <a:solidFill>
+                  <a:srgbClr val="0070C0"/>
+                </a:solidFill>
+                <a:latin typeface="Helvetica" pitchFamily="2" charset="0"/>
+              </a:rPr>
+              <a:t> </a:t>
+            </a:r>
+            <a:r>
+              <a:rPr lang="en-US" sz="2600" dirty="0" err="1">
+                <a:solidFill>
+                  <a:srgbClr val="0070C0"/>
+                </a:solidFill>
+                <a:latin typeface="Helvetica" pitchFamily="2" charset="0"/>
+              </a:rPr>
+              <a:t>formuler</a:t>
+            </a:r>
+            <a:r>
+              <a:rPr lang="en-US" sz="2600" dirty="0">
+                <a:solidFill>
+                  <a:srgbClr val="0070C0"/>
+                </a:solidFill>
+                <a:latin typeface="Helvetica" pitchFamily="2" charset="0"/>
+              </a:rPr>
+              <a:t> et </a:t>
+            </a:r>
+            <a:r>
+              <a:rPr lang="en-US" sz="2600" dirty="0" err="1">
+                <a:solidFill>
+                  <a:srgbClr val="0070C0"/>
+                </a:solidFill>
+                <a:latin typeface="Helvetica" pitchFamily="2" charset="0"/>
+              </a:rPr>
+              <a:t>conceptualiser</a:t>
+            </a:r>
+            <a:r>
+              <a:rPr lang="en-US" sz="2600" dirty="0">
+                <a:solidFill>
+                  <a:srgbClr val="0070C0"/>
+                </a:solidFill>
+                <a:latin typeface="Helvetica" pitchFamily="2" charset="0"/>
+              </a:rPr>
+              <a:t> les </a:t>
+            </a:r>
+            <a:r>
+              <a:rPr lang="en-US" sz="2600" dirty="0" err="1">
+                <a:solidFill>
+                  <a:srgbClr val="0070C0"/>
+                </a:solidFill>
+                <a:latin typeface="Helvetica" pitchFamily="2" charset="0"/>
+              </a:rPr>
+              <a:t>modèles</a:t>
+            </a:r>
+            <a:r>
+              <a:rPr lang="en-US" sz="2600" dirty="0">
+                <a:solidFill>
+                  <a:srgbClr val="0070C0"/>
+                </a:solidFill>
+                <a:latin typeface="Helvetica" pitchFamily="2" charset="0"/>
+              </a:rPr>
+              <a:t> </a:t>
+            </a:r>
+            <a:r>
+              <a:rPr lang="en-US" sz="2600" dirty="0" err="1">
+                <a:solidFill>
+                  <a:srgbClr val="0070C0"/>
+                </a:solidFill>
+                <a:latin typeface="Helvetica" pitchFamily="2" charset="0"/>
+              </a:rPr>
+              <a:t>compartimentés</a:t>
+            </a:r>
+            <a:endParaRPr lang="en-US" sz="2600" dirty="0">
+              <a:solidFill>
+                <a:srgbClr val="0070C0"/>
+              </a:solidFill>
+              <a:latin typeface="Helvetica" pitchFamily="2" charset="0"/>
+            </a:endParaRPr>
+          </a:p>
+          <a:p>
+            <a:r>
+              <a:rPr lang="en-US" sz="2600" dirty="0">
+                <a:solidFill>
+                  <a:srgbClr val="0070C0"/>
+                </a:solidFill>
+                <a:latin typeface="Helvetica" pitchFamily="2" charset="0"/>
+              </a:rPr>
+              <a:t> </a:t>
+            </a:r>
+          </a:p>
+          <a:p>
+            <a:r>
+              <a:rPr lang="en-US" sz="2600" dirty="0">
+                <a:latin typeface="Helvetica" pitchFamily="2" charset="0"/>
+              </a:rPr>
+              <a:t>Example: population growth, predator prey, SIR models</a:t>
+            </a:r>
+          </a:p>
+          <a:p>
+            <a:endParaRPr lang="en-US" sz="2600" dirty="0">
+              <a:latin typeface="Helvetica" pitchFamily="2" charset="0"/>
+            </a:endParaRPr>
+          </a:p>
+        </p:txBody>
+      </p:sp>
+      <p:sp>
+        <p:nvSpPr>
+          <p:cNvPr id="5" name="Rectangle 4">
+            <a:extLst>
+              <a:ext uri="{FF2B5EF4-FFF2-40B4-BE49-F238E27FC236}">
+                <a16:creationId xmlns:a16="http://schemas.microsoft.com/office/drawing/2014/main" id="{1D050BF7-5241-FA48-BD86-78B6CA99FF3E}"/>
+              </a:ext>
+            </a:extLst>
+          </p:cNvPr>
+          <p:cNvSpPr/>
+          <p:nvPr/>
+        </p:nvSpPr>
+        <p:spPr>
+          <a:xfrm>
+            <a:off x="695153" y="5054138"/>
+            <a:ext cx="7753694" cy="1438736"/>
+          </a:xfrm>
+          <a:prstGeom prst="rect">
+            <a:avLst/>
+          </a:prstGeom>
+          <a:solidFill>
+            <a:schemeClr val="bg1"/>
+          </a:solidFill>
+          <a:ln>
+            <a:solidFill>
+              <a:schemeClr val="bg1"/>
+            </a:solidFill>
+          </a:ln>
+        </p:spPr>
+        <p:style>
+          <a:lnRef idx="2">
+            <a:schemeClr val="accent1">
+              <a:shade val="50000"/>
+            </a:schemeClr>
+          </a:lnRef>
+          <a:fillRef idx="1">
+            <a:schemeClr val="accent1"/>
+          </a:fillRef>
+          <a:effectRef idx="0">
+            <a:schemeClr val="accent1"/>
+          </a:effectRef>
+          <a:fontRef idx="minor">
+            <a:schemeClr val="lt1"/>
+          </a:fontRef>
+        </p:style>
+        <p:txBody>
+          <a:bodyPr rtlCol="0" anchor="ctr"/>
+          <a:lstStyle/>
+          <a:p>
+            <a:pPr algn="ctr"/>
+            <a:endParaRPr lang="en-US"/>
+          </a:p>
+        </p:txBody>
+      </p:sp>
+    </p:spTree>
+    <p:extLst>
+      <p:ext uri="{BB962C8B-B14F-4D97-AF65-F5344CB8AC3E}">
+        <p14:creationId xmlns:p14="http://schemas.microsoft.com/office/powerpoint/2010/main" val="1414880056"/>
+      </p:ext>
+    </p:extLst>
+  </p:cSld>
+  <p:clrMapOvr>
+    <a:masterClrMapping/>
+  </p:clrMapOvr>
+</p:sld>
+</file>
+
+<file path=ppt/slides/slide40.xml><?xml version="1.0" encoding="utf-8"?>
+<p:sld xmlns:a="http://schemas.openxmlformats.org/drawingml/2006/main" xmlns:r="http://schemas.openxmlformats.org/officeDocument/2006/relationships" xmlns:p="http://schemas.openxmlformats.org/presentationml/2006/main">
+  <p:cSld>
+    <p:spTree>
+      <p:nvGrpSpPr>
+        <p:cNvPr id="1" name=""/>
+        <p:cNvGrpSpPr/>
+        <p:nvPr/>
+      </p:nvGrpSpPr>
+      <p:grpSpPr>
+        <a:xfrm>
+          <a:off x="0" y="0"/>
+          <a:ext cx="0" cy="0"/>
+          <a:chOff x="0" y="0"/>
+          <a:chExt cx="0" cy="0"/>
+        </a:xfrm>
+      </p:grpSpPr>
+      <p:grpSp>
+        <p:nvGrpSpPr>
+          <p:cNvPr id="4" name="Group 3">
+            <a:extLst>
+              <a:ext uri="{FF2B5EF4-FFF2-40B4-BE49-F238E27FC236}">
+                <a16:creationId xmlns:a16="http://schemas.microsoft.com/office/drawing/2014/main" id="{FA83A96E-5A52-3C49-A21D-2DCB4576C696}"/>
+              </a:ext>
+            </a:extLst>
+          </p:cNvPr>
+          <p:cNvGrpSpPr/>
+          <p:nvPr/>
+        </p:nvGrpSpPr>
+        <p:grpSpPr>
+          <a:xfrm>
+            <a:off x="498765" y="151999"/>
+            <a:ext cx="2761202" cy="2061765"/>
+            <a:chOff x="698270" y="2928450"/>
+            <a:chExt cx="2761202" cy="2061765"/>
+          </a:xfrm>
+        </p:grpSpPr>
+        <p:sp>
+          <p:nvSpPr>
+            <p:cNvPr id="5" name="Rectangle 4">
+              <a:extLst>
+                <a:ext uri="{FF2B5EF4-FFF2-40B4-BE49-F238E27FC236}">
+                  <a16:creationId xmlns:a16="http://schemas.microsoft.com/office/drawing/2014/main" id="{506F933C-5299-904A-9B60-D3F975132BD2}"/>
+                </a:ext>
+              </a:extLst>
+            </p:cNvPr>
+            <p:cNvSpPr/>
+            <p:nvPr/>
+          </p:nvSpPr>
+          <p:spPr>
+            <a:xfrm>
+              <a:off x="698270" y="3667114"/>
+              <a:ext cx="798021" cy="771882"/>
+            </a:xfrm>
+            <a:prstGeom prst="rect">
+              <a:avLst/>
+            </a:prstGeom>
+            <a:noFill/>
+            <a:ln>
+              <a:solidFill>
+                <a:schemeClr val="tx1"/>
+              </a:solidFill>
+            </a:ln>
+          </p:spPr>
+          <p:style>
+            <a:lnRef idx="2">
+              <a:schemeClr val="accent1">
+                <a:shade val="50000"/>
+              </a:schemeClr>
+            </a:lnRef>
+            <a:fillRef idx="1">
+              <a:schemeClr val="accent1"/>
+            </a:fillRef>
+            <a:effectRef idx="0">
+              <a:schemeClr val="accent1"/>
+            </a:effectRef>
+            <a:fontRef idx="minor">
+              <a:schemeClr val="lt1"/>
+            </a:fontRef>
+          </p:style>
+          <p:txBody>
+            <a:bodyPr rtlCol="0" anchor="ctr"/>
+            <a:lstStyle/>
+            <a:p>
+              <a:pPr algn="ctr"/>
+              <a:r>
+                <a:rPr lang="en-US" dirty="0">
+                  <a:solidFill>
+                    <a:schemeClr val="tx1"/>
+                  </a:solidFill>
+                </a:rPr>
+                <a:t>Babies</a:t>
+              </a:r>
+            </a:p>
+          </p:txBody>
+        </p:sp>
+        <p:sp>
+          <p:nvSpPr>
+            <p:cNvPr id="6" name="Rectangle 5">
+              <a:extLst>
+                <a:ext uri="{FF2B5EF4-FFF2-40B4-BE49-F238E27FC236}">
+                  <a16:creationId xmlns:a16="http://schemas.microsoft.com/office/drawing/2014/main" id="{8EE96ABE-C263-2548-8AEF-8DAB1F255C13}"/>
+                </a:ext>
+              </a:extLst>
+            </p:cNvPr>
+            <p:cNvSpPr/>
+            <p:nvPr/>
+          </p:nvSpPr>
+          <p:spPr>
+            <a:xfrm>
+              <a:off x="2255844" y="3698571"/>
+              <a:ext cx="798021" cy="771882"/>
+            </a:xfrm>
+            <a:prstGeom prst="rect">
+              <a:avLst/>
+            </a:prstGeom>
+            <a:noFill/>
+            <a:ln>
+              <a:solidFill>
+                <a:schemeClr val="tx1"/>
+              </a:solidFill>
+            </a:ln>
+          </p:spPr>
+          <p:style>
+            <a:lnRef idx="2">
+              <a:schemeClr val="accent1">
+                <a:shade val="50000"/>
+              </a:schemeClr>
+            </a:lnRef>
+            <a:fillRef idx="1">
+              <a:schemeClr val="accent1"/>
+            </a:fillRef>
+            <a:effectRef idx="0">
+              <a:schemeClr val="accent1"/>
+            </a:effectRef>
+            <a:fontRef idx="minor">
+              <a:schemeClr val="lt1"/>
+            </a:fontRef>
+          </p:style>
+          <p:txBody>
+            <a:bodyPr rtlCol="0" anchor="ctr"/>
+            <a:lstStyle/>
+            <a:p>
+              <a:pPr algn="ctr"/>
+              <a:r>
+                <a:rPr lang="en-US" dirty="0">
+                  <a:solidFill>
+                    <a:schemeClr val="tx1"/>
+                  </a:solidFill>
+                </a:rPr>
+                <a:t>Adults</a:t>
+              </a:r>
+            </a:p>
+          </p:txBody>
+        </p:sp>
+        <p:cxnSp>
+          <p:nvCxnSpPr>
+            <p:cNvPr id="7" name="Straight Arrow Connector 6">
+              <a:extLst>
+                <a:ext uri="{FF2B5EF4-FFF2-40B4-BE49-F238E27FC236}">
+                  <a16:creationId xmlns:a16="http://schemas.microsoft.com/office/drawing/2014/main" id="{8BF5B1C1-3F7C-1140-85B8-549E0AEF37CD}"/>
+                </a:ext>
+              </a:extLst>
+            </p:cNvPr>
+            <p:cNvCxnSpPr>
+              <a:cxnSpLocks/>
+            </p:cNvCxnSpPr>
+            <p:nvPr/>
+          </p:nvCxnSpPr>
+          <p:spPr>
+            <a:xfrm>
+              <a:off x="1579662" y="4084512"/>
+              <a:ext cx="592811" cy="0"/>
+            </a:xfrm>
+            <a:prstGeom prst="straightConnector1">
+              <a:avLst/>
+            </a:prstGeom>
+            <a:ln w="38100">
+              <a:solidFill>
+                <a:schemeClr val="tx1"/>
+              </a:solidFill>
+              <a:tailEnd type="triangle"/>
+            </a:ln>
+          </p:spPr>
+          <p:style>
+            <a:lnRef idx="1">
+              <a:schemeClr val="accent1"/>
+            </a:lnRef>
+            <a:fillRef idx="0">
+              <a:schemeClr val="accent1"/>
+            </a:fillRef>
+            <a:effectRef idx="0">
+              <a:schemeClr val="accent1"/>
+            </a:effectRef>
+            <a:fontRef idx="minor">
+              <a:schemeClr val="tx1"/>
+            </a:fontRef>
+          </p:style>
+        </p:cxnSp>
+        <p:cxnSp>
+          <p:nvCxnSpPr>
+            <p:cNvPr id="8" name="Straight Arrow Connector 7">
+              <a:extLst>
+                <a:ext uri="{FF2B5EF4-FFF2-40B4-BE49-F238E27FC236}">
+                  <a16:creationId xmlns:a16="http://schemas.microsoft.com/office/drawing/2014/main" id="{DBCE6E04-82F6-304A-B827-93C6A51E3D39}"/>
+                </a:ext>
+              </a:extLst>
+            </p:cNvPr>
+            <p:cNvCxnSpPr>
+              <a:cxnSpLocks/>
+            </p:cNvCxnSpPr>
+            <p:nvPr/>
+          </p:nvCxnSpPr>
+          <p:spPr>
+            <a:xfrm>
+              <a:off x="1097280" y="4470453"/>
+              <a:ext cx="0" cy="519762"/>
+            </a:xfrm>
+            <a:prstGeom prst="straightConnector1">
+              <a:avLst/>
+            </a:prstGeom>
+            <a:ln w="38100">
+              <a:solidFill>
+                <a:schemeClr val="tx1"/>
+              </a:solidFill>
+              <a:tailEnd type="triangle"/>
+            </a:ln>
+          </p:spPr>
+          <p:style>
+            <a:lnRef idx="1">
+              <a:schemeClr val="accent1"/>
+            </a:lnRef>
+            <a:fillRef idx="0">
+              <a:schemeClr val="accent1"/>
+            </a:fillRef>
+            <a:effectRef idx="0">
+              <a:schemeClr val="accent1"/>
+            </a:effectRef>
+            <a:fontRef idx="minor">
+              <a:schemeClr val="tx1"/>
+            </a:fontRef>
+          </p:style>
+        </p:cxnSp>
+        <p:cxnSp>
+          <p:nvCxnSpPr>
+            <p:cNvPr id="9" name="Straight Arrow Connector 8">
+              <a:extLst>
+                <a:ext uri="{FF2B5EF4-FFF2-40B4-BE49-F238E27FC236}">
+                  <a16:creationId xmlns:a16="http://schemas.microsoft.com/office/drawing/2014/main" id="{B21480BB-CF1E-5340-8646-21A7911A83A2}"/>
+                </a:ext>
+              </a:extLst>
+            </p:cNvPr>
+            <p:cNvCxnSpPr>
+              <a:cxnSpLocks/>
+            </p:cNvCxnSpPr>
+            <p:nvPr/>
+          </p:nvCxnSpPr>
+          <p:spPr>
+            <a:xfrm>
+              <a:off x="2691174" y="4470453"/>
+              <a:ext cx="0" cy="519762"/>
+            </a:xfrm>
+            <a:prstGeom prst="straightConnector1">
+              <a:avLst/>
+            </a:prstGeom>
+            <a:ln w="38100">
+              <a:solidFill>
+                <a:schemeClr val="tx1"/>
+              </a:solidFill>
+              <a:tailEnd type="triangle"/>
+            </a:ln>
+          </p:spPr>
+          <p:style>
+            <a:lnRef idx="1">
+              <a:schemeClr val="accent1"/>
+            </a:lnRef>
+            <a:fillRef idx="0">
+              <a:schemeClr val="accent1"/>
+            </a:fillRef>
+            <a:effectRef idx="0">
+              <a:schemeClr val="accent1"/>
+            </a:effectRef>
+            <a:fontRef idx="minor">
+              <a:schemeClr val="tx1"/>
+            </a:fontRef>
+          </p:style>
+        </p:cxnSp>
+        <p:cxnSp>
+          <p:nvCxnSpPr>
+            <p:cNvPr id="10" name="Curved Connector 9">
+              <a:extLst>
+                <a:ext uri="{FF2B5EF4-FFF2-40B4-BE49-F238E27FC236}">
+                  <a16:creationId xmlns:a16="http://schemas.microsoft.com/office/drawing/2014/main" id="{80F14AB4-0F9E-4D46-BFA6-43550628799A}"/>
+                </a:ext>
+              </a:extLst>
+            </p:cNvPr>
+            <p:cNvCxnSpPr>
+              <a:cxnSpLocks/>
+              <a:stCxn id="6" idx="0"/>
+              <a:endCxn id="5" idx="0"/>
+            </p:cNvCxnSpPr>
+            <p:nvPr/>
+          </p:nvCxnSpPr>
+          <p:spPr>
+            <a:xfrm rot="16200000" flipV="1">
+              <a:off x="1860340" y="2904056"/>
+              <a:ext cx="31457" cy="1557574"/>
+            </a:xfrm>
+            <a:prstGeom prst="curvedConnector3">
+              <a:avLst>
+                <a:gd name="adj1" fmla="val 1196662"/>
+              </a:avLst>
+            </a:prstGeom>
+            <a:ln w="38100">
+              <a:solidFill>
+                <a:schemeClr val="tx1"/>
+              </a:solidFill>
+              <a:tailEnd type="triangle"/>
+            </a:ln>
+          </p:spPr>
+          <p:style>
+            <a:lnRef idx="1">
+              <a:schemeClr val="accent1"/>
+            </a:lnRef>
+            <a:fillRef idx="0">
+              <a:schemeClr val="accent1"/>
+            </a:fillRef>
+            <a:effectRef idx="0">
+              <a:schemeClr val="accent1"/>
+            </a:effectRef>
+            <a:fontRef idx="minor">
+              <a:schemeClr val="tx1"/>
+            </a:fontRef>
+          </p:style>
+        </p:cxnSp>
+        <p:sp>
+          <p:nvSpPr>
+            <p:cNvPr id="11" name="Rectangle 10">
+              <a:extLst>
+                <a:ext uri="{FF2B5EF4-FFF2-40B4-BE49-F238E27FC236}">
+                  <a16:creationId xmlns:a16="http://schemas.microsoft.com/office/drawing/2014/main" id="{64B396C4-1F15-CF4A-8C8C-731F1FD869DE}"/>
+                </a:ext>
+              </a:extLst>
+            </p:cNvPr>
+            <p:cNvSpPr/>
+            <p:nvPr/>
+          </p:nvSpPr>
+          <p:spPr>
+            <a:xfrm>
+              <a:off x="1388656" y="2928450"/>
+              <a:ext cx="1086965" cy="369332"/>
+            </a:xfrm>
+            <a:prstGeom prst="rect">
+              <a:avLst/>
+            </a:prstGeom>
+          </p:spPr>
+          <p:txBody>
+            <a:bodyPr wrap="none">
+              <a:spAutoFit/>
+            </a:bodyPr>
+            <a:lstStyle/>
+            <a:p>
+              <a:pPr algn="ctr"/>
+              <a:r>
+                <a:rPr lang="en-US" dirty="0">
+                  <a:solidFill>
+                    <a:srgbClr val="000000"/>
+                  </a:solidFill>
+                  <a:effectLst/>
+                  <a:latin typeface="Gill Sans" panose="020B0502020104020203" pitchFamily="34" charset="-79"/>
+                  <a:cs typeface="Gill Sans" panose="020B0502020104020203" pitchFamily="34" charset="-79"/>
+                </a:rPr>
+                <a:t>Births (</a:t>
+              </a:r>
+              <a:r>
+                <a:rPr lang="en-US" i="1" dirty="0">
+                  <a:solidFill>
+                    <a:srgbClr val="000000"/>
+                  </a:solidFill>
+                  <a:effectLst/>
+                  <a:latin typeface="Gill Sans" panose="020B0502020104020203" pitchFamily="34" charset="-79"/>
+                  <a:cs typeface="Gill Sans" panose="020B0502020104020203" pitchFamily="34" charset="-79"/>
+                </a:rPr>
+                <a:t>B</a:t>
+              </a:r>
+              <a:r>
+                <a:rPr lang="en-US" dirty="0">
+                  <a:solidFill>
+                    <a:srgbClr val="000000"/>
+                  </a:solidFill>
+                  <a:effectLst/>
+                  <a:latin typeface="Gill Sans" panose="020B0502020104020203" pitchFamily="34" charset="-79"/>
+                  <a:cs typeface="Gill Sans" panose="020B0502020104020203" pitchFamily="34" charset="-79"/>
+                </a:rPr>
+                <a:t>)</a:t>
+              </a:r>
+            </a:p>
+          </p:txBody>
+        </p:sp>
+        <p:sp>
+          <p:nvSpPr>
+            <p:cNvPr id="12" name="Rectangle 11">
+              <a:extLst>
+                <a:ext uri="{FF2B5EF4-FFF2-40B4-BE49-F238E27FC236}">
+                  <a16:creationId xmlns:a16="http://schemas.microsoft.com/office/drawing/2014/main" id="{540F897F-15A4-1B4F-99EA-A86C1187260C}"/>
+                </a:ext>
+              </a:extLst>
+            </p:cNvPr>
+            <p:cNvSpPr/>
+            <p:nvPr/>
+          </p:nvSpPr>
+          <p:spPr>
+            <a:xfrm>
+              <a:off x="1553703" y="3744738"/>
+              <a:ext cx="644728" cy="646331"/>
+            </a:xfrm>
+            <a:prstGeom prst="rect">
+              <a:avLst/>
+            </a:prstGeom>
+          </p:spPr>
+          <p:txBody>
+            <a:bodyPr wrap="none">
+              <a:spAutoFit/>
+            </a:bodyPr>
+            <a:lstStyle/>
+            <a:p>
+              <a:pPr algn="ctr"/>
+              <a:r>
+                <a:rPr lang="en-US" dirty="0">
+                  <a:solidFill>
+                    <a:srgbClr val="000000"/>
+                  </a:solidFill>
+                  <a:latin typeface="Gill Sans" panose="020B0502020104020203" pitchFamily="34" charset="-79"/>
+                  <a:cs typeface="Gill Sans" panose="020B0502020104020203" pitchFamily="34" charset="-79"/>
+                </a:rPr>
+                <a:t>a</a:t>
+              </a:r>
+              <a:r>
+                <a:rPr lang="en-US" dirty="0">
+                  <a:solidFill>
+                    <a:srgbClr val="000000"/>
+                  </a:solidFill>
+                  <a:effectLst/>
+                  <a:latin typeface="Gill Sans" panose="020B0502020104020203" pitchFamily="34" charset="-79"/>
+                  <a:cs typeface="Gill Sans" panose="020B0502020104020203" pitchFamily="34" charset="-79"/>
+                </a:rPr>
+                <a:t>ging</a:t>
+              </a:r>
+            </a:p>
+            <a:p>
+              <a:pPr algn="ctr"/>
+              <a:r>
+                <a:rPr lang="en-US" dirty="0">
+                  <a:solidFill>
+                    <a:srgbClr val="000000"/>
+                  </a:solidFill>
+                  <a:effectLst/>
+                  <a:latin typeface="Gill Sans" panose="020B0502020104020203" pitchFamily="34" charset="-79"/>
+                  <a:cs typeface="Gill Sans" panose="020B0502020104020203" pitchFamily="34" charset="-79"/>
+                </a:rPr>
+                <a:t>(</a:t>
+              </a:r>
+              <a:r>
+                <a:rPr lang="en-US" i="1" dirty="0">
+                  <a:solidFill>
+                    <a:srgbClr val="000000"/>
+                  </a:solidFill>
+                  <a:effectLst/>
+                  <a:latin typeface="Gill Sans" panose="020B0502020104020203" pitchFamily="34" charset="-79"/>
+                  <a:cs typeface="Gill Sans" panose="020B0502020104020203" pitchFamily="34" charset="-79"/>
+                </a:rPr>
+                <a:t>a</a:t>
+              </a:r>
+              <a:r>
+                <a:rPr lang="en-US" dirty="0">
+                  <a:solidFill>
+                    <a:srgbClr val="000000"/>
+                  </a:solidFill>
+                  <a:effectLst/>
+                  <a:latin typeface="Gill Sans" panose="020B0502020104020203" pitchFamily="34" charset="-79"/>
+                  <a:cs typeface="Gill Sans" panose="020B0502020104020203" pitchFamily="34" charset="-79"/>
+                </a:rPr>
+                <a:t>)</a:t>
+              </a:r>
+            </a:p>
+          </p:txBody>
+        </p:sp>
+        <p:sp>
+          <p:nvSpPr>
+            <p:cNvPr id="13" name="Rectangle 12">
+              <a:extLst>
+                <a:ext uri="{FF2B5EF4-FFF2-40B4-BE49-F238E27FC236}">
+                  <a16:creationId xmlns:a16="http://schemas.microsoft.com/office/drawing/2014/main" id="{0B6F24B3-90CA-994C-9674-B760BEEE4056}"/>
+                </a:ext>
+              </a:extLst>
+            </p:cNvPr>
+            <p:cNvSpPr/>
+            <p:nvPr/>
+          </p:nvSpPr>
+          <p:spPr>
+            <a:xfrm>
+              <a:off x="1104816" y="4543108"/>
+              <a:ext cx="790602" cy="369332"/>
+            </a:xfrm>
+            <a:prstGeom prst="rect">
+              <a:avLst/>
+            </a:prstGeom>
+          </p:spPr>
+          <p:txBody>
+            <a:bodyPr wrap="none">
+              <a:spAutoFit/>
+            </a:bodyPr>
+            <a:lstStyle/>
+            <a:p>
+              <a:pPr algn="ctr"/>
+              <a:r>
+                <a:rPr lang="en-US" dirty="0">
+                  <a:solidFill>
+                    <a:srgbClr val="000000"/>
+                  </a:solidFill>
+                  <a:effectLst/>
+                  <a:latin typeface="Gill Sans" panose="020B0502020104020203" pitchFamily="34" charset="-79"/>
+                  <a:cs typeface="Gill Sans" panose="020B0502020104020203" pitchFamily="34" charset="-79"/>
+                </a:rPr>
+                <a:t>deaths</a:t>
+              </a:r>
+            </a:p>
+          </p:txBody>
+        </p:sp>
+        <p:sp>
+          <p:nvSpPr>
+            <p:cNvPr id="14" name="Rectangle 13">
+              <a:extLst>
+                <a:ext uri="{FF2B5EF4-FFF2-40B4-BE49-F238E27FC236}">
+                  <a16:creationId xmlns:a16="http://schemas.microsoft.com/office/drawing/2014/main" id="{DA9C372E-AE8C-8744-B95C-F3D2B4DA94DC}"/>
+                </a:ext>
+              </a:extLst>
+            </p:cNvPr>
+            <p:cNvSpPr/>
+            <p:nvPr/>
+          </p:nvSpPr>
+          <p:spPr>
+            <a:xfrm>
+              <a:off x="2668870" y="4543108"/>
+              <a:ext cx="790602" cy="369332"/>
+            </a:xfrm>
+            <a:prstGeom prst="rect">
+              <a:avLst/>
+            </a:prstGeom>
+          </p:spPr>
+          <p:txBody>
+            <a:bodyPr wrap="none">
+              <a:spAutoFit/>
+            </a:bodyPr>
+            <a:lstStyle/>
+            <a:p>
+              <a:pPr algn="ctr"/>
+              <a:r>
+                <a:rPr lang="en-US" dirty="0">
+                  <a:solidFill>
+                    <a:srgbClr val="000000"/>
+                  </a:solidFill>
+                  <a:effectLst/>
+                  <a:latin typeface="Gill Sans" panose="020B0502020104020203" pitchFamily="34" charset="-79"/>
+                  <a:cs typeface="Gill Sans" panose="020B0502020104020203" pitchFamily="34" charset="-79"/>
+                </a:rPr>
+                <a:t>deaths</a:t>
+              </a:r>
+            </a:p>
+          </p:txBody>
+        </p:sp>
+      </p:grpSp>
       <p:grpSp>
         <p:nvGrpSpPr>
           <p:cNvPr id="15" name="Group 14">
@@ -31984,7 +34303,7 @@
         </p:nvGrpSpPr>
         <p:grpSpPr>
           <a:xfrm>
-            <a:off x="470642" y="4630190"/>
+            <a:off x="470642" y="4048303"/>
             <a:ext cx="1759163" cy="1560586"/>
             <a:chOff x="4317811" y="5184589"/>
             <a:chExt cx="1759163" cy="1560586"/>
@@ -32307,7 +34626,7 @@
         </p:nvSpPr>
         <p:spPr>
           <a:xfrm>
-            <a:off x="3259967" y="4630190"/>
+            <a:off x="3259967" y="4048303"/>
             <a:ext cx="867295" cy="771882"/>
           </a:xfrm>
           <a:prstGeom prst="rect">
@@ -32379,7 +34698,7 @@
         </p:nvSpPr>
         <p:spPr>
           <a:xfrm>
-            <a:off x="3252019" y="5416119"/>
+            <a:off x="3252019" y="4834232"/>
             <a:ext cx="875243" cy="774657"/>
           </a:xfrm>
           <a:prstGeom prst="rect">
@@ -32437,349 +34756,12 @@
           </a:p>
         </p:txBody>
       </p:sp>
-    </p:spTree>
-    <p:extLst>
-      <p:ext uri="{BB962C8B-B14F-4D97-AF65-F5344CB8AC3E}">
-        <p14:creationId xmlns:p14="http://schemas.microsoft.com/office/powerpoint/2010/main" val="4047508335"/>
-      </p:ext>
-    </p:extLst>
-  </p:cSld>
-  <p:clrMapOvr>
-    <a:masterClrMapping/>
-  </p:clrMapOvr>
-</p:sld>
-</file>
-
-<file path=ppt/slides/slide4.xml><?xml version="1.0" encoding="utf-8"?>
-<p:sld xmlns:a="http://schemas.openxmlformats.org/drawingml/2006/main" xmlns:r="http://schemas.openxmlformats.org/officeDocument/2006/relationships" xmlns:p="http://schemas.openxmlformats.org/presentationml/2006/main">
-  <p:cSld>
-    <p:spTree>
-      <p:nvGrpSpPr>
-        <p:cNvPr id="1" name=""/>
-        <p:cNvGrpSpPr/>
-        <p:nvPr/>
-      </p:nvGrpSpPr>
-      <p:grpSpPr>
-        <a:xfrm>
-          <a:off x="0" y="0"/>
-          <a:ext cx="0" cy="0"/>
-          <a:chOff x="0" y="0"/>
-          <a:chExt cx="0" cy="0"/>
-        </a:xfrm>
-      </p:grpSpPr>
       <p:sp>
         <p:nvSpPr>
-          <p:cNvPr id="2" name="Title 1">
+          <p:cNvPr id="22" name="Rectangle 21">
             <a:extLst>
               <a:ext uri="{FF2B5EF4-FFF2-40B4-BE49-F238E27FC236}">
-                <a16:creationId xmlns:a16="http://schemas.microsoft.com/office/drawing/2014/main" id="{BC377DA3-8B7A-E04D-9518-F839046FBEDC}"/>
-              </a:ext>
-            </a:extLst>
-          </p:cNvPr>
-          <p:cNvSpPr>
-            <a:spLocks noGrp="1"/>
-          </p:cNvSpPr>
-          <p:nvPr>
-            <p:ph type="title"/>
-          </p:nvPr>
-        </p:nvSpPr>
-        <p:spPr/>
-        <p:txBody>
-          <a:bodyPr/>
-          <a:lstStyle/>
-          <a:p>
-            <a:r>
-              <a:rPr lang="en-US" dirty="0">
-                <a:latin typeface="Helvetica" pitchFamily="2" charset="0"/>
-              </a:rPr>
-              <a:t>Goals for this lecture</a:t>
-            </a:r>
-          </a:p>
-        </p:txBody>
-      </p:sp>
-      <p:sp>
-        <p:nvSpPr>
-          <p:cNvPr id="3" name="Content Placeholder 2">
-            <a:extLst>
-              <a:ext uri="{FF2B5EF4-FFF2-40B4-BE49-F238E27FC236}">
-                <a16:creationId xmlns:a16="http://schemas.microsoft.com/office/drawing/2014/main" id="{5CA546AA-4E86-3545-8408-AE9D392CED1A}"/>
-              </a:ext>
-            </a:extLst>
-          </p:cNvPr>
-          <p:cNvSpPr>
-            <a:spLocks noGrp="1"/>
-          </p:cNvSpPr>
-          <p:nvPr>
-            <p:ph idx="1"/>
-          </p:nvPr>
-        </p:nvSpPr>
-        <p:spPr/>
-        <p:txBody>
-          <a:bodyPr>
-            <a:normAutofit lnSpcReduction="10000"/>
-          </a:bodyPr>
-          <a:lstStyle/>
-          <a:p>
-            <a:r>
-              <a:rPr lang="en-US" sz="2600" dirty="0">
-                <a:latin typeface="Helvetica" pitchFamily="2" charset="0"/>
-              </a:rPr>
-              <a:t>Understand the difference between statistical and mechanistic models</a:t>
-            </a:r>
-            <a:br>
-              <a:rPr lang="en-US" sz="2600" dirty="0">
-                <a:latin typeface="Helvetica" pitchFamily="2" charset="0"/>
-              </a:rPr>
-            </a:br>
-            <a:r>
-              <a:rPr lang="en-US" sz="2600" dirty="0" err="1">
-                <a:solidFill>
-                  <a:srgbClr val="0070C0"/>
-                </a:solidFill>
-                <a:latin typeface="Helvetica" pitchFamily="2" charset="0"/>
-              </a:rPr>
-              <a:t>Comprendre</a:t>
-            </a:r>
-            <a:r>
-              <a:rPr lang="en-US" sz="2600" dirty="0">
-                <a:solidFill>
-                  <a:srgbClr val="0070C0"/>
-                </a:solidFill>
-                <a:latin typeface="Helvetica" pitchFamily="2" charset="0"/>
-              </a:rPr>
-              <a:t> la </a:t>
-            </a:r>
-            <a:r>
-              <a:rPr lang="en-US" sz="2600" dirty="0" err="1">
-                <a:solidFill>
-                  <a:srgbClr val="0070C0"/>
-                </a:solidFill>
-                <a:latin typeface="Helvetica" pitchFamily="2" charset="0"/>
-              </a:rPr>
-              <a:t>différence</a:t>
-            </a:r>
-            <a:r>
-              <a:rPr lang="en-US" sz="2600" dirty="0">
-                <a:solidFill>
-                  <a:srgbClr val="0070C0"/>
-                </a:solidFill>
-                <a:latin typeface="Helvetica" pitchFamily="2" charset="0"/>
-              </a:rPr>
-              <a:t> entre les </a:t>
-            </a:r>
-            <a:r>
-              <a:rPr lang="en-US" sz="2600" dirty="0" err="1">
-                <a:solidFill>
-                  <a:srgbClr val="0070C0"/>
-                </a:solidFill>
-                <a:latin typeface="Helvetica" pitchFamily="2" charset="0"/>
-              </a:rPr>
-              <a:t>modèles</a:t>
-            </a:r>
-            <a:r>
-              <a:rPr lang="en-US" sz="2600" dirty="0">
-                <a:solidFill>
-                  <a:srgbClr val="0070C0"/>
-                </a:solidFill>
-                <a:latin typeface="Helvetica" pitchFamily="2" charset="0"/>
-              </a:rPr>
-              <a:t> </a:t>
-            </a:r>
-            <a:r>
-              <a:rPr lang="en-US" sz="2600" dirty="0" err="1">
-                <a:solidFill>
-                  <a:srgbClr val="0070C0"/>
-                </a:solidFill>
-                <a:latin typeface="Helvetica" pitchFamily="2" charset="0"/>
-              </a:rPr>
-              <a:t>statistiques</a:t>
-            </a:r>
-            <a:r>
-              <a:rPr lang="en-US" sz="2600" dirty="0">
-                <a:solidFill>
-                  <a:srgbClr val="0070C0"/>
-                </a:solidFill>
-                <a:latin typeface="Helvetica" pitchFamily="2" charset="0"/>
-              </a:rPr>
-              <a:t> et </a:t>
-            </a:r>
-            <a:r>
-              <a:rPr lang="en-US" sz="2600" dirty="0" err="1">
-                <a:solidFill>
-                  <a:srgbClr val="0070C0"/>
-                </a:solidFill>
-                <a:latin typeface="Helvetica" pitchFamily="2" charset="0"/>
-              </a:rPr>
-              <a:t>mécanistes</a:t>
-            </a:r>
-            <a:r>
-              <a:rPr lang="en-US" sz="2600" dirty="0">
-                <a:solidFill>
-                  <a:srgbClr val="0070C0"/>
-                </a:solidFill>
-                <a:latin typeface="Helvetica" pitchFamily="2" charset="0"/>
-              </a:rPr>
-              <a:t>.</a:t>
-            </a:r>
-          </a:p>
-          <a:p>
-            <a:endParaRPr lang="en-US" sz="2600" dirty="0">
-              <a:solidFill>
-                <a:srgbClr val="0070C0"/>
-              </a:solidFill>
-              <a:latin typeface="Helvetica" pitchFamily="2" charset="0"/>
-            </a:endParaRPr>
-          </a:p>
-          <a:p>
-            <a:r>
-              <a:rPr lang="en-US" sz="2600" dirty="0">
-                <a:latin typeface="Helvetica" pitchFamily="2" charset="0"/>
-              </a:rPr>
-              <a:t>Understand how to formalize and conceptualize compartmental models</a:t>
-            </a:r>
-            <a:br>
-              <a:rPr lang="en-US" sz="2600" dirty="0">
-                <a:latin typeface="Helvetica" pitchFamily="2" charset="0"/>
-              </a:rPr>
-            </a:br>
-            <a:r>
-              <a:rPr lang="en-US" sz="2600" dirty="0" err="1">
-                <a:solidFill>
-                  <a:srgbClr val="0070C0"/>
-                </a:solidFill>
-                <a:latin typeface="Helvetica" pitchFamily="2" charset="0"/>
-              </a:rPr>
-              <a:t>Comprendre</a:t>
-            </a:r>
-            <a:r>
-              <a:rPr lang="en-US" sz="2600" dirty="0">
-                <a:solidFill>
-                  <a:srgbClr val="0070C0"/>
-                </a:solidFill>
-                <a:latin typeface="Helvetica" pitchFamily="2" charset="0"/>
-              </a:rPr>
-              <a:t> comment on </a:t>
-            </a:r>
-            <a:r>
-              <a:rPr lang="en-US" sz="2600" dirty="0" err="1">
-                <a:solidFill>
-                  <a:srgbClr val="0070C0"/>
-                </a:solidFill>
-                <a:latin typeface="Helvetica" pitchFamily="2" charset="0"/>
-              </a:rPr>
-              <a:t>peut</a:t>
-            </a:r>
-            <a:r>
-              <a:rPr lang="en-US" sz="2600" dirty="0">
-                <a:solidFill>
-                  <a:srgbClr val="0070C0"/>
-                </a:solidFill>
-                <a:latin typeface="Helvetica" pitchFamily="2" charset="0"/>
-              </a:rPr>
-              <a:t> </a:t>
-            </a:r>
-            <a:r>
-              <a:rPr lang="en-US" sz="2600" dirty="0" err="1">
-                <a:solidFill>
-                  <a:srgbClr val="0070C0"/>
-                </a:solidFill>
-                <a:latin typeface="Helvetica" pitchFamily="2" charset="0"/>
-              </a:rPr>
-              <a:t>formuler</a:t>
-            </a:r>
-            <a:r>
-              <a:rPr lang="en-US" sz="2600" dirty="0">
-                <a:solidFill>
-                  <a:srgbClr val="0070C0"/>
-                </a:solidFill>
-                <a:latin typeface="Helvetica" pitchFamily="2" charset="0"/>
-              </a:rPr>
-              <a:t> et </a:t>
-            </a:r>
-            <a:r>
-              <a:rPr lang="en-US" sz="2600" dirty="0" err="1">
-                <a:solidFill>
-                  <a:srgbClr val="0070C0"/>
-                </a:solidFill>
-                <a:latin typeface="Helvetica" pitchFamily="2" charset="0"/>
-              </a:rPr>
-              <a:t>conceptualiser</a:t>
-            </a:r>
-            <a:r>
-              <a:rPr lang="en-US" sz="2600" dirty="0">
-                <a:solidFill>
-                  <a:srgbClr val="0070C0"/>
-                </a:solidFill>
-                <a:latin typeface="Helvetica" pitchFamily="2" charset="0"/>
-              </a:rPr>
-              <a:t> les </a:t>
-            </a:r>
-            <a:r>
-              <a:rPr lang="en-US" sz="2600" dirty="0" err="1">
-                <a:solidFill>
-                  <a:srgbClr val="0070C0"/>
-                </a:solidFill>
-                <a:latin typeface="Helvetica" pitchFamily="2" charset="0"/>
-              </a:rPr>
-              <a:t>modèles</a:t>
-            </a:r>
-            <a:r>
-              <a:rPr lang="en-US" sz="2600" dirty="0">
-                <a:solidFill>
-                  <a:srgbClr val="0070C0"/>
-                </a:solidFill>
-                <a:latin typeface="Helvetica" pitchFamily="2" charset="0"/>
-              </a:rPr>
-              <a:t> </a:t>
-            </a:r>
-            <a:r>
-              <a:rPr lang="en-US" sz="2600" dirty="0" err="1">
-                <a:solidFill>
-                  <a:srgbClr val="0070C0"/>
-                </a:solidFill>
-                <a:latin typeface="Helvetica" pitchFamily="2" charset="0"/>
-              </a:rPr>
-              <a:t>compartimentés</a:t>
-            </a:r>
-            <a:endParaRPr lang="en-US" sz="2600" dirty="0">
-              <a:solidFill>
-                <a:srgbClr val="0070C0"/>
-              </a:solidFill>
-              <a:latin typeface="Helvetica" pitchFamily="2" charset="0"/>
-            </a:endParaRPr>
-          </a:p>
-          <a:p>
-            <a:r>
-              <a:rPr lang="en-US" sz="2600" dirty="0">
-                <a:solidFill>
-                  <a:srgbClr val="0070C0"/>
-                </a:solidFill>
-                <a:latin typeface="Helvetica" pitchFamily="2" charset="0"/>
-              </a:rPr>
-              <a:t> </a:t>
-            </a:r>
-          </a:p>
-          <a:p>
-            <a:r>
-              <a:rPr lang="en-US" sz="2600" dirty="0">
-                <a:latin typeface="Helvetica" pitchFamily="2" charset="0"/>
-              </a:rPr>
-              <a:t>Example: population growth, predator prey, SIR models</a:t>
-            </a:r>
-          </a:p>
-          <a:p>
-            <a:endParaRPr lang="en-US" sz="2600" dirty="0">
-              <a:latin typeface="Helvetica" pitchFamily="2" charset="0"/>
-            </a:endParaRPr>
-          </a:p>
-        </p:txBody>
-      </p:sp>
-      <p:sp>
-        <p:nvSpPr>
-          <p:cNvPr id="5" name="Rectangle 4">
-            <a:extLst>
-              <a:ext uri="{FF2B5EF4-FFF2-40B4-BE49-F238E27FC236}">
-                <a16:creationId xmlns:a16="http://schemas.microsoft.com/office/drawing/2014/main" id="{1D050BF7-5241-FA48-BD86-78B6CA99FF3E}"/>
+                <a16:creationId xmlns:a16="http://schemas.microsoft.com/office/drawing/2014/main" id="{F179DAC2-DE15-214D-B0C6-7477824DC2C7}"/>
               </a:ext>
             </a:extLst>
           </p:cNvPr>
@@ -32788,18 +34770,16 @@
         </p:nvSpPr>
         <p:spPr>
           <a:xfrm>
-            <a:off x="695153" y="5054138"/>
-            <a:ext cx="7753694" cy="1438736"/>
+            <a:off x="5016740" y="4048303"/>
+            <a:ext cx="2281835" cy="771882"/>
           </a:xfrm>
           <a:prstGeom prst="rect">
             <a:avLst/>
           </a:prstGeom>
-          <a:solidFill>
-            <a:schemeClr val="bg1"/>
-          </a:solidFill>
+          <a:noFill/>
           <a:ln>
             <a:solidFill>
-              <a:schemeClr val="bg1"/>
+              <a:schemeClr val="tx1"/>
             </a:solidFill>
           </a:ln>
         </p:spPr>
@@ -32824,14 +34804,651 @@
           <a:lstStyle/>
           <a:p>
             <a:pPr algn="ctr"/>
-            <a:endParaRPr lang="en-US"/>
+            <a:r>
+              <a:rPr lang="en-US" dirty="0">
+                <a:solidFill>
+                  <a:schemeClr val="tx1"/>
+                </a:solidFill>
+              </a:rPr>
+              <a:t>s</a:t>
+            </a:r>
+            <a:r>
+              <a:rPr lang="en-US" baseline="-25000" dirty="0">
+                <a:solidFill>
+                  <a:schemeClr val="tx1"/>
+                </a:solidFill>
+              </a:rPr>
+              <a:t>b</a:t>
+            </a:r>
+            <a:r>
+              <a:rPr lang="en-US" dirty="0">
+                <a:solidFill>
+                  <a:schemeClr val="tx1"/>
+                </a:solidFill>
+              </a:rPr>
+              <a:t>(1-</a:t>
+            </a:r>
+            <a:r>
+              <a:rPr lang="en-US" i="1" dirty="0">
+                <a:solidFill>
+                  <a:schemeClr val="tx1"/>
+                </a:solidFill>
+              </a:rPr>
+              <a:t>a</a:t>
+            </a:r>
+            <a:r>
+              <a:rPr lang="en-US" dirty="0">
+                <a:solidFill>
+                  <a:schemeClr val="tx1"/>
+                </a:solidFill>
+              </a:rPr>
+              <a:t>) </a:t>
+            </a:r>
+            <a:r>
+              <a:rPr lang="en-US" dirty="0" err="1">
+                <a:solidFill>
+                  <a:schemeClr val="tx1"/>
+                </a:solidFill>
+              </a:rPr>
+              <a:t>n</a:t>
+            </a:r>
+            <a:r>
+              <a:rPr lang="en-US" baseline="-25000" dirty="0" err="1">
+                <a:solidFill>
+                  <a:schemeClr val="tx1"/>
+                </a:solidFill>
+              </a:rPr>
+              <a:t>b</a:t>
+            </a:r>
+            <a:r>
+              <a:rPr lang="en-US" baseline="-25000" dirty="0">
+                <a:solidFill>
+                  <a:schemeClr val="tx1"/>
+                </a:solidFill>
+              </a:rPr>
+              <a:t> </a:t>
+            </a:r>
+            <a:r>
+              <a:rPr lang="en-US" dirty="0">
+                <a:solidFill>
+                  <a:schemeClr val="tx1"/>
+                </a:solidFill>
+              </a:rPr>
+              <a:t>+ </a:t>
+            </a:r>
+            <a:r>
+              <a:rPr lang="en-US" dirty="0" err="1">
+                <a:solidFill>
+                  <a:schemeClr val="tx1"/>
+                </a:solidFill>
+              </a:rPr>
+              <a:t>bn</a:t>
+            </a:r>
+            <a:r>
+              <a:rPr lang="en-US" baseline="-25000" dirty="0" err="1">
+                <a:solidFill>
+                  <a:schemeClr val="tx1"/>
+                </a:solidFill>
+              </a:rPr>
+              <a:t>a</a:t>
+            </a:r>
+            <a:r>
+              <a:rPr lang="en-US" dirty="0">
+                <a:solidFill>
+                  <a:schemeClr val="tx1"/>
+                </a:solidFill>
+              </a:rPr>
+              <a:t> </a:t>
+            </a:r>
+          </a:p>
+        </p:txBody>
+      </p:sp>
+      <p:sp>
+        <p:nvSpPr>
+          <p:cNvPr id="23" name="Rectangle 22">
+            <a:extLst>
+              <a:ext uri="{FF2B5EF4-FFF2-40B4-BE49-F238E27FC236}">
+                <a16:creationId xmlns:a16="http://schemas.microsoft.com/office/drawing/2014/main" id="{BF2EF248-0A2E-B145-BB35-BE619D596407}"/>
+              </a:ext>
+            </a:extLst>
+          </p:cNvPr>
+          <p:cNvSpPr/>
+          <p:nvPr/>
+        </p:nvSpPr>
+        <p:spPr>
+          <a:xfrm>
+            <a:off x="5008792" y="4834232"/>
+            <a:ext cx="2289783" cy="774657"/>
+          </a:xfrm>
+          <a:prstGeom prst="rect">
+            <a:avLst/>
+          </a:prstGeom>
+          <a:noFill/>
+          <a:ln>
+            <a:solidFill>
+              <a:schemeClr val="tx1"/>
+            </a:solidFill>
+          </a:ln>
+        </p:spPr>
+        <p:style>
+          <a:lnRef idx="2">
+            <a:schemeClr val="accent1">
+              <a:shade val="50000"/>
+            </a:schemeClr>
+          </a:lnRef>
+          <a:fillRef idx="1">
+            <a:schemeClr val="accent1"/>
+          </a:fillRef>
+          <a:effectRef idx="0">
+            <a:schemeClr val="accent1"/>
+          </a:effectRef>
+          <a:fontRef idx="minor">
+            <a:schemeClr val="lt1"/>
+          </a:fontRef>
+        </p:style>
+        <p:txBody>
+          <a:bodyPr rtlCol="0" anchor="ctr"/>
+          <a:lstStyle/>
+          <a:p>
+            <a:pPr algn="ctr"/>
+            <a:r>
+              <a:rPr lang="en-US" dirty="0">
+                <a:solidFill>
+                  <a:schemeClr val="tx1"/>
+                </a:solidFill>
+              </a:rPr>
+              <a:t>s</a:t>
+            </a:r>
+            <a:r>
+              <a:rPr lang="en-US" baseline="-25000" dirty="0">
+                <a:solidFill>
+                  <a:schemeClr val="tx1"/>
+                </a:solidFill>
+              </a:rPr>
+              <a:t>b </a:t>
+            </a:r>
+            <a:r>
+              <a:rPr lang="en-US" i="1" dirty="0">
+                <a:solidFill>
+                  <a:schemeClr val="tx1"/>
+                </a:solidFill>
+              </a:rPr>
+              <a:t>a</a:t>
+            </a:r>
+            <a:r>
+              <a:rPr lang="en-US" dirty="0">
+                <a:solidFill>
+                  <a:schemeClr val="tx1"/>
+                </a:solidFill>
+              </a:rPr>
+              <a:t> </a:t>
+            </a:r>
+            <a:r>
+              <a:rPr lang="en-US" dirty="0" err="1">
+                <a:solidFill>
+                  <a:schemeClr val="tx1"/>
+                </a:solidFill>
+              </a:rPr>
+              <a:t>n</a:t>
+            </a:r>
+            <a:r>
+              <a:rPr lang="en-US" baseline="-25000" dirty="0" err="1">
+                <a:solidFill>
+                  <a:schemeClr val="tx1"/>
+                </a:solidFill>
+              </a:rPr>
+              <a:t>b</a:t>
+            </a:r>
+            <a:r>
+              <a:rPr lang="en-US" baseline="-25000" dirty="0">
+                <a:solidFill>
+                  <a:schemeClr val="tx1"/>
+                </a:solidFill>
+              </a:rPr>
+              <a:t> </a:t>
+            </a:r>
+            <a:r>
+              <a:rPr lang="en-US" dirty="0">
+                <a:solidFill>
+                  <a:schemeClr val="tx1"/>
+                </a:solidFill>
+              </a:rPr>
+              <a:t>+ </a:t>
+            </a:r>
+            <a:r>
+              <a:rPr lang="en-US" dirty="0" err="1">
+                <a:solidFill>
+                  <a:schemeClr val="tx1"/>
+                </a:solidFill>
+              </a:rPr>
+              <a:t>s</a:t>
+            </a:r>
+            <a:r>
+              <a:rPr lang="en-US" baseline="-25000" dirty="0" err="1">
+                <a:solidFill>
+                  <a:schemeClr val="tx1"/>
+                </a:solidFill>
+              </a:rPr>
+              <a:t>a</a:t>
+            </a:r>
+            <a:r>
+              <a:rPr lang="en-US" dirty="0" err="1">
+                <a:solidFill>
+                  <a:schemeClr val="tx1"/>
+                </a:solidFill>
+              </a:rPr>
+              <a:t>n</a:t>
+            </a:r>
+            <a:r>
+              <a:rPr lang="en-US" baseline="-25000" dirty="0" err="1">
+                <a:solidFill>
+                  <a:schemeClr val="tx1"/>
+                </a:solidFill>
+              </a:rPr>
+              <a:t>a</a:t>
+            </a:r>
+            <a:r>
+              <a:rPr lang="en-US" dirty="0">
+                <a:solidFill>
+                  <a:schemeClr val="tx1"/>
+                </a:solidFill>
+              </a:rPr>
+              <a:t> </a:t>
+            </a:r>
+          </a:p>
+        </p:txBody>
+      </p:sp>
+      <p:sp>
+        <p:nvSpPr>
+          <p:cNvPr id="24" name="Rectangle 23">
+            <a:extLst>
+              <a:ext uri="{FF2B5EF4-FFF2-40B4-BE49-F238E27FC236}">
+                <a16:creationId xmlns:a16="http://schemas.microsoft.com/office/drawing/2014/main" id="{99B29822-2D50-A14A-9CAF-10879ABA52CD}"/>
+              </a:ext>
+            </a:extLst>
+          </p:cNvPr>
+          <p:cNvSpPr/>
+          <p:nvPr/>
+        </p:nvSpPr>
+        <p:spPr>
+          <a:xfrm>
+            <a:off x="1187027" y="3476895"/>
+            <a:ext cx="407484" cy="461665"/>
+          </a:xfrm>
+          <a:prstGeom prst="rect">
+            <a:avLst/>
+          </a:prstGeom>
+        </p:spPr>
+        <p:txBody>
+          <a:bodyPr wrap="none">
+            <a:spAutoFit/>
+          </a:bodyPr>
+          <a:lstStyle/>
+          <a:p>
+            <a:r>
+              <a:rPr lang="en-US" sz="2400" b="1" dirty="0">
+                <a:latin typeface="Helvetica" pitchFamily="2" charset="0"/>
+              </a:rPr>
+              <a:t>A</a:t>
+            </a:r>
+          </a:p>
+        </p:txBody>
+      </p:sp>
+      <p:sp>
+        <p:nvSpPr>
+          <p:cNvPr id="25" name="Rectangle 24">
+            <a:extLst>
+              <a:ext uri="{FF2B5EF4-FFF2-40B4-BE49-F238E27FC236}">
+                <a16:creationId xmlns:a16="http://schemas.microsoft.com/office/drawing/2014/main" id="{B5A67085-C303-8845-81F7-114950FA6F17}"/>
+              </a:ext>
+            </a:extLst>
+          </p:cNvPr>
+          <p:cNvSpPr/>
+          <p:nvPr/>
+        </p:nvSpPr>
+        <p:spPr>
+          <a:xfrm>
+            <a:off x="3498978" y="3487282"/>
+            <a:ext cx="441146" cy="461665"/>
+          </a:xfrm>
+          <a:prstGeom prst="rect">
+            <a:avLst/>
+          </a:prstGeom>
+        </p:spPr>
+        <p:txBody>
+          <a:bodyPr wrap="none">
+            <a:spAutoFit/>
+          </a:bodyPr>
+          <a:lstStyle/>
+          <a:p>
+            <a:r>
+              <a:rPr lang="en-US" sz="2400" b="1" dirty="0" err="1">
+                <a:latin typeface="Helvetica" pitchFamily="2" charset="0"/>
+              </a:rPr>
+              <a:t>n</a:t>
+            </a:r>
+            <a:r>
+              <a:rPr lang="en-US" sz="2400" b="1" baseline="-25000" dirty="0" err="1">
+                <a:latin typeface="Helvetica" pitchFamily="2" charset="0"/>
+              </a:rPr>
+              <a:t>t</a:t>
+            </a:r>
+            <a:endParaRPr lang="en-US" sz="2400" b="1" baseline="-25000" dirty="0">
+              <a:latin typeface="Helvetica" pitchFamily="2" charset="0"/>
+            </a:endParaRPr>
+          </a:p>
+        </p:txBody>
+      </p:sp>
+      <p:sp>
+        <p:nvSpPr>
+          <p:cNvPr id="26" name="Rectangle 25">
+            <a:extLst>
+              <a:ext uri="{FF2B5EF4-FFF2-40B4-BE49-F238E27FC236}">
+                <a16:creationId xmlns:a16="http://schemas.microsoft.com/office/drawing/2014/main" id="{BB72D52A-E9B4-9946-8D84-3FFC1F240A1A}"/>
+              </a:ext>
+            </a:extLst>
+          </p:cNvPr>
+          <p:cNvSpPr/>
+          <p:nvPr/>
+        </p:nvSpPr>
+        <p:spPr>
+          <a:xfrm>
+            <a:off x="5816089" y="3487282"/>
+            <a:ext cx="675186" cy="461665"/>
+          </a:xfrm>
+          <a:prstGeom prst="rect">
+            <a:avLst/>
+          </a:prstGeom>
+        </p:spPr>
+        <p:txBody>
+          <a:bodyPr wrap="none">
+            <a:spAutoFit/>
+          </a:bodyPr>
+          <a:lstStyle/>
+          <a:p>
+            <a:pPr algn="ctr"/>
+            <a:r>
+              <a:rPr lang="en-US" sz="2400" b="1" dirty="0">
+                <a:solidFill>
+                  <a:srgbClr val="000000"/>
+                </a:solidFill>
+                <a:effectLst/>
+                <a:latin typeface="Helvetica" pitchFamily="2" charset="0"/>
+                <a:cs typeface="Gill Sans" panose="020B0502020104020203" pitchFamily="34" charset="-79"/>
+              </a:rPr>
+              <a:t>n</a:t>
+            </a:r>
+            <a:r>
+              <a:rPr lang="en-US" sz="2400" b="1" baseline="-25000" dirty="0">
+                <a:solidFill>
+                  <a:srgbClr val="000000"/>
+                </a:solidFill>
+                <a:effectLst/>
+                <a:latin typeface="Helvetica" pitchFamily="2" charset="0"/>
+                <a:cs typeface="Gill Sans" panose="020B0502020104020203" pitchFamily="34" charset="-79"/>
+              </a:rPr>
+              <a:t>t+1</a:t>
+            </a:r>
+            <a:endParaRPr lang="en-US" sz="2400" dirty="0">
+              <a:solidFill>
+                <a:srgbClr val="000000"/>
+              </a:solidFill>
+              <a:effectLst/>
+              <a:latin typeface="Helvetica" pitchFamily="2" charset="0"/>
+              <a:cs typeface="Gill Sans" panose="020B0502020104020203" pitchFamily="34" charset="-79"/>
+            </a:endParaRPr>
+          </a:p>
+        </p:txBody>
+      </p:sp>
+      <p:sp>
+        <p:nvSpPr>
+          <p:cNvPr id="27" name="Rectangle 26">
+            <a:extLst>
+              <a:ext uri="{FF2B5EF4-FFF2-40B4-BE49-F238E27FC236}">
+                <a16:creationId xmlns:a16="http://schemas.microsoft.com/office/drawing/2014/main" id="{095F44A1-83AB-FA41-966C-60439041A003}"/>
+              </a:ext>
+            </a:extLst>
+          </p:cNvPr>
+          <p:cNvSpPr/>
+          <p:nvPr/>
+        </p:nvSpPr>
+        <p:spPr>
+          <a:xfrm>
+            <a:off x="2586707" y="4589352"/>
+            <a:ext cx="441146" cy="461665"/>
+          </a:xfrm>
+          <a:prstGeom prst="rect">
+            <a:avLst/>
+          </a:prstGeom>
+        </p:spPr>
+        <p:txBody>
+          <a:bodyPr wrap="square">
+            <a:spAutoFit/>
+          </a:bodyPr>
+          <a:lstStyle/>
+          <a:p>
+            <a:r>
+              <a:rPr lang="en-US" sz="2400" b="1" dirty="0">
+                <a:latin typeface="Helvetica" pitchFamily="2" charset="0"/>
+              </a:rPr>
+              <a:t>x</a:t>
+            </a:r>
+          </a:p>
+        </p:txBody>
+      </p:sp>
+      <p:sp>
+        <p:nvSpPr>
+          <p:cNvPr id="28" name="Rectangle 27">
+            <a:extLst>
+              <a:ext uri="{FF2B5EF4-FFF2-40B4-BE49-F238E27FC236}">
+                <a16:creationId xmlns:a16="http://schemas.microsoft.com/office/drawing/2014/main" id="{5D4A7488-4153-7241-A251-D598976AC593}"/>
+              </a:ext>
+            </a:extLst>
+          </p:cNvPr>
+          <p:cNvSpPr/>
+          <p:nvPr/>
+        </p:nvSpPr>
+        <p:spPr>
+          <a:xfrm>
+            <a:off x="4361022" y="4546842"/>
+            <a:ext cx="441146" cy="461665"/>
+          </a:xfrm>
+          <a:prstGeom prst="rect">
+            <a:avLst/>
+          </a:prstGeom>
+        </p:spPr>
+        <p:txBody>
+          <a:bodyPr wrap="square">
+            <a:spAutoFit/>
+          </a:bodyPr>
+          <a:lstStyle/>
+          <a:p>
+            <a:r>
+              <a:rPr lang="en-US" sz="2400" b="1" dirty="0">
+                <a:latin typeface="Helvetica" pitchFamily="2" charset="0"/>
+              </a:rPr>
+              <a:t>=</a:t>
+            </a:r>
+          </a:p>
+        </p:txBody>
+      </p:sp>
+      <p:sp>
+        <p:nvSpPr>
+          <p:cNvPr id="29" name="Rectangle 28">
+            <a:extLst>
+              <a:ext uri="{FF2B5EF4-FFF2-40B4-BE49-F238E27FC236}">
+                <a16:creationId xmlns:a16="http://schemas.microsoft.com/office/drawing/2014/main" id="{10B391E2-C8F8-0D41-A7AB-414306BD231C}"/>
+              </a:ext>
+            </a:extLst>
+          </p:cNvPr>
+          <p:cNvSpPr/>
+          <p:nvPr/>
+        </p:nvSpPr>
+        <p:spPr>
+          <a:xfrm>
+            <a:off x="4695847" y="336665"/>
+            <a:ext cx="2904641" cy="369332"/>
+          </a:xfrm>
+          <a:prstGeom prst="rect">
+            <a:avLst/>
+          </a:prstGeom>
+        </p:spPr>
+        <p:txBody>
+          <a:bodyPr wrap="none">
+            <a:spAutoFit/>
+          </a:bodyPr>
+          <a:lstStyle/>
+          <a:p>
+            <a:r>
+              <a:rPr lang="en-US" dirty="0">
+                <a:solidFill>
+                  <a:srgbClr val="FF0000"/>
+                </a:solidFill>
+              </a:rPr>
+              <a:t>Structured population model</a:t>
+            </a:r>
+          </a:p>
+        </p:txBody>
+      </p:sp>
+      <p:sp>
+        <p:nvSpPr>
+          <p:cNvPr id="30" name="Rectangle 29">
+            <a:extLst>
+              <a:ext uri="{FF2B5EF4-FFF2-40B4-BE49-F238E27FC236}">
+                <a16:creationId xmlns:a16="http://schemas.microsoft.com/office/drawing/2014/main" id="{19A8B827-8237-BC47-8814-7B7F63F82B35}"/>
+              </a:ext>
+            </a:extLst>
+          </p:cNvPr>
+          <p:cNvSpPr/>
+          <p:nvPr/>
+        </p:nvSpPr>
+        <p:spPr>
+          <a:xfrm>
+            <a:off x="4514593" y="705997"/>
+            <a:ext cx="3724096" cy="369332"/>
+          </a:xfrm>
+          <a:prstGeom prst="rect">
+            <a:avLst/>
+          </a:prstGeom>
+        </p:spPr>
+        <p:txBody>
+          <a:bodyPr wrap="none">
+            <a:spAutoFit/>
+          </a:bodyPr>
+          <a:lstStyle/>
+          <a:p>
+            <a:r>
+              <a:rPr lang="en-US" dirty="0" err="1">
+                <a:solidFill>
+                  <a:srgbClr val="0365C0"/>
+                </a:solidFill>
+                <a:effectLst/>
+                <a:latin typeface="Helvetica" pitchFamily="2" charset="0"/>
+              </a:rPr>
+              <a:t>Modèle</a:t>
+            </a:r>
+            <a:r>
+              <a:rPr lang="en-US" dirty="0">
+                <a:solidFill>
+                  <a:srgbClr val="0365C0"/>
+                </a:solidFill>
+                <a:effectLst/>
+                <a:latin typeface="Helvetica" pitchFamily="2" charset="0"/>
+              </a:rPr>
+              <a:t> de la population </a:t>
+            </a:r>
+            <a:r>
+              <a:rPr lang="en-US" dirty="0" err="1">
+                <a:solidFill>
+                  <a:srgbClr val="0365C0"/>
+                </a:solidFill>
+                <a:effectLst/>
+                <a:latin typeface="Helvetica" pitchFamily="2" charset="0"/>
+              </a:rPr>
+              <a:t>structurée</a:t>
+            </a:r>
+            <a:endParaRPr lang="en-US" dirty="0">
+              <a:solidFill>
+                <a:srgbClr val="0365C0"/>
+              </a:solidFill>
+              <a:effectLst/>
+              <a:latin typeface="Helvetica" pitchFamily="2" charset="0"/>
+            </a:endParaRPr>
+          </a:p>
+        </p:txBody>
+      </p:sp>
+      <p:pic>
+        <p:nvPicPr>
+          <p:cNvPr id="31" name="Picture 30">
+            <a:extLst>
+              <a:ext uri="{FF2B5EF4-FFF2-40B4-BE49-F238E27FC236}">
+                <a16:creationId xmlns:a16="http://schemas.microsoft.com/office/drawing/2014/main" id="{40F439D4-EEBC-7449-A990-0762C6B96E0E}"/>
+              </a:ext>
+            </a:extLst>
+          </p:cNvPr>
+          <p:cNvPicPr>
+            <a:picLocks noChangeAspect="1"/>
+          </p:cNvPicPr>
+          <p:nvPr/>
+        </p:nvPicPr>
+        <p:blipFill>
+          <a:blip r:embed="rId3"/>
+          <a:stretch>
+            <a:fillRect/>
+          </a:stretch>
+        </p:blipFill>
+        <p:spPr>
+          <a:xfrm>
+            <a:off x="4695847" y="1402711"/>
+            <a:ext cx="2463800" cy="444500"/>
+          </a:xfrm>
+          <a:prstGeom prst="rect">
+            <a:avLst/>
+          </a:prstGeom>
+        </p:spPr>
+      </p:pic>
+      <p:sp>
+        <p:nvSpPr>
+          <p:cNvPr id="32" name="Rectangle 31">
+            <a:extLst>
+              <a:ext uri="{FF2B5EF4-FFF2-40B4-BE49-F238E27FC236}">
+                <a16:creationId xmlns:a16="http://schemas.microsoft.com/office/drawing/2014/main" id="{E86C977B-9EA1-E145-BD92-4C8AF482FA3F}"/>
+              </a:ext>
+            </a:extLst>
+          </p:cNvPr>
+          <p:cNvSpPr/>
+          <p:nvPr/>
+        </p:nvSpPr>
+        <p:spPr>
+          <a:xfrm>
+            <a:off x="1296786" y="6383460"/>
+            <a:ext cx="5529462" cy="369332"/>
+          </a:xfrm>
+          <a:prstGeom prst="rect">
+            <a:avLst/>
+          </a:prstGeom>
+        </p:spPr>
+        <p:txBody>
+          <a:bodyPr wrap="none">
+            <a:spAutoFit/>
+          </a:bodyPr>
+          <a:lstStyle/>
+          <a:p>
+            <a:r>
+              <a:rPr lang="en-US" b="1" dirty="0">
+                <a:solidFill>
+                  <a:srgbClr val="FF0000"/>
+                </a:solidFill>
+              </a:rPr>
+              <a:t>Population growth will depend on population structure!</a:t>
+            </a:r>
           </a:p>
         </p:txBody>
       </p:sp>
     </p:spTree>
     <p:extLst>
       <p:ext uri="{BB962C8B-B14F-4D97-AF65-F5344CB8AC3E}">
-        <p14:creationId xmlns:p14="http://schemas.microsoft.com/office/powerpoint/2010/main" val="1414880056"/>
+        <p14:creationId xmlns:p14="http://schemas.microsoft.com/office/powerpoint/2010/main" val="1511627860"/>
       </p:ext>
     </p:extLst>
   </p:cSld>
@@ -32841,7 +35458,7 @@
 </p:sld>
 </file>
 
-<file path=ppt/slides/slide40.xml><?xml version="1.0" encoding="utf-8"?>
+<file path=ppt/slides/slide41.xml><?xml version="1.0" encoding="utf-8"?>
 <p:sld xmlns:a="http://schemas.openxmlformats.org/drawingml/2006/main" xmlns:r="http://schemas.openxmlformats.org/officeDocument/2006/relationships" xmlns:p="http://schemas.openxmlformats.org/presentationml/2006/main">
   <p:cSld>
     <p:spTree>
@@ -32921,7 +35538,7 @@
 </p:sld>
 </file>
 
-<file path=ppt/slides/slide41.xml><?xml version="1.0" encoding="utf-8"?>
+<file path=ppt/slides/slide42.xml><?xml version="1.0" encoding="utf-8"?>
 <p:sld xmlns:a="http://schemas.openxmlformats.org/drawingml/2006/main" xmlns:r="http://schemas.openxmlformats.org/officeDocument/2006/relationships" xmlns:p="http://schemas.openxmlformats.org/presentationml/2006/main">
   <p:cSld>
     <p:spTree>
@@ -33001,7 +35618,7 @@
 </p:sld>
 </file>
 
-<file path=ppt/slides/slide42.xml><?xml version="1.0" encoding="utf-8"?>
+<file path=ppt/slides/slide43.xml><?xml version="1.0" encoding="utf-8"?>
 <p:sld xmlns:a="http://schemas.openxmlformats.org/drawingml/2006/main" xmlns:r="http://schemas.openxmlformats.org/officeDocument/2006/relationships" xmlns:p="http://schemas.openxmlformats.org/presentationml/2006/main">
   <p:cSld>
     <p:spTree>
@@ -33081,7 +35698,7 @@
 </p:sld>
 </file>
 
-<file path=ppt/slides/slide43.xml><?xml version="1.0" encoding="utf-8"?>
+<file path=ppt/slides/slide44.xml><?xml version="1.0" encoding="utf-8"?>
 <p:sld xmlns:a="http://schemas.openxmlformats.org/drawingml/2006/main" xmlns:r="http://schemas.openxmlformats.org/officeDocument/2006/relationships" xmlns:p="http://schemas.openxmlformats.org/presentationml/2006/main">
   <p:cSld>
     <p:spTree>
@@ -33161,7 +35778,7 @@
 </p:sld>
 </file>
 
-<file path=ppt/slides/slide44.xml><?xml version="1.0" encoding="utf-8"?>
+<file path=ppt/slides/slide45.xml><?xml version="1.0" encoding="utf-8"?>
 <p:sld xmlns:a="http://schemas.openxmlformats.org/drawingml/2006/main" xmlns:r="http://schemas.openxmlformats.org/officeDocument/2006/relationships" xmlns:p="http://schemas.openxmlformats.org/presentationml/2006/main">
   <p:cSld>
     <p:spTree>
@@ -33241,7 +35858,7 @@
 </p:sld>
 </file>
 
-<file path=ppt/slides/slide45.xml><?xml version="1.0" encoding="utf-8"?>
+<file path=ppt/slides/slide46.xml><?xml version="1.0" encoding="utf-8"?>
 <p:sld xmlns:a="http://schemas.openxmlformats.org/drawingml/2006/main" xmlns:r="http://schemas.openxmlformats.org/officeDocument/2006/relationships" xmlns:p="http://schemas.openxmlformats.org/presentationml/2006/main">
   <p:cSld>
     <p:spTree>
@@ -33321,7 +35938,7 @@
 </p:sld>
 </file>
 
-<file path=ppt/slides/slide46.xml><?xml version="1.0" encoding="utf-8"?>
+<file path=ppt/slides/slide47.xml><?xml version="1.0" encoding="utf-8"?>
 <p:sld xmlns:a="http://schemas.openxmlformats.org/drawingml/2006/main" xmlns:r="http://schemas.openxmlformats.org/officeDocument/2006/relationships" xmlns:p="http://schemas.openxmlformats.org/presentationml/2006/main">
   <p:cSld>
     <p:spTree>
@@ -33401,7 +36018,7 @@
 </p:sld>
 </file>
 
-<file path=ppt/slides/slide47.xml><?xml version="1.0" encoding="utf-8"?>
+<file path=ppt/slides/slide48.xml><?xml version="1.0" encoding="utf-8"?>
 <p:sld xmlns:a="http://schemas.openxmlformats.org/drawingml/2006/main" xmlns:r="http://schemas.openxmlformats.org/officeDocument/2006/relationships" xmlns:p="http://schemas.openxmlformats.org/presentationml/2006/main">
   <p:cSld>
     <p:spTree>
@@ -33481,7 +36098,7 @@
 </p:sld>
 </file>
 
-<file path=ppt/slides/slide48.xml><?xml version="1.0" encoding="utf-8"?>
+<file path=ppt/slides/slide49.xml><?xml version="1.0" encoding="utf-8"?>
 <p:sld xmlns:a="http://schemas.openxmlformats.org/drawingml/2006/main" xmlns:r="http://schemas.openxmlformats.org/officeDocument/2006/relationships" xmlns:p="http://schemas.openxmlformats.org/presentationml/2006/main">
   <p:cSld>
     <p:spTree>
@@ -33552,86 +36169,6 @@
     <p:extLst>
       <p:ext uri="{BB962C8B-B14F-4D97-AF65-F5344CB8AC3E}">
         <p14:creationId xmlns:p14="http://schemas.microsoft.com/office/powerpoint/2010/main" val="2171632231"/>
-      </p:ext>
-    </p:extLst>
-  </p:cSld>
-  <p:clrMapOvr>
-    <a:masterClrMapping/>
-  </p:clrMapOvr>
-</p:sld>
-</file>
-
-<file path=ppt/slides/slide49.xml><?xml version="1.0" encoding="utf-8"?>
-<p:sld xmlns:a="http://schemas.openxmlformats.org/drawingml/2006/main" xmlns:r="http://schemas.openxmlformats.org/officeDocument/2006/relationships" xmlns:p="http://schemas.openxmlformats.org/presentationml/2006/main">
-  <p:cSld>
-    <p:spTree>
-      <p:nvGrpSpPr>
-        <p:cNvPr id="1" name=""/>
-        <p:cNvGrpSpPr/>
-        <p:nvPr/>
-      </p:nvGrpSpPr>
-      <p:grpSpPr>
-        <a:xfrm>
-          <a:off x="0" y="0"/>
-          <a:ext cx="0" cy="0"/>
-          <a:chOff x="0" y="0"/>
-          <a:chExt cx="0" cy="0"/>
-        </a:xfrm>
-      </p:grpSpPr>
-      <p:sp>
-        <p:nvSpPr>
-          <p:cNvPr id="2" name="Title 1">
-            <a:extLst>
-              <a:ext uri="{FF2B5EF4-FFF2-40B4-BE49-F238E27FC236}">
-                <a16:creationId xmlns:a16="http://schemas.microsoft.com/office/drawing/2014/main" id="{C393FF19-AC75-D544-88C4-08386AFDB8DF}"/>
-              </a:ext>
-            </a:extLst>
-          </p:cNvPr>
-          <p:cNvSpPr>
-            <a:spLocks noGrp="1"/>
-          </p:cNvSpPr>
-          <p:nvPr>
-            <p:ph type="title"/>
-          </p:nvPr>
-        </p:nvSpPr>
-        <p:spPr/>
-        <p:txBody>
-          <a:bodyPr/>
-          <a:lstStyle/>
-          <a:p>
-            <a:endParaRPr lang="en-US"/>
-          </a:p>
-        </p:txBody>
-      </p:sp>
-      <p:sp>
-        <p:nvSpPr>
-          <p:cNvPr id="3" name="Content Placeholder 2">
-            <a:extLst>
-              <a:ext uri="{FF2B5EF4-FFF2-40B4-BE49-F238E27FC236}">
-                <a16:creationId xmlns:a16="http://schemas.microsoft.com/office/drawing/2014/main" id="{7944830C-39D2-0F46-BD6A-7B9118E4A791}"/>
-              </a:ext>
-            </a:extLst>
-          </p:cNvPr>
-          <p:cNvSpPr>
-            <a:spLocks noGrp="1"/>
-          </p:cNvSpPr>
-          <p:nvPr>
-            <p:ph idx="1"/>
-          </p:nvPr>
-        </p:nvSpPr>
-        <p:spPr/>
-        <p:txBody>
-          <a:bodyPr/>
-          <a:lstStyle/>
-          <a:p>
-            <a:endParaRPr lang="en-US"/>
-          </a:p>
-        </p:txBody>
-      </p:sp>
-    </p:spTree>
-    <p:extLst>
-      <p:ext uri="{BB962C8B-B14F-4D97-AF65-F5344CB8AC3E}">
-        <p14:creationId xmlns:p14="http://schemas.microsoft.com/office/powerpoint/2010/main" val="3368680856"/>
       </p:ext>
     </p:extLst>
   </p:cSld>
@@ -33997,6 +36534,86 @@
           <p:cNvPr id="2" name="Title 1">
             <a:extLst>
               <a:ext uri="{FF2B5EF4-FFF2-40B4-BE49-F238E27FC236}">
+                <a16:creationId xmlns:a16="http://schemas.microsoft.com/office/drawing/2014/main" id="{C393FF19-AC75-D544-88C4-08386AFDB8DF}"/>
+              </a:ext>
+            </a:extLst>
+          </p:cNvPr>
+          <p:cNvSpPr>
+            <a:spLocks noGrp="1"/>
+          </p:cNvSpPr>
+          <p:nvPr>
+            <p:ph type="title"/>
+          </p:nvPr>
+        </p:nvSpPr>
+        <p:spPr/>
+        <p:txBody>
+          <a:bodyPr/>
+          <a:lstStyle/>
+          <a:p>
+            <a:endParaRPr lang="en-US"/>
+          </a:p>
+        </p:txBody>
+      </p:sp>
+      <p:sp>
+        <p:nvSpPr>
+          <p:cNvPr id="3" name="Content Placeholder 2">
+            <a:extLst>
+              <a:ext uri="{FF2B5EF4-FFF2-40B4-BE49-F238E27FC236}">
+                <a16:creationId xmlns:a16="http://schemas.microsoft.com/office/drawing/2014/main" id="{7944830C-39D2-0F46-BD6A-7B9118E4A791}"/>
+              </a:ext>
+            </a:extLst>
+          </p:cNvPr>
+          <p:cNvSpPr>
+            <a:spLocks noGrp="1"/>
+          </p:cNvSpPr>
+          <p:nvPr>
+            <p:ph idx="1"/>
+          </p:nvPr>
+        </p:nvSpPr>
+        <p:spPr/>
+        <p:txBody>
+          <a:bodyPr/>
+          <a:lstStyle/>
+          <a:p>
+            <a:endParaRPr lang="en-US"/>
+          </a:p>
+        </p:txBody>
+      </p:sp>
+    </p:spTree>
+    <p:extLst>
+      <p:ext uri="{BB962C8B-B14F-4D97-AF65-F5344CB8AC3E}">
+        <p14:creationId xmlns:p14="http://schemas.microsoft.com/office/powerpoint/2010/main" val="3368680856"/>
+      </p:ext>
+    </p:extLst>
+  </p:cSld>
+  <p:clrMapOvr>
+    <a:masterClrMapping/>
+  </p:clrMapOvr>
+</p:sld>
+</file>
+
+<file path=ppt/slides/slide51.xml><?xml version="1.0" encoding="utf-8"?>
+<p:sld xmlns:a="http://schemas.openxmlformats.org/drawingml/2006/main" xmlns:r="http://schemas.openxmlformats.org/officeDocument/2006/relationships" xmlns:p="http://schemas.openxmlformats.org/presentationml/2006/main">
+  <p:cSld>
+    <p:spTree>
+      <p:nvGrpSpPr>
+        <p:cNvPr id="1" name=""/>
+        <p:cNvGrpSpPr/>
+        <p:nvPr/>
+      </p:nvGrpSpPr>
+      <p:grpSpPr>
+        <a:xfrm>
+          <a:off x="0" y="0"/>
+          <a:ext cx="0" cy="0"/>
+          <a:chOff x="0" y="0"/>
+          <a:chExt cx="0" cy="0"/>
+        </a:xfrm>
+      </p:grpSpPr>
+      <p:sp>
+        <p:nvSpPr>
+          <p:cNvPr id="2" name="Title 1">
+            <a:extLst>
+              <a:ext uri="{FF2B5EF4-FFF2-40B4-BE49-F238E27FC236}">
                 <a16:creationId xmlns:a16="http://schemas.microsoft.com/office/drawing/2014/main" id="{7908D859-CCFA-F248-8808-099FCC608150}"/>
               </a:ext>
             </a:extLst>
@@ -34055,7 +36672,7 @@
 </p:sld>
 </file>
 
-<file path=ppt/slides/slide51.xml><?xml version="1.0" encoding="utf-8"?>
+<file path=ppt/slides/slide52.xml><?xml version="1.0" encoding="utf-8"?>
 <p:sld xmlns:a="http://schemas.openxmlformats.org/drawingml/2006/main" xmlns:r="http://schemas.openxmlformats.org/officeDocument/2006/relationships" xmlns:p="http://schemas.openxmlformats.org/presentationml/2006/main">
   <p:cSld>
     <p:spTree>
@@ -34135,7 +36752,7 @@
 </p:sld>
 </file>
 
-<file path=ppt/slides/slide52.xml><?xml version="1.0" encoding="utf-8"?>
+<file path=ppt/slides/slide53.xml><?xml version="1.0" encoding="utf-8"?>
 <p:sld xmlns:a="http://schemas.openxmlformats.org/drawingml/2006/main" xmlns:r="http://schemas.openxmlformats.org/officeDocument/2006/relationships" xmlns:p="http://schemas.openxmlformats.org/presentationml/2006/main">
   <p:cSld>
     <p:spTree>
@@ -34215,7 +36832,7 @@
 </p:sld>
 </file>
 
-<file path=ppt/slides/slide53.xml><?xml version="1.0" encoding="utf-8"?>
+<file path=ppt/slides/slide54.xml><?xml version="1.0" encoding="utf-8"?>
 <p:sld xmlns:a="http://schemas.openxmlformats.org/drawingml/2006/main" xmlns:r="http://schemas.openxmlformats.org/officeDocument/2006/relationships" xmlns:p="http://schemas.openxmlformats.org/presentationml/2006/main">
   <p:cSld>
     <p:spTree>
@@ -34295,7 +36912,7 @@
 </p:sld>
 </file>
 
-<file path=ppt/slides/slide54.xml><?xml version="1.0" encoding="utf-8"?>
+<file path=ppt/slides/slide55.xml><?xml version="1.0" encoding="utf-8"?>
 <p:sld xmlns:a="http://schemas.openxmlformats.org/drawingml/2006/main" xmlns:r="http://schemas.openxmlformats.org/officeDocument/2006/relationships" xmlns:p="http://schemas.openxmlformats.org/presentationml/2006/main">
   <p:cSld>
     <p:spTree>
@@ -34375,7 +36992,7 @@
 </p:sld>
 </file>
 
-<file path=ppt/slides/slide55.xml><?xml version="1.0" encoding="utf-8"?>
+<file path=ppt/slides/slide56.xml><?xml version="1.0" encoding="utf-8"?>
 <p:sld xmlns:a="http://schemas.openxmlformats.org/drawingml/2006/main" xmlns:r="http://schemas.openxmlformats.org/officeDocument/2006/relationships" xmlns:p="http://schemas.openxmlformats.org/presentationml/2006/main">
   <p:cSld>
     <p:spTree>
@@ -34455,7 +37072,7 @@
 </p:sld>
 </file>
 
-<file path=ppt/slides/slide56.xml><?xml version="1.0" encoding="utf-8"?>
+<file path=ppt/slides/slide57.xml><?xml version="1.0" encoding="utf-8"?>
 <p:sld xmlns:a="http://schemas.openxmlformats.org/drawingml/2006/main" xmlns:r="http://schemas.openxmlformats.org/officeDocument/2006/relationships" xmlns:p="http://schemas.openxmlformats.org/presentationml/2006/main">
   <p:cSld>
     <p:spTree>
@@ -34535,7 +37152,7 @@
 </p:sld>
 </file>
 
-<file path=ppt/slides/slide57.xml><?xml version="1.0" encoding="utf-8"?>
+<file path=ppt/slides/slide58.xml><?xml version="1.0" encoding="utf-8"?>
 <p:sld xmlns:a="http://schemas.openxmlformats.org/drawingml/2006/main" xmlns:r="http://schemas.openxmlformats.org/officeDocument/2006/relationships" xmlns:p="http://schemas.openxmlformats.org/presentationml/2006/main">
   <p:cSld>
     <p:spTree>
@@ -34615,7 +37232,7 @@
 </p:sld>
 </file>
 
-<file path=ppt/slides/slide58.xml><?xml version="1.0" encoding="utf-8"?>
+<file path=ppt/slides/slide59.xml><?xml version="1.0" encoding="utf-8"?>
 <p:sld xmlns:a="http://schemas.openxmlformats.org/drawingml/2006/main" xmlns:r="http://schemas.openxmlformats.org/officeDocument/2006/relationships" xmlns:p="http://schemas.openxmlformats.org/presentationml/2006/main">
   <p:cSld>
     <p:spTree>
@@ -34686,86 +37303,6 @@
     <p:extLst>
       <p:ext uri="{BB962C8B-B14F-4D97-AF65-F5344CB8AC3E}">
         <p14:creationId xmlns:p14="http://schemas.microsoft.com/office/powerpoint/2010/main" val="1117164700"/>
-      </p:ext>
-    </p:extLst>
-  </p:cSld>
-  <p:clrMapOvr>
-    <a:masterClrMapping/>
-  </p:clrMapOvr>
-</p:sld>
-</file>
-
-<file path=ppt/slides/slide59.xml><?xml version="1.0" encoding="utf-8"?>
-<p:sld xmlns:a="http://schemas.openxmlformats.org/drawingml/2006/main" xmlns:r="http://schemas.openxmlformats.org/officeDocument/2006/relationships" xmlns:p="http://schemas.openxmlformats.org/presentationml/2006/main">
-  <p:cSld>
-    <p:spTree>
-      <p:nvGrpSpPr>
-        <p:cNvPr id="1" name=""/>
-        <p:cNvGrpSpPr/>
-        <p:nvPr/>
-      </p:nvGrpSpPr>
-      <p:grpSpPr>
-        <a:xfrm>
-          <a:off x="0" y="0"/>
-          <a:ext cx="0" cy="0"/>
-          <a:chOff x="0" y="0"/>
-          <a:chExt cx="0" cy="0"/>
-        </a:xfrm>
-      </p:grpSpPr>
-      <p:sp>
-        <p:nvSpPr>
-          <p:cNvPr id="2" name="Title 1">
-            <a:extLst>
-              <a:ext uri="{FF2B5EF4-FFF2-40B4-BE49-F238E27FC236}">
-                <a16:creationId xmlns:a16="http://schemas.microsoft.com/office/drawing/2014/main" id="{9D1D36E5-5F41-4F40-A318-6B3A75058669}"/>
-              </a:ext>
-            </a:extLst>
-          </p:cNvPr>
-          <p:cNvSpPr>
-            <a:spLocks noGrp="1"/>
-          </p:cNvSpPr>
-          <p:nvPr>
-            <p:ph type="title"/>
-          </p:nvPr>
-        </p:nvSpPr>
-        <p:spPr/>
-        <p:txBody>
-          <a:bodyPr/>
-          <a:lstStyle/>
-          <a:p>
-            <a:endParaRPr lang="en-US"/>
-          </a:p>
-        </p:txBody>
-      </p:sp>
-      <p:sp>
-        <p:nvSpPr>
-          <p:cNvPr id="3" name="Content Placeholder 2">
-            <a:extLst>
-              <a:ext uri="{FF2B5EF4-FFF2-40B4-BE49-F238E27FC236}">
-                <a16:creationId xmlns:a16="http://schemas.microsoft.com/office/drawing/2014/main" id="{DB85E4E5-666B-A54E-AF21-8F4AEF2B79C3}"/>
-              </a:ext>
-            </a:extLst>
-          </p:cNvPr>
-          <p:cNvSpPr>
-            <a:spLocks noGrp="1"/>
-          </p:cNvSpPr>
-          <p:nvPr>
-            <p:ph idx="1"/>
-          </p:nvPr>
-        </p:nvSpPr>
-        <p:spPr/>
-        <p:txBody>
-          <a:bodyPr/>
-          <a:lstStyle/>
-          <a:p>
-            <a:endParaRPr lang="en-US"/>
-          </a:p>
-        </p:txBody>
-      </p:sp>
-    </p:spTree>
-    <p:extLst>
-      <p:ext uri="{BB962C8B-B14F-4D97-AF65-F5344CB8AC3E}">
-        <p14:creationId xmlns:p14="http://schemas.microsoft.com/office/powerpoint/2010/main" val="2692510549"/>
       </p:ext>
     </p:extLst>
   </p:cSld>
@@ -35334,6 +37871,86 @@
     <p:extLst>
       <p:ext uri="{BB962C8B-B14F-4D97-AF65-F5344CB8AC3E}">
         <p14:creationId xmlns:p14="http://schemas.microsoft.com/office/powerpoint/2010/main" val="228604485"/>
+      </p:ext>
+    </p:extLst>
+  </p:cSld>
+  <p:clrMapOvr>
+    <a:masterClrMapping/>
+  </p:clrMapOvr>
+</p:sld>
+</file>
+
+<file path=ppt/slides/slide60.xml><?xml version="1.0" encoding="utf-8"?>
+<p:sld xmlns:a="http://schemas.openxmlformats.org/drawingml/2006/main" xmlns:r="http://schemas.openxmlformats.org/officeDocument/2006/relationships" xmlns:p="http://schemas.openxmlformats.org/presentationml/2006/main">
+  <p:cSld>
+    <p:spTree>
+      <p:nvGrpSpPr>
+        <p:cNvPr id="1" name=""/>
+        <p:cNvGrpSpPr/>
+        <p:nvPr/>
+      </p:nvGrpSpPr>
+      <p:grpSpPr>
+        <a:xfrm>
+          <a:off x="0" y="0"/>
+          <a:ext cx="0" cy="0"/>
+          <a:chOff x="0" y="0"/>
+          <a:chExt cx="0" cy="0"/>
+        </a:xfrm>
+      </p:grpSpPr>
+      <p:sp>
+        <p:nvSpPr>
+          <p:cNvPr id="2" name="Title 1">
+            <a:extLst>
+              <a:ext uri="{FF2B5EF4-FFF2-40B4-BE49-F238E27FC236}">
+                <a16:creationId xmlns:a16="http://schemas.microsoft.com/office/drawing/2014/main" id="{9D1D36E5-5F41-4F40-A318-6B3A75058669}"/>
+              </a:ext>
+            </a:extLst>
+          </p:cNvPr>
+          <p:cNvSpPr>
+            <a:spLocks noGrp="1"/>
+          </p:cNvSpPr>
+          <p:nvPr>
+            <p:ph type="title"/>
+          </p:nvPr>
+        </p:nvSpPr>
+        <p:spPr/>
+        <p:txBody>
+          <a:bodyPr/>
+          <a:lstStyle/>
+          <a:p>
+            <a:endParaRPr lang="en-US"/>
+          </a:p>
+        </p:txBody>
+      </p:sp>
+      <p:sp>
+        <p:nvSpPr>
+          <p:cNvPr id="3" name="Content Placeholder 2">
+            <a:extLst>
+              <a:ext uri="{FF2B5EF4-FFF2-40B4-BE49-F238E27FC236}">
+                <a16:creationId xmlns:a16="http://schemas.microsoft.com/office/drawing/2014/main" id="{DB85E4E5-666B-A54E-AF21-8F4AEF2B79C3}"/>
+              </a:ext>
+            </a:extLst>
+          </p:cNvPr>
+          <p:cNvSpPr>
+            <a:spLocks noGrp="1"/>
+          </p:cNvSpPr>
+          <p:nvPr>
+            <p:ph idx="1"/>
+          </p:nvPr>
+        </p:nvSpPr>
+        <p:spPr/>
+        <p:txBody>
+          <a:bodyPr/>
+          <a:lstStyle/>
+          <a:p>
+            <a:endParaRPr lang="en-US"/>
+          </a:p>
+        </p:txBody>
+      </p:sp>
+    </p:spTree>
+    <p:extLst>
+      <p:ext uri="{BB962C8B-B14F-4D97-AF65-F5344CB8AC3E}">
+        <p14:creationId xmlns:p14="http://schemas.microsoft.com/office/powerpoint/2010/main" val="2692510549"/>
       </p:ext>
     </p:extLst>
   </p:cSld>
